--- a/CPE Electives (1 - 3)/01. Lectures Notebook/000. Presentations & Text Books/01. Presentation Slides/06.6 EWMA.pptx
+++ b/CPE Electives (1 - 3)/01. Lectures Notebook/000. Presentations & Text Books/01. Presentation Slides/06.6 EWMA.pptx
@@ -5,10 +5,10 @@
     <p:sldMasterId id="2147483684" r:id="rId1"/>
   </p:sldMasterIdLst>
   <p:notesMasterIdLst>
-    <p:notesMasterId r:id="rId19"/>
+    <p:notesMasterId r:id="rId27"/>
   </p:notesMasterIdLst>
   <p:handoutMasterIdLst>
-    <p:handoutMasterId r:id="rId20"/>
+    <p:handoutMasterId r:id="rId28"/>
   </p:handoutMasterIdLst>
   <p:sldIdLst>
     <p:sldId id="258" r:id="rId2"/>
@@ -27,7 +27,15 @@
     <p:sldId id="438" r:id="rId15"/>
     <p:sldId id="439" r:id="rId16"/>
     <p:sldId id="392" r:id="rId17"/>
-    <p:sldId id="314" r:id="rId18"/>
+    <p:sldId id="346" r:id="rId18"/>
+    <p:sldId id="440" r:id="rId19"/>
+    <p:sldId id="441" r:id="rId20"/>
+    <p:sldId id="442" r:id="rId21"/>
+    <p:sldId id="443" r:id="rId22"/>
+    <p:sldId id="444" r:id="rId23"/>
+    <p:sldId id="445" r:id="rId24"/>
+    <p:sldId id="446" r:id="rId25"/>
+    <p:sldId id="314" r:id="rId26"/>
   </p:sldIdLst>
   <p:sldSz cx="12192000" cy="6858000"/>
   <p:notesSz cx="6858000" cy="9144000"/>
@@ -128,7 +136,7 @@
   </p:defaultTextStyle>
   <p:extLst>
     <p:ext uri="{EFAFB233-063F-42B5-8137-9DF3F51BA10A}">
-      <p15:sldGuideLst xmlns:p15="http://schemas.microsoft.com/office/powerpoint/2012/main" xmlns="">
+      <p15:sldGuideLst xmlns:p15="http://schemas.microsoft.com/office/powerpoint/2012/main">
         <p15:guide id="1" orient="horz" pos="2160">
           <p15:clr>
             <a:srgbClr val="A4A3A4"/>
@@ -142,7 +150,7 @@
       </p15:sldGuideLst>
     </p:ext>
     <p:ext uri="{2D200454-40CA-4A62-9FC3-DE9A4176ACB9}">
-      <p15:notesGuideLst xmlns:p15="http://schemas.microsoft.com/office/powerpoint/2012/main" xmlns="">
+      <p15:notesGuideLst xmlns:p15="http://schemas.microsoft.com/office/powerpoint/2012/main">
         <p15:guide id="1" orient="horz" pos="2880">
           <p15:clr>
             <a:srgbClr val="A4A3A4"/>
@@ -241,7 +249,7 @@
           <a:p>
             <a:fld id="{3B6B94FD-5702-4F25-9A4D-07294FF3292C}" type="datetimeFigureOut">
               <a:rPr lang="en-PH" smtClean="0"/>
-              <a:t>3/9/2025</a:t>
+              <a:t>30 Jan 2026</a:t>
             </a:fld>
             <a:endParaRPr lang="en-PH"/>
           </a:p>
@@ -406,7 +414,7 @@
           <a:p>
             <a:fld id="{8365AC51-C568-4371-A28D-D14CF2BCF8BA}" type="datetimeFigureOut">
               <a:rPr lang="en-US" smtClean="0"/>
-              <a:t>3/9/2025</a:t>
+              <a:t>1/30/2026</a:t>
             </a:fld>
             <a:endParaRPr lang="en-US"/>
           </a:p>
@@ -757,6 +765,870 @@
 </p:notes>
 </file>
 
+<file path=ppt/notesSlides/notesSlide2.xml><?xml version="1.0" encoding="utf-8"?>
+<p:notes xmlns:a="http://schemas.openxmlformats.org/drawingml/2006/main" xmlns:r="http://schemas.openxmlformats.org/officeDocument/2006/relationships" xmlns:p="http://schemas.openxmlformats.org/presentationml/2006/main">
+  <p:cSld>
+    <p:spTree>
+      <p:nvGrpSpPr>
+        <p:cNvPr id="1" name="">
+          <a:extLst>
+            <a:ext uri="{FF2B5EF4-FFF2-40B4-BE49-F238E27FC236}">
+              <a16:creationId xmlns:a16="http://schemas.microsoft.com/office/drawing/2014/main" id="{1B209E07-A799-163A-631B-B9A0A4DA3B82}"/>
+            </a:ext>
+          </a:extLst>
+        </p:cNvPr>
+        <p:cNvGrpSpPr/>
+        <p:nvPr/>
+      </p:nvGrpSpPr>
+      <p:grpSpPr>
+        <a:xfrm>
+          <a:off x="0" y="0"/>
+          <a:ext cx="0" cy="0"/>
+          <a:chOff x="0" y="0"/>
+          <a:chExt cx="0" cy="0"/>
+        </a:xfrm>
+      </p:grpSpPr>
+      <p:sp>
+        <p:nvSpPr>
+          <p:cNvPr id="2" name="Slide Image Placeholder 1">
+            <a:extLst>
+              <a:ext uri="{FF2B5EF4-FFF2-40B4-BE49-F238E27FC236}">
+                <a16:creationId xmlns:a16="http://schemas.microsoft.com/office/drawing/2014/main" id="{79CE3F58-AADE-7AC0-A2FE-EBCB20C7A636}"/>
+              </a:ext>
+            </a:extLst>
+          </p:cNvPr>
+          <p:cNvSpPr>
+            <a:spLocks noGrp="1" noRot="1" noChangeAspect="1"/>
+          </p:cNvSpPr>
+          <p:nvPr>
+            <p:ph type="sldImg"/>
+          </p:nvPr>
+        </p:nvSpPr>
+        <p:spPr/>
+      </p:sp>
+      <p:sp>
+        <p:nvSpPr>
+          <p:cNvPr id="3" name="Notes Placeholder 2">
+            <a:extLst>
+              <a:ext uri="{FF2B5EF4-FFF2-40B4-BE49-F238E27FC236}">
+                <a16:creationId xmlns:a16="http://schemas.microsoft.com/office/drawing/2014/main" id="{7F9C1A55-4169-E3D5-FF74-17940E0CE88C}"/>
+              </a:ext>
+            </a:extLst>
+          </p:cNvPr>
+          <p:cNvSpPr>
+            <a:spLocks noGrp="1"/>
+          </p:cNvSpPr>
+          <p:nvPr>
+            <p:ph type="body" idx="1"/>
+          </p:nvPr>
+        </p:nvSpPr>
+        <p:spPr/>
+        <p:txBody>
+          <a:bodyPr/>
+          <a:lstStyle/>
+          <a:p>
+            <a:endParaRPr lang="en-PH"/>
+          </a:p>
+        </p:txBody>
+      </p:sp>
+      <p:sp>
+        <p:nvSpPr>
+          <p:cNvPr id="4" name="Slide Number Placeholder 3">
+            <a:extLst>
+              <a:ext uri="{FF2B5EF4-FFF2-40B4-BE49-F238E27FC236}">
+                <a16:creationId xmlns:a16="http://schemas.microsoft.com/office/drawing/2014/main" id="{4349A43D-D378-A926-D0DD-C0FE32B2F867}"/>
+              </a:ext>
+            </a:extLst>
+          </p:cNvPr>
+          <p:cNvSpPr>
+            <a:spLocks noGrp="1"/>
+          </p:cNvSpPr>
+          <p:nvPr>
+            <p:ph type="sldNum" sz="quarter" idx="10"/>
+          </p:nvPr>
+        </p:nvSpPr>
+        <p:spPr/>
+        <p:txBody>
+          <a:bodyPr/>
+          <a:lstStyle/>
+          <a:p>
+            <a:fld id="{2A838477-70AC-4892-810E-E936ABB30F23}" type="slidenum">
+              <a:rPr lang="en-US" smtClean="0"/>
+              <a:t>17</a:t>
+            </a:fld>
+            <a:endParaRPr lang="en-US"/>
+          </a:p>
+        </p:txBody>
+      </p:sp>
+    </p:spTree>
+    <p:extLst>
+      <p:ext uri="{BB962C8B-B14F-4D97-AF65-F5344CB8AC3E}">
+        <p14:creationId xmlns:p14="http://schemas.microsoft.com/office/powerpoint/2010/main" val="4225107731"/>
+      </p:ext>
+    </p:extLst>
+  </p:cSld>
+  <p:clrMapOvr>
+    <a:masterClrMapping/>
+  </p:clrMapOvr>
+</p:notes>
+</file>
+
+<file path=ppt/notesSlides/notesSlide3.xml><?xml version="1.0" encoding="utf-8"?>
+<p:notes xmlns:a="http://schemas.openxmlformats.org/drawingml/2006/main" xmlns:r="http://schemas.openxmlformats.org/officeDocument/2006/relationships" xmlns:p="http://schemas.openxmlformats.org/presentationml/2006/main">
+  <p:cSld>
+    <p:spTree>
+      <p:nvGrpSpPr>
+        <p:cNvPr id="1" name="">
+          <a:extLst>
+            <a:ext uri="{FF2B5EF4-FFF2-40B4-BE49-F238E27FC236}">
+              <a16:creationId xmlns:a16="http://schemas.microsoft.com/office/drawing/2014/main" id="{8D8AAEDC-BB0F-8E35-FC61-07AE6B0B1392}"/>
+            </a:ext>
+          </a:extLst>
+        </p:cNvPr>
+        <p:cNvGrpSpPr/>
+        <p:nvPr/>
+      </p:nvGrpSpPr>
+      <p:grpSpPr>
+        <a:xfrm>
+          <a:off x="0" y="0"/>
+          <a:ext cx="0" cy="0"/>
+          <a:chOff x="0" y="0"/>
+          <a:chExt cx="0" cy="0"/>
+        </a:xfrm>
+      </p:grpSpPr>
+      <p:sp>
+        <p:nvSpPr>
+          <p:cNvPr id="2" name="Slide Image Placeholder 1">
+            <a:extLst>
+              <a:ext uri="{FF2B5EF4-FFF2-40B4-BE49-F238E27FC236}">
+                <a16:creationId xmlns:a16="http://schemas.microsoft.com/office/drawing/2014/main" id="{AECAD6DE-02EA-5BB9-ED96-8E2103DA6830}"/>
+              </a:ext>
+            </a:extLst>
+          </p:cNvPr>
+          <p:cNvSpPr>
+            <a:spLocks noGrp="1" noRot="1" noChangeAspect="1"/>
+          </p:cNvSpPr>
+          <p:nvPr>
+            <p:ph type="sldImg"/>
+          </p:nvPr>
+        </p:nvSpPr>
+        <p:spPr/>
+      </p:sp>
+      <p:sp>
+        <p:nvSpPr>
+          <p:cNvPr id="3" name="Notes Placeholder 2">
+            <a:extLst>
+              <a:ext uri="{FF2B5EF4-FFF2-40B4-BE49-F238E27FC236}">
+                <a16:creationId xmlns:a16="http://schemas.microsoft.com/office/drawing/2014/main" id="{C22EB9B5-40B6-4374-361A-62B0780943DC}"/>
+              </a:ext>
+            </a:extLst>
+          </p:cNvPr>
+          <p:cNvSpPr>
+            <a:spLocks noGrp="1"/>
+          </p:cNvSpPr>
+          <p:nvPr>
+            <p:ph type="body" idx="1"/>
+          </p:nvPr>
+        </p:nvSpPr>
+        <p:spPr/>
+        <p:txBody>
+          <a:bodyPr/>
+          <a:lstStyle/>
+          <a:p>
+            <a:endParaRPr lang="en-PH"/>
+          </a:p>
+        </p:txBody>
+      </p:sp>
+      <p:sp>
+        <p:nvSpPr>
+          <p:cNvPr id="4" name="Slide Number Placeholder 3">
+            <a:extLst>
+              <a:ext uri="{FF2B5EF4-FFF2-40B4-BE49-F238E27FC236}">
+                <a16:creationId xmlns:a16="http://schemas.microsoft.com/office/drawing/2014/main" id="{AC67C053-6C71-B1DC-B374-8327B60838D4}"/>
+              </a:ext>
+            </a:extLst>
+          </p:cNvPr>
+          <p:cNvSpPr>
+            <a:spLocks noGrp="1"/>
+          </p:cNvSpPr>
+          <p:nvPr>
+            <p:ph type="sldNum" sz="quarter" idx="10"/>
+          </p:nvPr>
+        </p:nvSpPr>
+        <p:spPr/>
+        <p:txBody>
+          <a:bodyPr/>
+          <a:lstStyle/>
+          <a:p>
+            <a:fld id="{2A838477-70AC-4892-810E-E936ABB30F23}" type="slidenum">
+              <a:rPr lang="en-US" smtClean="0"/>
+              <a:t>18</a:t>
+            </a:fld>
+            <a:endParaRPr lang="en-US"/>
+          </a:p>
+        </p:txBody>
+      </p:sp>
+    </p:spTree>
+    <p:extLst>
+      <p:ext uri="{BB962C8B-B14F-4D97-AF65-F5344CB8AC3E}">
+        <p14:creationId xmlns:p14="http://schemas.microsoft.com/office/powerpoint/2010/main" val="923806611"/>
+      </p:ext>
+    </p:extLst>
+  </p:cSld>
+  <p:clrMapOvr>
+    <a:masterClrMapping/>
+  </p:clrMapOvr>
+</p:notes>
+</file>
+
+<file path=ppt/notesSlides/notesSlide4.xml><?xml version="1.0" encoding="utf-8"?>
+<p:notes xmlns:a="http://schemas.openxmlformats.org/drawingml/2006/main" xmlns:r="http://schemas.openxmlformats.org/officeDocument/2006/relationships" xmlns:p="http://schemas.openxmlformats.org/presentationml/2006/main">
+  <p:cSld>
+    <p:spTree>
+      <p:nvGrpSpPr>
+        <p:cNvPr id="1" name="">
+          <a:extLst>
+            <a:ext uri="{FF2B5EF4-FFF2-40B4-BE49-F238E27FC236}">
+              <a16:creationId xmlns:a16="http://schemas.microsoft.com/office/drawing/2014/main" id="{B8BC8356-8512-87D6-EF83-A976F8663E64}"/>
+            </a:ext>
+          </a:extLst>
+        </p:cNvPr>
+        <p:cNvGrpSpPr/>
+        <p:nvPr/>
+      </p:nvGrpSpPr>
+      <p:grpSpPr>
+        <a:xfrm>
+          <a:off x="0" y="0"/>
+          <a:ext cx="0" cy="0"/>
+          <a:chOff x="0" y="0"/>
+          <a:chExt cx="0" cy="0"/>
+        </a:xfrm>
+      </p:grpSpPr>
+      <p:sp>
+        <p:nvSpPr>
+          <p:cNvPr id="2" name="Slide Image Placeholder 1">
+            <a:extLst>
+              <a:ext uri="{FF2B5EF4-FFF2-40B4-BE49-F238E27FC236}">
+                <a16:creationId xmlns:a16="http://schemas.microsoft.com/office/drawing/2014/main" id="{D1CA0E9B-09D9-FE60-241A-317B5F692E8D}"/>
+              </a:ext>
+            </a:extLst>
+          </p:cNvPr>
+          <p:cNvSpPr>
+            <a:spLocks noGrp="1" noRot="1" noChangeAspect="1"/>
+          </p:cNvSpPr>
+          <p:nvPr>
+            <p:ph type="sldImg"/>
+          </p:nvPr>
+        </p:nvSpPr>
+        <p:spPr/>
+      </p:sp>
+      <p:sp>
+        <p:nvSpPr>
+          <p:cNvPr id="3" name="Notes Placeholder 2">
+            <a:extLst>
+              <a:ext uri="{FF2B5EF4-FFF2-40B4-BE49-F238E27FC236}">
+                <a16:creationId xmlns:a16="http://schemas.microsoft.com/office/drawing/2014/main" id="{004EA445-3FD0-55E4-3827-E185D3EB4544}"/>
+              </a:ext>
+            </a:extLst>
+          </p:cNvPr>
+          <p:cNvSpPr>
+            <a:spLocks noGrp="1"/>
+          </p:cNvSpPr>
+          <p:nvPr>
+            <p:ph type="body" idx="1"/>
+          </p:nvPr>
+        </p:nvSpPr>
+        <p:spPr/>
+        <p:txBody>
+          <a:bodyPr/>
+          <a:lstStyle/>
+          <a:p>
+            <a:endParaRPr lang="en-PH"/>
+          </a:p>
+        </p:txBody>
+      </p:sp>
+      <p:sp>
+        <p:nvSpPr>
+          <p:cNvPr id="4" name="Slide Number Placeholder 3">
+            <a:extLst>
+              <a:ext uri="{FF2B5EF4-FFF2-40B4-BE49-F238E27FC236}">
+                <a16:creationId xmlns:a16="http://schemas.microsoft.com/office/drawing/2014/main" id="{FE3BC456-D70C-59DE-AD84-44A97482F5F1}"/>
+              </a:ext>
+            </a:extLst>
+          </p:cNvPr>
+          <p:cNvSpPr>
+            <a:spLocks noGrp="1"/>
+          </p:cNvSpPr>
+          <p:nvPr>
+            <p:ph type="sldNum" sz="quarter" idx="10"/>
+          </p:nvPr>
+        </p:nvSpPr>
+        <p:spPr/>
+        <p:txBody>
+          <a:bodyPr/>
+          <a:lstStyle/>
+          <a:p>
+            <a:fld id="{2A838477-70AC-4892-810E-E936ABB30F23}" type="slidenum">
+              <a:rPr lang="en-US" smtClean="0"/>
+              <a:t>19</a:t>
+            </a:fld>
+            <a:endParaRPr lang="en-US"/>
+          </a:p>
+        </p:txBody>
+      </p:sp>
+    </p:spTree>
+    <p:extLst>
+      <p:ext uri="{BB962C8B-B14F-4D97-AF65-F5344CB8AC3E}">
+        <p14:creationId xmlns:p14="http://schemas.microsoft.com/office/powerpoint/2010/main" val="4023145955"/>
+      </p:ext>
+    </p:extLst>
+  </p:cSld>
+  <p:clrMapOvr>
+    <a:masterClrMapping/>
+  </p:clrMapOvr>
+</p:notes>
+</file>
+
+<file path=ppt/notesSlides/notesSlide5.xml><?xml version="1.0" encoding="utf-8"?>
+<p:notes xmlns:a="http://schemas.openxmlformats.org/drawingml/2006/main" xmlns:r="http://schemas.openxmlformats.org/officeDocument/2006/relationships" xmlns:p="http://schemas.openxmlformats.org/presentationml/2006/main">
+  <p:cSld>
+    <p:spTree>
+      <p:nvGrpSpPr>
+        <p:cNvPr id="1" name="">
+          <a:extLst>
+            <a:ext uri="{FF2B5EF4-FFF2-40B4-BE49-F238E27FC236}">
+              <a16:creationId xmlns:a16="http://schemas.microsoft.com/office/drawing/2014/main" id="{FFB12B3C-F5F1-FBC7-FAC4-8871C36A4290}"/>
+            </a:ext>
+          </a:extLst>
+        </p:cNvPr>
+        <p:cNvGrpSpPr/>
+        <p:nvPr/>
+      </p:nvGrpSpPr>
+      <p:grpSpPr>
+        <a:xfrm>
+          <a:off x="0" y="0"/>
+          <a:ext cx="0" cy="0"/>
+          <a:chOff x="0" y="0"/>
+          <a:chExt cx="0" cy="0"/>
+        </a:xfrm>
+      </p:grpSpPr>
+      <p:sp>
+        <p:nvSpPr>
+          <p:cNvPr id="2" name="Slide Image Placeholder 1">
+            <a:extLst>
+              <a:ext uri="{FF2B5EF4-FFF2-40B4-BE49-F238E27FC236}">
+                <a16:creationId xmlns:a16="http://schemas.microsoft.com/office/drawing/2014/main" id="{237C65E3-3FB8-900A-A381-665A49A02100}"/>
+              </a:ext>
+            </a:extLst>
+          </p:cNvPr>
+          <p:cNvSpPr>
+            <a:spLocks noGrp="1" noRot="1" noChangeAspect="1"/>
+          </p:cNvSpPr>
+          <p:nvPr>
+            <p:ph type="sldImg"/>
+          </p:nvPr>
+        </p:nvSpPr>
+        <p:spPr/>
+      </p:sp>
+      <p:sp>
+        <p:nvSpPr>
+          <p:cNvPr id="3" name="Notes Placeholder 2">
+            <a:extLst>
+              <a:ext uri="{FF2B5EF4-FFF2-40B4-BE49-F238E27FC236}">
+                <a16:creationId xmlns:a16="http://schemas.microsoft.com/office/drawing/2014/main" id="{C3E5FC4F-8535-9DD0-677F-95DE3F6D13B6}"/>
+              </a:ext>
+            </a:extLst>
+          </p:cNvPr>
+          <p:cNvSpPr>
+            <a:spLocks noGrp="1"/>
+          </p:cNvSpPr>
+          <p:nvPr>
+            <p:ph type="body" idx="1"/>
+          </p:nvPr>
+        </p:nvSpPr>
+        <p:spPr/>
+        <p:txBody>
+          <a:bodyPr/>
+          <a:lstStyle/>
+          <a:p>
+            <a:endParaRPr lang="en-PH"/>
+          </a:p>
+        </p:txBody>
+      </p:sp>
+      <p:sp>
+        <p:nvSpPr>
+          <p:cNvPr id="4" name="Slide Number Placeholder 3">
+            <a:extLst>
+              <a:ext uri="{FF2B5EF4-FFF2-40B4-BE49-F238E27FC236}">
+                <a16:creationId xmlns:a16="http://schemas.microsoft.com/office/drawing/2014/main" id="{4ACB5A3B-4D5F-0EA8-5B3B-4989FB5C2301}"/>
+              </a:ext>
+            </a:extLst>
+          </p:cNvPr>
+          <p:cNvSpPr>
+            <a:spLocks noGrp="1"/>
+          </p:cNvSpPr>
+          <p:nvPr>
+            <p:ph type="sldNum" sz="quarter" idx="10"/>
+          </p:nvPr>
+        </p:nvSpPr>
+        <p:spPr/>
+        <p:txBody>
+          <a:bodyPr/>
+          <a:lstStyle/>
+          <a:p>
+            <a:fld id="{2A838477-70AC-4892-810E-E936ABB30F23}" type="slidenum">
+              <a:rPr lang="en-US" smtClean="0"/>
+              <a:t>20</a:t>
+            </a:fld>
+            <a:endParaRPr lang="en-US"/>
+          </a:p>
+        </p:txBody>
+      </p:sp>
+    </p:spTree>
+    <p:extLst>
+      <p:ext uri="{BB962C8B-B14F-4D97-AF65-F5344CB8AC3E}">
+        <p14:creationId xmlns:p14="http://schemas.microsoft.com/office/powerpoint/2010/main" val="1759455538"/>
+      </p:ext>
+    </p:extLst>
+  </p:cSld>
+  <p:clrMapOvr>
+    <a:masterClrMapping/>
+  </p:clrMapOvr>
+</p:notes>
+</file>
+
+<file path=ppt/notesSlides/notesSlide6.xml><?xml version="1.0" encoding="utf-8"?>
+<p:notes xmlns:a="http://schemas.openxmlformats.org/drawingml/2006/main" xmlns:r="http://schemas.openxmlformats.org/officeDocument/2006/relationships" xmlns:p="http://schemas.openxmlformats.org/presentationml/2006/main">
+  <p:cSld>
+    <p:spTree>
+      <p:nvGrpSpPr>
+        <p:cNvPr id="1" name="">
+          <a:extLst>
+            <a:ext uri="{FF2B5EF4-FFF2-40B4-BE49-F238E27FC236}">
+              <a16:creationId xmlns:a16="http://schemas.microsoft.com/office/drawing/2014/main" id="{866F4159-0A0A-93D2-8FB6-1675AA2D4B7B}"/>
+            </a:ext>
+          </a:extLst>
+        </p:cNvPr>
+        <p:cNvGrpSpPr/>
+        <p:nvPr/>
+      </p:nvGrpSpPr>
+      <p:grpSpPr>
+        <a:xfrm>
+          <a:off x="0" y="0"/>
+          <a:ext cx="0" cy="0"/>
+          <a:chOff x="0" y="0"/>
+          <a:chExt cx="0" cy="0"/>
+        </a:xfrm>
+      </p:grpSpPr>
+      <p:sp>
+        <p:nvSpPr>
+          <p:cNvPr id="2" name="Slide Image Placeholder 1">
+            <a:extLst>
+              <a:ext uri="{FF2B5EF4-FFF2-40B4-BE49-F238E27FC236}">
+                <a16:creationId xmlns:a16="http://schemas.microsoft.com/office/drawing/2014/main" id="{B3883A9C-68D1-9ADF-9F19-5F2D893021AE}"/>
+              </a:ext>
+            </a:extLst>
+          </p:cNvPr>
+          <p:cNvSpPr>
+            <a:spLocks noGrp="1" noRot="1" noChangeAspect="1"/>
+          </p:cNvSpPr>
+          <p:nvPr>
+            <p:ph type="sldImg"/>
+          </p:nvPr>
+        </p:nvSpPr>
+        <p:spPr/>
+      </p:sp>
+      <p:sp>
+        <p:nvSpPr>
+          <p:cNvPr id="3" name="Notes Placeholder 2">
+            <a:extLst>
+              <a:ext uri="{FF2B5EF4-FFF2-40B4-BE49-F238E27FC236}">
+                <a16:creationId xmlns:a16="http://schemas.microsoft.com/office/drawing/2014/main" id="{C684EF59-AC12-C215-B4BB-5B0425F3103F}"/>
+              </a:ext>
+            </a:extLst>
+          </p:cNvPr>
+          <p:cNvSpPr>
+            <a:spLocks noGrp="1"/>
+          </p:cNvSpPr>
+          <p:nvPr>
+            <p:ph type="body" idx="1"/>
+          </p:nvPr>
+        </p:nvSpPr>
+        <p:spPr/>
+        <p:txBody>
+          <a:bodyPr/>
+          <a:lstStyle/>
+          <a:p>
+            <a:endParaRPr lang="en-PH"/>
+          </a:p>
+        </p:txBody>
+      </p:sp>
+      <p:sp>
+        <p:nvSpPr>
+          <p:cNvPr id="4" name="Slide Number Placeholder 3">
+            <a:extLst>
+              <a:ext uri="{FF2B5EF4-FFF2-40B4-BE49-F238E27FC236}">
+                <a16:creationId xmlns:a16="http://schemas.microsoft.com/office/drawing/2014/main" id="{4B16F970-1652-F6C6-F45C-ED0C88DD3DE5}"/>
+              </a:ext>
+            </a:extLst>
+          </p:cNvPr>
+          <p:cNvSpPr>
+            <a:spLocks noGrp="1"/>
+          </p:cNvSpPr>
+          <p:nvPr>
+            <p:ph type="sldNum" sz="quarter" idx="10"/>
+          </p:nvPr>
+        </p:nvSpPr>
+        <p:spPr/>
+        <p:txBody>
+          <a:bodyPr/>
+          <a:lstStyle/>
+          <a:p>
+            <a:fld id="{2A838477-70AC-4892-810E-E936ABB30F23}" type="slidenum">
+              <a:rPr lang="en-US" smtClean="0"/>
+              <a:t>21</a:t>
+            </a:fld>
+            <a:endParaRPr lang="en-US"/>
+          </a:p>
+        </p:txBody>
+      </p:sp>
+    </p:spTree>
+    <p:extLst>
+      <p:ext uri="{BB962C8B-B14F-4D97-AF65-F5344CB8AC3E}">
+        <p14:creationId xmlns:p14="http://schemas.microsoft.com/office/powerpoint/2010/main" val="2397513369"/>
+      </p:ext>
+    </p:extLst>
+  </p:cSld>
+  <p:clrMapOvr>
+    <a:masterClrMapping/>
+  </p:clrMapOvr>
+</p:notes>
+</file>
+
+<file path=ppt/notesSlides/notesSlide7.xml><?xml version="1.0" encoding="utf-8"?>
+<p:notes xmlns:a="http://schemas.openxmlformats.org/drawingml/2006/main" xmlns:r="http://schemas.openxmlformats.org/officeDocument/2006/relationships" xmlns:p="http://schemas.openxmlformats.org/presentationml/2006/main">
+  <p:cSld>
+    <p:spTree>
+      <p:nvGrpSpPr>
+        <p:cNvPr id="1" name="">
+          <a:extLst>
+            <a:ext uri="{FF2B5EF4-FFF2-40B4-BE49-F238E27FC236}">
+              <a16:creationId xmlns:a16="http://schemas.microsoft.com/office/drawing/2014/main" id="{E970BE97-9039-83A8-D791-620BCD15F956}"/>
+            </a:ext>
+          </a:extLst>
+        </p:cNvPr>
+        <p:cNvGrpSpPr/>
+        <p:nvPr/>
+      </p:nvGrpSpPr>
+      <p:grpSpPr>
+        <a:xfrm>
+          <a:off x="0" y="0"/>
+          <a:ext cx="0" cy="0"/>
+          <a:chOff x="0" y="0"/>
+          <a:chExt cx="0" cy="0"/>
+        </a:xfrm>
+      </p:grpSpPr>
+      <p:sp>
+        <p:nvSpPr>
+          <p:cNvPr id="2" name="Slide Image Placeholder 1">
+            <a:extLst>
+              <a:ext uri="{FF2B5EF4-FFF2-40B4-BE49-F238E27FC236}">
+                <a16:creationId xmlns:a16="http://schemas.microsoft.com/office/drawing/2014/main" id="{82CCD3D2-34EF-6EE8-6C73-07CC86D67D63}"/>
+              </a:ext>
+            </a:extLst>
+          </p:cNvPr>
+          <p:cNvSpPr>
+            <a:spLocks noGrp="1" noRot="1" noChangeAspect="1"/>
+          </p:cNvSpPr>
+          <p:nvPr>
+            <p:ph type="sldImg"/>
+          </p:nvPr>
+        </p:nvSpPr>
+        <p:spPr/>
+      </p:sp>
+      <p:sp>
+        <p:nvSpPr>
+          <p:cNvPr id="3" name="Notes Placeholder 2">
+            <a:extLst>
+              <a:ext uri="{FF2B5EF4-FFF2-40B4-BE49-F238E27FC236}">
+                <a16:creationId xmlns:a16="http://schemas.microsoft.com/office/drawing/2014/main" id="{10ECFC96-3912-4E97-4764-6FC16A508357}"/>
+              </a:ext>
+            </a:extLst>
+          </p:cNvPr>
+          <p:cNvSpPr>
+            <a:spLocks noGrp="1"/>
+          </p:cNvSpPr>
+          <p:nvPr>
+            <p:ph type="body" idx="1"/>
+          </p:nvPr>
+        </p:nvSpPr>
+        <p:spPr/>
+        <p:txBody>
+          <a:bodyPr/>
+          <a:lstStyle/>
+          <a:p>
+            <a:endParaRPr lang="en-PH"/>
+          </a:p>
+        </p:txBody>
+      </p:sp>
+      <p:sp>
+        <p:nvSpPr>
+          <p:cNvPr id="4" name="Slide Number Placeholder 3">
+            <a:extLst>
+              <a:ext uri="{FF2B5EF4-FFF2-40B4-BE49-F238E27FC236}">
+                <a16:creationId xmlns:a16="http://schemas.microsoft.com/office/drawing/2014/main" id="{3A7F6B69-1349-1DFC-252E-5590B5F3FED8}"/>
+              </a:ext>
+            </a:extLst>
+          </p:cNvPr>
+          <p:cNvSpPr>
+            <a:spLocks noGrp="1"/>
+          </p:cNvSpPr>
+          <p:nvPr>
+            <p:ph type="sldNum" sz="quarter" idx="10"/>
+          </p:nvPr>
+        </p:nvSpPr>
+        <p:spPr/>
+        <p:txBody>
+          <a:bodyPr/>
+          <a:lstStyle/>
+          <a:p>
+            <a:fld id="{2A838477-70AC-4892-810E-E936ABB30F23}" type="slidenum">
+              <a:rPr lang="en-US" smtClean="0"/>
+              <a:t>22</a:t>
+            </a:fld>
+            <a:endParaRPr lang="en-US"/>
+          </a:p>
+        </p:txBody>
+      </p:sp>
+    </p:spTree>
+    <p:extLst>
+      <p:ext uri="{BB962C8B-B14F-4D97-AF65-F5344CB8AC3E}">
+        <p14:creationId xmlns:p14="http://schemas.microsoft.com/office/powerpoint/2010/main" val="1185177876"/>
+      </p:ext>
+    </p:extLst>
+  </p:cSld>
+  <p:clrMapOvr>
+    <a:masterClrMapping/>
+  </p:clrMapOvr>
+</p:notes>
+</file>
+
+<file path=ppt/notesSlides/notesSlide8.xml><?xml version="1.0" encoding="utf-8"?>
+<p:notes xmlns:a="http://schemas.openxmlformats.org/drawingml/2006/main" xmlns:r="http://schemas.openxmlformats.org/officeDocument/2006/relationships" xmlns:p="http://schemas.openxmlformats.org/presentationml/2006/main">
+  <p:cSld>
+    <p:spTree>
+      <p:nvGrpSpPr>
+        <p:cNvPr id="1" name="">
+          <a:extLst>
+            <a:ext uri="{FF2B5EF4-FFF2-40B4-BE49-F238E27FC236}">
+              <a16:creationId xmlns:a16="http://schemas.microsoft.com/office/drawing/2014/main" id="{304FA429-DF83-AD6F-1C5C-0A65325171C4}"/>
+            </a:ext>
+          </a:extLst>
+        </p:cNvPr>
+        <p:cNvGrpSpPr/>
+        <p:nvPr/>
+      </p:nvGrpSpPr>
+      <p:grpSpPr>
+        <a:xfrm>
+          <a:off x="0" y="0"/>
+          <a:ext cx="0" cy="0"/>
+          <a:chOff x="0" y="0"/>
+          <a:chExt cx="0" cy="0"/>
+        </a:xfrm>
+      </p:grpSpPr>
+      <p:sp>
+        <p:nvSpPr>
+          <p:cNvPr id="2" name="Slide Image Placeholder 1">
+            <a:extLst>
+              <a:ext uri="{FF2B5EF4-FFF2-40B4-BE49-F238E27FC236}">
+                <a16:creationId xmlns:a16="http://schemas.microsoft.com/office/drawing/2014/main" id="{D82BEE47-AF68-2C42-AF21-AB0C0F6C042C}"/>
+              </a:ext>
+            </a:extLst>
+          </p:cNvPr>
+          <p:cNvSpPr>
+            <a:spLocks noGrp="1" noRot="1" noChangeAspect="1"/>
+          </p:cNvSpPr>
+          <p:nvPr>
+            <p:ph type="sldImg"/>
+          </p:nvPr>
+        </p:nvSpPr>
+        <p:spPr/>
+      </p:sp>
+      <p:sp>
+        <p:nvSpPr>
+          <p:cNvPr id="3" name="Notes Placeholder 2">
+            <a:extLst>
+              <a:ext uri="{FF2B5EF4-FFF2-40B4-BE49-F238E27FC236}">
+                <a16:creationId xmlns:a16="http://schemas.microsoft.com/office/drawing/2014/main" id="{7E61A3A5-8B00-F810-7C40-CB432855F92B}"/>
+              </a:ext>
+            </a:extLst>
+          </p:cNvPr>
+          <p:cNvSpPr>
+            <a:spLocks noGrp="1"/>
+          </p:cNvSpPr>
+          <p:nvPr>
+            <p:ph type="body" idx="1"/>
+          </p:nvPr>
+        </p:nvSpPr>
+        <p:spPr/>
+        <p:txBody>
+          <a:bodyPr/>
+          <a:lstStyle/>
+          <a:p>
+            <a:endParaRPr lang="en-PH"/>
+          </a:p>
+        </p:txBody>
+      </p:sp>
+      <p:sp>
+        <p:nvSpPr>
+          <p:cNvPr id="4" name="Slide Number Placeholder 3">
+            <a:extLst>
+              <a:ext uri="{FF2B5EF4-FFF2-40B4-BE49-F238E27FC236}">
+                <a16:creationId xmlns:a16="http://schemas.microsoft.com/office/drawing/2014/main" id="{253EC483-145C-30F2-E72B-1059383DF075}"/>
+              </a:ext>
+            </a:extLst>
+          </p:cNvPr>
+          <p:cNvSpPr>
+            <a:spLocks noGrp="1"/>
+          </p:cNvSpPr>
+          <p:nvPr>
+            <p:ph type="sldNum" sz="quarter" idx="10"/>
+          </p:nvPr>
+        </p:nvSpPr>
+        <p:spPr/>
+        <p:txBody>
+          <a:bodyPr/>
+          <a:lstStyle/>
+          <a:p>
+            <a:fld id="{2A838477-70AC-4892-810E-E936ABB30F23}" type="slidenum">
+              <a:rPr lang="en-US" smtClean="0"/>
+              <a:t>23</a:t>
+            </a:fld>
+            <a:endParaRPr lang="en-US"/>
+          </a:p>
+        </p:txBody>
+      </p:sp>
+    </p:spTree>
+    <p:extLst>
+      <p:ext uri="{BB962C8B-B14F-4D97-AF65-F5344CB8AC3E}">
+        <p14:creationId xmlns:p14="http://schemas.microsoft.com/office/powerpoint/2010/main" val="4260871139"/>
+      </p:ext>
+    </p:extLst>
+  </p:cSld>
+  <p:clrMapOvr>
+    <a:masterClrMapping/>
+  </p:clrMapOvr>
+</p:notes>
+</file>
+
+<file path=ppt/notesSlides/notesSlide9.xml><?xml version="1.0" encoding="utf-8"?>
+<p:notes xmlns:a="http://schemas.openxmlformats.org/drawingml/2006/main" xmlns:r="http://schemas.openxmlformats.org/officeDocument/2006/relationships" xmlns:p="http://schemas.openxmlformats.org/presentationml/2006/main">
+  <p:cSld>
+    <p:spTree>
+      <p:nvGrpSpPr>
+        <p:cNvPr id="1" name="">
+          <a:extLst>
+            <a:ext uri="{FF2B5EF4-FFF2-40B4-BE49-F238E27FC236}">
+              <a16:creationId xmlns:a16="http://schemas.microsoft.com/office/drawing/2014/main" id="{78404836-E8A4-E64B-71A1-019BB7E891B5}"/>
+            </a:ext>
+          </a:extLst>
+        </p:cNvPr>
+        <p:cNvGrpSpPr/>
+        <p:nvPr/>
+      </p:nvGrpSpPr>
+      <p:grpSpPr>
+        <a:xfrm>
+          <a:off x="0" y="0"/>
+          <a:ext cx="0" cy="0"/>
+          <a:chOff x="0" y="0"/>
+          <a:chExt cx="0" cy="0"/>
+        </a:xfrm>
+      </p:grpSpPr>
+      <p:sp>
+        <p:nvSpPr>
+          <p:cNvPr id="2" name="Slide Image Placeholder 1">
+            <a:extLst>
+              <a:ext uri="{FF2B5EF4-FFF2-40B4-BE49-F238E27FC236}">
+                <a16:creationId xmlns:a16="http://schemas.microsoft.com/office/drawing/2014/main" id="{3D927D59-5E77-D965-29A9-5407B386AC11}"/>
+              </a:ext>
+            </a:extLst>
+          </p:cNvPr>
+          <p:cNvSpPr>
+            <a:spLocks noGrp="1" noRot="1" noChangeAspect="1"/>
+          </p:cNvSpPr>
+          <p:nvPr>
+            <p:ph type="sldImg"/>
+          </p:nvPr>
+        </p:nvSpPr>
+        <p:spPr/>
+      </p:sp>
+      <p:sp>
+        <p:nvSpPr>
+          <p:cNvPr id="3" name="Notes Placeholder 2">
+            <a:extLst>
+              <a:ext uri="{FF2B5EF4-FFF2-40B4-BE49-F238E27FC236}">
+                <a16:creationId xmlns:a16="http://schemas.microsoft.com/office/drawing/2014/main" id="{CA459587-59AB-95FD-BF8A-FCB357AB833F}"/>
+              </a:ext>
+            </a:extLst>
+          </p:cNvPr>
+          <p:cNvSpPr>
+            <a:spLocks noGrp="1"/>
+          </p:cNvSpPr>
+          <p:nvPr>
+            <p:ph type="body" idx="1"/>
+          </p:nvPr>
+        </p:nvSpPr>
+        <p:spPr/>
+        <p:txBody>
+          <a:bodyPr/>
+          <a:lstStyle/>
+          <a:p>
+            <a:endParaRPr lang="en-PH"/>
+          </a:p>
+        </p:txBody>
+      </p:sp>
+      <p:sp>
+        <p:nvSpPr>
+          <p:cNvPr id="4" name="Slide Number Placeholder 3">
+            <a:extLst>
+              <a:ext uri="{FF2B5EF4-FFF2-40B4-BE49-F238E27FC236}">
+                <a16:creationId xmlns:a16="http://schemas.microsoft.com/office/drawing/2014/main" id="{731102DC-8E06-E586-D484-23414EC0559D}"/>
+              </a:ext>
+            </a:extLst>
+          </p:cNvPr>
+          <p:cNvSpPr>
+            <a:spLocks noGrp="1"/>
+          </p:cNvSpPr>
+          <p:nvPr>
+            <p:ph type="sldNum" sz="quarter" idx="10"/>
+          </p:nvPr>
+        </p:nvSpPr>
+        <p:spPr/>
+        <p:txBody>
+          <a:bodyPr/>
+          <a:lstStyle/>
+          <a:p>
+            <a:fld id="{2A838477-70AC-4892-810E-E936ABB30F23}" type="slidenum">
+              <a:rPr lang="en-US" smtClean="0"/>
+              <a:t>24</a:t>
+            </a:fld>
+            <a:endParaRPr lang="en-US"/>
+          </a:p>
+        </p:txBody>
+      </p:sp>
+    </p:spTree>
+    <p:extLst>
+      <p:ext uri="{BB962C8B-B14F-4D97-AF65-F5344CB8AC3E}">
+        <p14:creationId xmlns:p14="http://schemas.microsoft.com/office/powerpoint/2010/main" val="4240893497"/>
+      </p:ext>
+    </p:extLst>
+  </p:cSld>
+  <p:clrMapOvr>
+    <a:masterClrMapping/>
+  </p:clrMapOvr>
+</p:notes>
+</file>
+
 <file path=ppt/slideLayouts/slideLayout1.xml><?xml version="1.0" encoding="utf-8"?>
 <p:sldLayout xmlns:a="http://schemas.openxmlformats.org/drawingml/2006/main" xmlns:r="http://schemas.openxmlformats.org/officeDocument/2006/relationships" xmlns:p="http://schemas.openxmlformats.org/presentationml/2006/main" type="title" preserve="1">
   <p:cSld name="Title Slide">
@@ -1223,7 +2095,7 @@
           <p:cNvPr id="7" name="Footer Placeholder 4">
             <a:extLst>
               <a:ext uri="{FF2B5EF4-FFF2-40B4-BE49-F238E27FC236}">
-                <a16:creationId xmlns:a16="http://schemas.microsoft.com/office/drawing/2014/main" xmlns="" id="{D057E4A9-8BC1-4D03-B0CD-00353C3D487D}"/>
+                <a16:creationId xmlns:a16="http://schemas.microsoft.com/office/drawing/2014/main" id="{D057E4A9-8BC1-4D03-B0CD-00353C3D487D}"/>
               </a:ext>
             </a:extLst>
           </p:cNvPr>
@@ -3790,7 +4662,7 @@
           <a:p>
             <a:pPr algn="ctr"/>
             <a:r>
-              <a:rPr lang="en-US" sz="1400" b="1" dirty="0" smtClean="0"/>
+              <a:rPr lang="en-US" sz="1400" b="1" dirty="0"/>
               <a:t>EXPONENTIAL WEIGHTED MOVING AVERAGE (EWMA)</a:t>
             </a:r>
             <a:endParaRPr lang="en-PH" sz="1400" b="1" dirty="0"/>
@@ -4175,17 +5047,16 @@
           <a:p>
             <a:pPr algn="ctr"/>
             <a:r>
-              <a:rPr lang="en-US" sz="4800" b="1" dirty="0" smtClean="0"/>
+              <a:rPr lang="en-US" sz="4800" b="1" dirty="0"/>
               <a:t>Exponential Weighted </a:t>
             </a:r>
           </a:p>
           <a:p>
             <a:pPr algn="ctr"/>
             <a:r>
-              <a:rPr lang="en-US" sz="4800" b="1" dirty="0" smtClean="0"/>
+              <a:rPr lang="en-US" sz="4800" b="1" dirty="0"/>
               <a:t>Moving Average (EWMA)</a:t>
             </a:r>
-            <a:endParaRPr lang="en-US" sz="4800" b="1" dirty="0"/>
           </a:p>
         </p:txBody>
       </p:sp>
@@ -4213,12 +5084,8 @@
           <a:p>
             <a:pPr algn="ctr"/>
             <a:r>
-              <a:rPr lang="en-US" sz="2000" b="1" dirty="0" smtClean="0"/>
-              <a:t>Renato </a:t>
-            </a:r>
-            <a:r>
               <a:rPr lang="en-US" sz="2000" b="1" dirty="0"/>
-              <a:t>R. </a:t>
+              <a:t>Renato R. </a:t>
             </a:r>
             <a:r>
               <a:rPr lang="en-US" sz="2000" b="1" dirty="0" err="1"/>
@@ -4236,12 +5103,8 @@
           <a:p>
             <a:pPr algn="ctr"/>
             <a:r>
-              <a:rPr lang="en-US" sz="2000" i="1" dirty="0" smtClean="0"/>
-              <a:t>Professor 1, College </a:t>
-            </a:r>
-            <a:r>
               <a:rPr lang="en-US" sz="2000" i="1" dirty="0"/>
-              <a:t>of Engineering</a:t>
+              <a:t>Professor 1, College of Engineering</a:t>
             </a:r>
           </a:p>
           <a:p>
@@ -4318,7 +5181,7 @@
           <a:lstStyle/>
           <a:p>
             <a:r>
-              <a:rPr lang="en-US" sz="4000" b="1" dirty="0" smtClean="0"/>
+              <a:rPr lang="en-US" sz="4000" b="1" dirty="0"/>
               <a:t>Motivation on Choosing the Smoothing Factor </a:t>
             </a:r>
             <a:r>
@@ -4331,22 +5194,22 @@
           </a:p>
           <a:p>
             <a:r>
-              <a:rPr lang="en-US" sz="3600" b="1" dirty="0" smtClean="0">
+              <a:rPr lang="en-US" sz="3600" b="1" dirty="0">
                 <a:latin typeface="+mj-lt"/>
                 <a:cs typeface="Arial" pitchFamily="34" charset="0"/>
               </a:rPr>
               <a:t>Higher </a:t>
             </a:r>
             <a:r>
-              <a:rPr lang="el-GR" sz="3600" b="1" dirty="0" smtClean="0"/>
+              <a:rPr lang="el-GR" sz="3600" b="1" dirty="0"/>
               <a:t>λ</a:t>
             </a:r>
             <a:r>
-              <a:rPr lang="en-US" sz="3600" b="1" dirty="0" smtClean="0"/>
+              <a:rPr lang="en-US" sz="3600" b="1" dirty="0"/>
               <a:t> </a:t>
             </a:r>
             <a:r>
-              <a:rPr lang="en-US" sz="3600" dirty="0" smtClean="0"/>
+              <a:rPr lang="en-US" sz="3600" dirty="0"/>
               <a:t>(close to 1)</a:t>
             </a:r>
           </a:p>
@@ -4356,17 +5219,10 @@
                 <a:latin typeface="+mj-lt"/>
                 <a:cs typeface="Arial" pitchFamily="34" charset="0"/>
               </a:rPr>
-              <a:t> </a:t>
-            </a:r>
-            <a:r>
-              <a:rPr lang="en-US" sz="3600" dirty="0" smtClean="0">
-                <a:latin typeface="+mj-lt"/>
-                <a:cs typeface="Arial" pitchFamily="34" charset="0"/>
-              </a:rPr>
-              <a:t>  - places significant importance on </a:t>
-            </a:r>
-            <a:r>
-              <a:rPr lang="en-US" sz="3600" dirty="0" smtClean="0">
+              <a:t>   - places significant importance on </a:t>
+            </a:r>
+            <a:r>
+              <a:rPr lang="en-US" sz="3600" dirty="0">
                 <a:solidFill>
                   <a:srgbClr val="C00000"/>
                 </a:solidFill>
@@ -4382,19 +5238,8 @@
                 <a:latin typeface="+mj-lt"/>
                 <a:cs typeface="Arial" pitchFamily="34" charset="0"/>
               </a:rPr>
-              <a:t> </a:t>
-            </a:r>
-            <a:r>
-              <a:rPr lang="en-US" sz="3600" dirty="0" smtClean="0">
-                <a:latin typeface="+mj-lt"/>
-                <a:cs typeface="Arial" pitchFamily="34" charset="0"/>
-              </a:rPr>
-              <a:t>  - you want quick detection of recent changes</a:t>
-            </a:r>
-            <a:endParaRPr lang="en-US" sz="3600" dirty="0" smtClean="0">
-              <a:latin typeface="+mj-lt"/>
-              <a:cs typeface="Arial" pitchFamily="34" charset="0"/>
-            </a:endParaRPr>
+              <a:t>   - you want quick detection of recent changes</a:t>
+            </a:r>
           </a:p>
           <a:p>
             <a:endParaRPr lang="en-US" sz="1200" dirty="0">
@@ -4404,7 +5249,7 @@
           </a:p>
           <a:p>
             <a:r>
-              <a:rPr lang="en-US" sz="3600" b="1" dirty="0" smtClean="0">
+              <a:rPr lang="en-US" sz="3600" b="1" dirty="0">
                 <a:cs typeface="Arial" pitchFamily="34" charset="0"/>
               </a:rPr>
               <a:t>Lower </a:t>
@@ -4419,29 +5264,18 @@
             </a:r>
             <a:r>
               <a:rPr lang="en-US" sz="3600" dirty="0"/>
-              <a:t>(close to </a:t>
-            </a:r>
-            <a:r>
-              <a:rPr lang="en-US" sz="3600" dirty="0" smtClean="0"/>
-              <a:t>0)</a:t>
-            </a:r>
-            <a:endParaRPr lang="en-US" sz="3600" dirty="0"/>
+              <a:t>(close to 0)</a:t>
+            </a:r>
           </a:p>
           <a:p>
             <a:r>
               <a:rPr lang="en-US" sz="3600" dirty="0">
                 <a:cs typeface="Arial" pitchFamily="34" charset="0"/>
               </a:rPr>
-              <a:t>   - </a:t>
-            </a:r>
-            <a:r>
-              <a:rPr lang="en-US" sz="3600" dirty="0" smtClean="0">
-                <a:cs typeface="Arial" pitchFamily="34" charset="0"/>
-              </a:rPr>
-              <a:t>assigns greater weight to </a:t>
-            </a:r>
-            <a:r>
-              <a:rPr lang="en-US" sz="3600" dirty="0" smtClean="0">
+              <a:t>   - assigns greater weight to </a:t>
+            </a:r>
+            <a:r>
+              <a:rPr lang="en-US" sz="3600" dirty="0">
                 <a:solidFill>
                   <a:srgbClr val="C00000"/>
                 </a:solidFill>
@@ -4455,13 +5289,7 @@
               <a:rPr lang="en-US" sz="3600" dirty="0">
                 <a:cs typeface="Arial" pitchFamily="34" charset="0"/>
               </a:rPr>
-              <a:t> </a:t>
-            </a:r>
-            <a:r>
-              <a:rPr lang="en-US" sz="3600" dirty="0" smtClean="0">
-                <a:cs typeface="Arial" pitchFamily="34" charset="0"/>
-              </a:rPr>
-              <a:t>  - you want a more stable and less volatile trend </a:t>
+              <a:t>   - you want a more stable and less volatile trend </a:t>
             </a:r>
           </a:p>
           <a:p>
@@ -4469,17 +5297,8 @@
               <a:rPr lang="en-US" sz="3600" dirty="0">
                 <a:cs typeface="Arial" pitchFamily="34" charset="0"/>
               </a:rPr>
-              <a:t> </a:t>
-            </a:r>
-            <a:r>
-              <a:rPr lang="en-US" sz="3600" dirty="0" smtClean="0">
-                <a:cs typeface="Arial" pitchFamily="34" charset="0"/>
-              </a:rPr>
-              <a:t>    analysis</a:t>
-            </a:r>
-            <a:endParaRPr lang="en-US" sz="3600" dirty="0">
-              <a:cs typeface="Arial" pitchFamily="34" charset="0"/>
-            </a:endParaRPr>
+              <a:t>     analysis</a:t>
+            </a:r>
           </a:p>
         </p:txBody>
       </p:sp>
@@ -4536,7 +5355,7 @@
           <a:lstStyle/>
           <a:p>
             <a:r>
-              <a:rPr lang="en-US" sz="4000" b="1" dirty="0" smtClean="0"/>
+              <a:rPr lang="en-US" sz="4000" b="1" dirty="0"/>
               <a:t>Best Practices for Selecting </a:t>
             </a:r>
             <a:r>
@@ -4549,14 +5368,14 @@
           </a:p>
           <a:p>
             <a:r>
-              <a:rPr lang="en-US" sz="3200" dirty="0" smtClean="0">
+              <a:rPr lang="en-US" sz="3200" dirty="0">
                 <a:latin typeface="+mj-lt"/>
                 <a:cs typeface="Arial" pitchFamily="34" charset="0"/>
               </a:rPr>
               <a:t>Note: There is </a:t>
             </a:r>
             <a:r>
-              <a:rPr lang="en-US" sz="3200" dirty="0" smtClean="0">
+              <a:rPr lang="en-US" sz="3200" dirty="0">
                 <a:solidFill>
                   <a:srgbClr val="C00000"/>
                 </a:solidFill>
@@ -4566,7 +5385,7 @@
               <a:t>no single perfect </a:t>
             </a:r>
             <a:r>
-              <a:rPr lang="el-GR" sz="3200" dirty="0" smtClean="0">
+              <a:rPr lang="el-GR" sz="3200" dirty="0">
                 <a:solidFill>
                   <a:srgbClr val="C00000"/>
                 </a:solidFill>
@@ -4574,7 +5393,7 @@
               <a:t>λ</a:t>
             </a:r>
             <a:r>
-              <a:rPr lang="en-US" sz="3200" dirty="0" smtClean="0">
+              <a:rPr lang="en-US" sz="3200" dirty="0">
                 <a:solidFill>
                   <a:srgbClr val="C00000"/>
                 </a:solidFill>
@@ -4582,13 +5401,13 @@
               <a:t> value</a:t>
             </a:r>
             <a:r>
-              <a:rPr lang="en-US" sz="3200" dirty="0" smtClean="0"/>
+              <a:rPr lang="en-US" sz="3200" dirty="0"/>
               <a:t>, but this general guidelines help:</a:t>
             </a:r>
             <a:endParaRPr lang="el-GR" sz="3200" dirty="0"/>
           </a:p>
           <a:p>
-            <a:endParaRPr lang="en-US" sz="1100" dirty="0" smtClean="0"/>
+            <a:endParaRPr lang="en-US" sz="1100" dirty="0"/>
           </a:p>
           <a:p>
             <a:pPr marL="971550" lvl="1" indent="-514350">
@@ -4596,14 +5415,14 @@
               <a:buAutoNum type="alphaLcParenR"/>
             </a:pPr>
             <a:r>
-              <a:rPr lang="en-US" sz="3200" dirty="0" smtClean="0">
+              <a:rPr lang="en-US" sz="3200" dirty="0">
                 <a:latin typeface="+mj-lt"/>
                 <a:cs typeface="Arial" pitchFamily="34" charset="0"/>
               </a:rPr>
               <a:t>Typical values range between </a:t>
             </a:r>
             <a:r>
-              <a:rPr lang="en-US" sz="3200" dirty="0" smtClean="0">
+              <a:rPr lang="en-US" sz="3200" dirty="0">
                 <a:solidFill>
                   <a:srgbClr val="C00000"/>
                 </a:solidFill>
@@ -4613,7 +5432,7 @@
               <a:t>0.2 to 0.5 </a:t>
             </a:r>
             <a:r>
-              <a:rPr lang="en-US" sz="3200" dirty="0" smtClean="0">
+              <a:rPr lang="en-US" sz="3200" dirty="0">
                 <a:latin typeface="+mj-lt"/>
                 <a:cs typeface="Arial" pitchFamily="34" charset="0"/>
               </a:rPr>
@@ -4652,33 +5471,15 @@
               <a:rPr lang="en-US" sz="3200" dirty="0">
                 <a:cs typeface="Arial" pitchFamily="34" charset="0"/>
               </a:rPr>
-              <a:t>	that best fits your </a:t>
-            </a:r>
-            <a:r>
-              <a:rPr lang="en-US" sz="3200" dirty="0" smtClean="0">
-                <a:cs typeface="Arial" pitchFamily="34" charset="0"/>
-              </a:rPr>
-              <a:t>situation</a:t>
-            </a:r>
-          </a:p>
-          <a:p>
-            <a:r>
-              <a:rPr lang="en-US" sz="3200" dirty="0" smtClean="0">
-                <a:cs typeface="Arial" pitchFamily="34" charset="0"/>
-              </a:rPr>
-              <a:t>     c</a:t>
-            </a:r>
+              <a:t>	that best fits your situation</a:t>
+            </a:r>
+          </a:p>
+          <a:p>
             <a:r>
               <a:rPr lang="en-US" sz="3200" dirty="0">
                 <a:cs typeface="Arial" pitchFamily="34" charset="0"/>
               </a:rPr>
-              <a:t>) </a:t>
-            </a:r>
-            <a:r>
-              <a:rPr lang="en-US" sz="3200" dirty="0" smtClean="0">
-                <a:cs typeface="Arial" pitchFamily="34" charset="0"/>
-              </a:rPr>
-              <a:t> Regularly </a:t>
+              <a:t>     c)  Regularly </a:t>
             </a:r>
             <a:r>
               <a:rPr lang="en-US" sz="3200" dirty="0">
@@ -4701,11 +5502,7 @@
             </a:r>
             <a:r>
               <a:rPr lang="en-US" sz="3200" dirty="0"/>
-              <a:t>, if circumstances or data </a:t>
-            </a:r>
-            <a:r>
-              <a:rPr lang="en-US" sz="3200" dirty="0" smtClean="0"/>
-              <a:t>	behavior change</a:t>
+              <a:t>, if circumstances or data 	behavior change</a:t>
             </a:r>
             <a:endParaRPr lang="en-US" sz="3200" dirty="0">
               <a:cs typeface="Arial" pitchFamily="34" charset="0"/>
@@ -4766,7 +5563,7 @@
           <a:lstStyle/>
           <a:p>
             <a:r>
-              <a:rPr lang="en-US" sz="4000" b="1" dirty="0" smtClean="0"/>
+              <a:rPr lang="en-US" sz="4000" b="1" dirty="0"/>
               <a:t>EWMA Formula</a:t>
             </a:r>
           </a:p>
@@ -4777,39 +5574,39 @@
             <a:endParaRPr lang="en-US" sz="1200" b="1" dirty="0"/>
           </a:p>
           <a:p>
-            <a:endParaRPr lang="en-US" sz="3200" b="1" dirty="0" smtClean="0"/>
-          </a:p>
-          <a:p>
-            <a:r>
-              <a:rPr lang="el-GR" sz="3200" b="1" dirty="0" smtClean="0"/>
+            <a:endParaRPr lang="en-US" sz="3200" b="1" dirty="0"/>
+          </a:p>
+          <a:p>
+            <a:r>
+              <a:rPr lang="el-GR" sz="3200" b="1" dirty="0"/>
               <a:t>λ</a:t>
             </a:r>
             <a:r>
-              <a:rPr lang="en-US" sz="3200" b="1" dirty="0" smtClean="0"/>
+              <a:rPr lang="en-US" sz="3200" b="1" dirty="0"/>
               <a:t>: </a:t>
             </a:r>
             <a:r>
-              <a:rPr lang="en-US" sz="3200" dirty="0" smtClean="0"/>
+              <a:rPr lang="en-US" sz="3200" dirty="0"/>
               <a:t>Smoothing factor</a:t>
             </a:r>
           </a:p>
           <a:p>
             <a:r>
-              <a:rPr lang="en-US" sz="3200" b="1" dirty="0" smtClean="0"/>
+              <a:rPr lang="en-US" sz="3200" b="1" dirty="0"/>
               <a:t>Current Value</a:t>
             </a:r>
             <a:r>
-              <a:rPr lang="en-US" sz="3200" dirty="0" smtClean="0"/>
+              <a:rPr lang="en-US" sz="3200" dirty="0"/>
               <a:t>: Most recent data</a:t>
             </a:r>
           </a:p>
           <a:p>
             <a:r>
-              <a:rPr lang="en-US" sz="3200" b="1" dirty="0" smtClean="0"/>
+              <a:rPr lang="en-US" sz="3200" b="1" dirty="0"/>
               <a:t>Previous EMWA</a:t>
             </a:r>
             <a:r>
-              <a:rPr lang="en-US" sz="3200" dirty="0" smtClean="0"/>
+              <a:rPr lang="en-US" sz="3200" dirty="0"/>
               <a:t>: Last Calculated EWMA value</a:t>
             </a:r>
             <a:endParaRPr lang="el-GR" sz="3200" dirty="0"/>
@@ -4933,48 +5730,47 @@
           <a:lstStyle/>
           <a:p>
             <a:r>
-              <a:rPr lang="en-US" sz="4000" b="1" dirty="0" smtClean="0"/>
+              <a:rPr lang="en-US" sz="4000" b="1" dirty="0"/>
               <a:t>Simple Example</a:t>
             </a:r>
           </a:p>
           <a:p>
             <a:r>
-              <a:rPr lang="en-US" sz="4000" dirty="0" smtClean="0"/>
+              <a:rPr lang="en-US" sz="4000" dirty="0"/>
               <a:t>Imagine tracking website traffic daily:</a:t>
             </a:r>
-            <a:endParaRPr lang="en-US" sz="4000" dirty="0"/>
-          </a:p>
-          <a:p>
-            <a:endParaRPr lang="en-US" sz="1400" b="1" dirty="0" smtClean="0"/>
-          </a:p>
-          <a:p>
-            <a:r>
-              <a:rPr lang="en-US" sz="3200" dirty="0" smtClean="0"/>
+          </a:p>
+          <a:p>
+            <a:endParaRPr lang="en-US" sz="1400" b="1" dirty="0"/>
+          </a:p>
+          <a:p>
+            <a:r>
+              <a:rPr lang="en-US" sz="3200" dirty="0"/>
               <a:t>Monday: 		100 </a:t>
             </a:r>
           </a:p>
           <a:p>
             <a:r>
-              <a:rPr lang="en-US" sz="3200" dirty="0" smtClean="0"/>
+              <a:rPr lang="en-US" sz="3200" dirty="0"/>
               <a:t>Tuesday:		120</a:t>
             </a:r>
           </a:p>
           <a:p>
             <a:r>
-              <a:rPr lang="en-US" sz="3200" dirty="0" smtClean="0"/>
+              <a:rPr lang="en-US" sz="3200" dirty="0"/>
               <a:t>Wednesday:	90</a:t>
             </a:r>
           </a:p>
           <a:p>
             <a:r>
-              <a:rPr lang="en-US" sz="3200" dirty="0" smtClean="0"/>
+              <a:rPr lang="en-US" sz="3200" dirty="0"/>
               <a:t>Thursday:		130</a:t>
             </a:r>
             <a:r>
-              <a:rPr lang="en-US" sz="3200" b="1" dirty="0" smtClean="0"/>
+              <a:rPr lang="en-US" sz="3200" b="1" dirty="0"/>
               <a:t>		</a:t>
             </a:r>
-            <a:endParaRPr lang="en-US" sz="3200" dirty="0" smtClean="0"/>
+            <a:endParaRPr lang="en-US" sz="3200" dirty="0"/>
           </a:p>
         </p:txBody>
       </p:sp>
@@ -5016,8 +5812,8 @@
         </p:nvSpPr>
         <p:spPr>
           <a:xfrm>
-            <a:off x="743093" y="891598"/>
-            <a:ext cx="10558668" cy="2893100"/>
+            <a:off x="743093" y="714043"/>
+            <a:ext cx="10558668" cy="3508653"/>
           </a:xfrm>
           <a:prstGeom prst="rect">
             <a:avLst/>
@@ -5031,28 +5827,34 @@
           <a:lstStyle/>
           <a:p>
             <a:r>
-              <a:rPr lang="en-US" sz="4000" b="1" dirty="0" smtClean="0"/>
+              <a:rPr lang="en-US" sz="4000" b="1" dirty="0"/>
               <a:t>Using </a:t>
             </a:r>
             <a:r>
-              <a:rPr lang="el-GR" sz="4000" b="1" dirty="0" smtClean="0"/>
+              <a:rPr lang="el-GR" sz="4000" b="1" dirty="0"/>
               <a:t>λ</a:t>
             </a:r>
             <a:r>
-              <a:rPr lang="en-US" sz="4000" b="1" dirty="0" smtClean="0"/>
+              <a:rPr lang="en-US" sz="4000" b="1" dirty="0"/>
               <a:t> = 0.3 (moderate responsiveness)</a:t>
             </a:r>
           </a:p>
           <a:p>
-            <a:endParaRPr lang="en-US" sz="1400" b="1" dirty="0" smtClean="0"/>
-          </a:p>
-          <a:p>
-            <a:r>
-              <a:rPr lang="en-US" sz="3200" dirty="0" smtClean="0"/>
+            <a:r>
+              <a:rPr lang="en-US" sz="4000" b="1" dirty="0"/>
+              <a:t>[100, 120, 90, 130]</a:t>
+            </a:r>
+          </a:p>
+          <a:p>
+            <a:endParaRPr lang="en-US" sz="1400" b="1" dirty="0"/>
+          </a:p>
+          <a:p>
+            <a:r>
+              <a:rPr lang="en-US" sz="3200" dirty="0"/>
               <a:t>Monday’s EWMA: 	</a:t>
             </a:r>
             <a:r>
-              <a:rPr lang="en-US" sz="3200" dirty="0" smtClean="0">
+              <a:rPr lang="en-US" sz="3200" dirty="0">
                 <a:solidFill>
                   <a:srgbClr val="0070C0"/>
                 </a:solidFill>
@@ -5060,17 +5862,17 @@
               <a:t>100</a:t>
             </a:r>
             <a:r>
-              <a:rPr lang="en-US" sz="3200" dirty="0" smtClean="0"/>
+              <a:rPr lang="en-US" sz="3200" dirty="0"/>
               <a:t> (initial value)</a:t>
             </a:r>
           </a:p>
           <a:p>
             <a:r>
-              <a:rPr lang="en-US" sz="3200" dirty="0" smtClean="0"/>
+              <a:rPr lang="en-US" sz="3200" dirty="0"/>
               <a:t>Tuesday:			(0.3 * </a:t>
             </a:r>
             <a:r>
-              <a:rPr lang="en-US" sz="3200" dirty="0" smtClean="0">
+              <a:rPr lang="en-US" sz="3200" dirty="0">
                 <a:solidFill>
                   <a:srgbClr val="0070C0"/>
                 </a:solidFill>
@@ -5078,11 +5880,11 @@
               <a:t>120</a:t>
             </a:r>
             <a:r>
-              <a:rPr lang="en-US" sz="3200" dirty="0" smtClean="0"/>
+              <a:rPr lang="en-US" sz="3200" dirty="0"/>
               <a:t>) + (0.7 * 100) = </a:t>
             </a:r>
             <a:r>
-              <a:rPr lang="en-US" sz="3200" dirty="0" smtClean="0">
+              <a:rPr lang="en-US" sz="3200" dirty="0">
                 <a:solidFill>
                   <a:srgbClr val="FF0000"/>
                 </a:solidFill>
@@ -5092,11 +5894,11 @@
           </a:p>
           <a:p>
             <a:r>
-              <a:rPr lang="en-US" sz="3200" dirty="0" smtClean="0"/>
+              <a:rPr lang="en-US" sz="3200" dirty="0"/>
               <a:t>Wednesday:		(0.3 * </a:t>
             </a:r>
             <a:r>
-              <a:rPr lang="en-US" sz="3200" dirty="0" smtClean="0">
+              <a:rPr lang="en-US" sz="3200" dirty="0">
                 <a:solidFill>
                   <a:srgbClr val="0070C0"/>
                 </a:solidFill>
@@ -5104,11 +5906,11 @@
               <a:t>90</a:t>
             </a:r>
             <a:r>
-              <a:rPr lang="en-US" sz="3200" dirty="0" smtClean="0"/>
+              <a:rPr lang="en-US" sz="3200" dirty="0"/>
               <a:t>) + (0.7 * </a:t>
             </a:r>
             <a:r>
-              <a:rPr lang="en-US" sz="3200" dirty="0" smtClean="0">
+              <a:rPr lang="en-US" sz="3200" dirty="0">
                 <a:solidFill>
                   <a:srgbClr val="FF0000"/>
                 </a:solidFill>
@@ -5116,31 +5918,566 @@
               <a:t>106</a:t>
             </a:r>
             <a:r>
-              <a:rPr lang="en-US" sz="3200" dirty="0" smtClean="0"/>
-              <a:t>) = 101.2</a:t>
-            </a:r>
-          </a:p>
-          <a:p>
-            <a:r>
-              <a:rPr lang="en-US" sz="3200" dirty="0" smtClean="0"/>
+              <a:rPr lang="en-US" sz="3200" dirty="0"/>
+              <a:t>) = </a:t>
+            </a:r>
+            <a:r>
+              <a:rPr lang="en-US" sz="3200" dirty="0">
+                <a:solidFill>
+                  <a:srgbClr val="0070C0"/>
+                </a:solidFill>
+              </a:rPr>
+              <a:t>101.2</a:t>
+            </a:r>
+          </a:p>
+          <a:p>
+            <a:r>
+              <a:rPr lang="en-US" sz="3200" dirty="0"/>
               <a:t>Thursday:		</a:t>
             </a:r>
             <a:r>
-              <a:rPr lang="en-US" sz="3200" b="1" dirty="0" smtClean="0"/>
+              <a:rPr lang="en-US" sz="3200" b="1" dirty="0"/>
               <a:t>	</a:t>
             </a:r>
             <a:r>
-              <a:rPr lang="en-US" sz="3200" dirty="0" smtClean="0"/>
-              <a:t>(0.3 * 130) + (0.7 * 101.2) = 109.84</a:t>
-            </a:r>
-            <a:r>
-              <a:rPr lang="en-US" sz="3200" b="1" dirty="0" smtClean="0"/>
+              <a:rPr lang="en-US" sz="3200" dirty="0"/>
+              <a:t>(0.3 * 130) + (0.7 * </a:t>
+            </a:r>
+            <a:r>
+              <a:rPr lang="en-US" sz="3200" dirty="0">
+                <a:solidFill>
+                  <a:srgbClr val="0070C0"/>
+                </a:solidFill>
+              </a:rPr>
+              <a:t>101.2</a:t>
+            </a:r>
+            <a:r>
+              <a:rPr lang="en-US" sz="3200" dirty="0"/>
+              <a:t>) = </a:t>
+            </a:r>
+            <a:r>
+              <a:rPr lang="en-US" sz="3200" dirty="0">
+                <a:highlight>
+                  <a:srgbClr val="FFFF00"/>
+                </a:highlight>
+              </a:rPr>
+              <a:t>109.84</a:t>
+            </a:r>
+            <a:r>
+              <a:rPr lang="en-US" sz="3200" b="1" dirty="0"/>
               <a:t>	</a:t>
             </a:r>
-            <a:endParaRPr lang="en-US" sz="3200" dirty="0" smtClean="0"/>
+            <a:endParaRPr lang="en-US" sz="3200" dirty="0"/>
           </a:p>
         </p:txBody>
       </p:sp>
+      <mc:AlternateContent xmlns:mc="http://schemas.openxmlformats.org/markup-compatibility/2006" xmlns:a14="http://schemas.microsoft.com/office/drawing/2010/main">
+        <mc:Choice Requires="a14">
+          <p:sp>
+            <p:nvSpPr>
+              <p:cNvPr id="2" name="TextBox 1">
+                <a:extLst>
+                  <a:ext uri="{FF2B5EF4-FFF2-40B4-BE49-F238E27FC236}">
+                    <a16:creationId xmlns:a16="http://schemas.microsoft.com/office/drawing/2014/main" id="{FC63A2B5-0747-9B58-BF2C-840CD6FFB6D5}"/>
+                  </a:ext>
+                </a:extLst>
+              </p:cNvPr>
+              <p:cNvSpPr txBox="1"/>
+              <p:nvPr/>
+            </p:nvSpPr>
+            <p:spPr>
+              <a:xfrm>
+                <a:off x="743093" y="4270159"/>
+                <a:ext cx="10558668" cy="1723549"/>
+              </a:xfrm>
+              <a:prstGeom prst="rect">
+                <a:avLst/>
+              </a:prstGeom>
+              <a:noFill/>
+            </p:spPr>
+            <p:txBody>
+              <a:bodyPr wrap="square" rtlCol="0">
+                <a:spAutoFit/>
+              </a:bodyPr>
+              <a:lstStyle/>
+              <a:p>
+                <a:pPr/>
+                <a14:m>
+                  <m:oMathPara xmlns:m="http://schemas.openxmlformats.org/officeDocument/2006/math">
+                    <m:oMathParaPr>
+                      <m:jc m:val="left"/>
+                    </m:oMathParaPr>
+                    <m:oMath xmlns:m="http://schemas.openxmlformats.org/officeDocument/2006/math">
+                      <m:sSub>
+                        <m:sSubPr>
+                          <m:ctrlPr>
+                            <a:rPr lang="en-US" sz="2000" i="1" smtClean="0">
+                              <a:latin typeface="Cambria Math" panose="02040503050406030204" pitchFamily="18" charset="0"/>
+                            </a:rPr>
+                          </m:ctrlPr>
+                        </m:sSubPr>
+                        <m:e>
+                          <m:r>
+                            <a:rPr lang="en-US" sz="2000" b="0" i="1" smtClean="0">
+                              <a:latin typeface="Cambria Math" panose="02040503050406030204" pitchFamily="18" charset="0"/>
+                            </a:rPr>
+                            <m:t>𝑆</m:t>
+                          </m:r>
+                        </m:e>
+                        <m:sub>
+                          <m:r>
+                            <a:rPr lang="en-US" sz="2000" b="0" i="1" smtClean="0">
+                              <a:latin typeface="Cambria Math" panose="02040503050406030204" pitchFamily="18" charset="0"/>
+                            </a:rPr>
+                            <m:t>4</m:t>
+                          </m:r>
+                        </m:sub>
+                      </m:sSub>
+                      <m:r>
+                        <a:rPr lang="en-US" sz="2000" b="0" i="1" smtClean="0">
+                          <a:latin typeface="Cambria Math" panose="02040503050406030204" pitchFamily="18" charset="0"/>
+                        </a:rPr>
+                        <m:t>=0.3</m:t>
+                      </m:r>
+                      <m:d>
+                        <m:dPr>
+                          <m:ctrlPr>
+                            <a:rPr lang="en-US" sz="2000" i="1" smtClean="0">
+                              <a:latin typeface="Cambria Math" panose="02040503050406030204" pitchFamily="18" charset="0"/>
+                            </a:rPr>
+                          </m:ctrlPr>
+                        </m:dPr>
+                        <m:e>
+                          <m:r>
+                            <a:rPr lang="en-US" sz="2000" b="0" i="1" smtClean="0">
+                              <a:latin typeface="Cambria Math" panose="02040503050406030204" pitchFamily="18" charset="0"/>
+                            </a:rPr>
+                            <m:t>130</m:t>
+                          </m:r>
+                        </m:e>
+                      </m:d>
+                      <m:r>
+                        <a:rPr lang="en-US" sz="2000" b="0" i="1" smtClean="0">
+                          <a:latin typeface="Cambria Math" panose="02040503050406030204" pitchFamily="18" charset="0"/>
+                        </a:rPr>
+                        <m:t>+0.21</m:t>
+                      </m:r>
+                      <m:d>
+                        <m:dPr>
+                          <m:ctrlPr>
+                            <a:rPr lang="en-US" sz="2000" i="1" smtClean="0">
+                              <a:latin typeface="Cambria Math" panose="02040503050406030204" pitchFamily="18" charset="0"/>
+                            </a:rPr>
+                          </m:ctrlPr>
+                        </m:dPr>
+                        <m:e>
+                          <m:r>
+                            <a:rPr lang="en-US" sz="2000" b="0" i="1" smtClean="0">
+                              <a:latin typeface="Cambria Math" panose="02040503050406030204" pitchFamily="18" charset="0"/>
+                            </a:rPr>
+                            <m:t>90</m:t>
+                          </m:r>
+                        </m:e>
+                      </m:d>
+                      <m:r>
+                        <a:rPr lang="en-US" sz="2000" b="0" i="1" smtClean="0">
+                          <a:latin typeface="Cambria Math" panose="02040503050406030204" pitchFamily="18" charset="0"/>
+                        </a:rPr>
+                        <m:t>+0.147</m:t>
+                      </m:r>
+                      <m:d>
+                        <m:dPr>
+                          <m:ctrlPr>
+                            <a:rPr lang="en-US" sz="2000" i="1" smtClean="0">
+                              <a:latin typeface="Cambria Math" panose="02040503050406030204" pitchFamily="18" charset="0"/>
+                            </a:rPr>
+                          </m:ctrlPr>
+                        </m:dPr>
+                        <m:e>
+                          <m:r>
+                            <a:rPr lang="en-US" sz="2000" b="0" i="1" smtClean="0">
+                              <a:latin typeface="Cambria Math" panose="02040503050406030204" pitchFamily="18" charset="0"/>
+                            </a:rPr>
+                            <m:t>120</m:t>
+                          </m:r>
+                        </m:e>
+                      </m:d>
+                      <m:r>
+                        <a:rPr lang="en-US" sz="2000" b="0" i="1" smtClean="0">
+                          <a:latin typeface="Cambria Math" panose="02040503050406030204" pitchFamily="18" charset="0"/>
+                        </a:rPr>
+                        <m:t>+0.343</m:t>
+                      </m:r>
+                      <m:d>
+                        <m:dPr>
+                          <m:ctrlPr>
+                            <a:rPr lang="en-US" sz="2000" i="1" smtClean="0">
+                              <a:latin typeface="Cambria Math" panose="02040503050406030204" pitchFamily="18" charset="0"/>
+                            </a:rPr>
+                          </m:ctrlPr>
+                        </m:dPr>
+                        <m:e>
+                          <m:r>
+                            <a:rPr lang="en-US" sz="2000" b="0" i="1" smtClean="0">
+                              <a:latin typeface="Cambria Math" panose="02040503050406030204" pitchFamily="18" charset="0"/>
+                            </a:rPr>
+                            <m:t>100</m:t>
+                          </m:r>
+                        </m:e>
+                      </m:d>
+                      <m:r>
+                        <a:rPr lang="en-US" sz="2000" b="0" i="1" smtClean="0">
+                          <a:latin typeface="Cambria Math" panose="02040503050406030204" pitchFamily="18" charset="0"/>
+                        </a:rPr>
+                        <m:t>=</m:t>
+                      </m:r>
+                      <m:r>
+                        <a:rPr lang="en-US" sz="2000" b="0" i="1" smtClean="0">
+                          <a:highlight>
+                            <a:srgbClr val="FFFF00"/>
+                          </a:highlight>
+                          <a:latin typeface="Cambria Math" panose="02040503050406030204" pitchFamily="18" charset="0"/>
+                        </a:rPr>
+                        <m:t>109.84</m:t>
+                      </m:r>
+                    </m:oMath>
+                  </m:oMathPara>
+                </a14:m>
+                <a:endParaRPr lang="en-US" sz="2000" dirty="0">
+                  <a:highlight>
+                    <a:srgbClr val="FFFF00"/>
+                  </a:highlight>
+                </a:endParaRPr>
+              </a:p>
+              <a:p>
+                <a:endParaRPr lang="en-US" sz="1400" b="1" dirty="0"/>
+              </a:p>
+              <a:p>
+                <a:r>
+                  <a:rPr lang="en-US" i="1" dirty="0">
+                    <a:latin typeface="Cambria Math" panose="02040503050406030204" pitchFamily="18" charset="0"/>
+                  </a:rPr>
+                  <a:t>Current: 0.3</a:t>
+                </a:r>
+              </a:p>
+              <a:p>
+                <a:pPr/>
+                <a14:m>
+                  <m:oMathPara xmlns:m="http://schemas.openxmlformats.org/officeDocument/2006/math">
+                    <m:oMathParaPr>
+                      <m:jc m:val="left"/>
+                    </m:oMathParaPr>
+                    <m:oMath xmlns:m="http://schemas.openxmlformats.org/officeDocument/2006/math">
+                      <m:r>
+                        <a:rPr lang="en-US" b="0" i="1" smtClean="0">
+                          <a:latin typeface="Cambria Math" panose="02040503050406030204" pitchFamily="18" charset="0"/>
+                        </a:rPr>
+                        <m:t>1 </m:t>
+                      </m:r>
+                      <m:r>
+                        <a:rPr lang="en-US" b="0" i="1" smtClean="0">
+                          <a:latin typeface="Cambria Math" panose="02040503050406030204" pitchFamily="18" charset="0"/>
+                        </a:rPr>
+                        <m:t>𝑠𝑡𝑒𝑝</m:t>
+                      </m:r>
+                      <m:r>
+                        <a:rPr lang="en-US" b="0" i="1" smtClean="0">
+                          <a:latin typeface="Cambria Math" panose="02040503050406030204" pitchFamily="18" charset="0"/>
+                        </a:rPr>
+                        <m:t> </m:t>
+                      </m:r>
+                      <m:r>
+                        <a:rPr lang="en-US" b="0" i="1" smtClean="0">
+                          <a:latin typeface="Cambria Math" panose="02040503050406030204" pitchFamily="18" charset="0"/>
+                        </a:rPr>
+                        <m:t>𝑜𝑙𝑑</m:t>
+                      </m:r>
+                      <m:r>
+                        <a:rPr lang="en-US" b="0" i="1" smtClean="0">
+                          <a:latin typeface="Cambria Math" panose="02040503050406030204" pitchFamily="18" charset="0"/>
+                        </a:rPr>
+                        <m:t>=0.3</m:t>
+                      </m:r>
+                      <m:d>
+                        <m:dPr>
+                          <m:ctrlPr>
+                            <a:rPr lang="en-US" i="1" smtClean="0">
+                              <a:latin typeface="Cambria Math" panose="02040503050406030204" pitchFamily="18" charset="0"/>
+                            </a:rPr>
+                          </m:ctrlPr>
+                        </m:dPr>
+                        <m:e>
+                          <m:r>
+                            <a:rPr lang="en-US" b="0" i="1" smtClean="0">
+                              <a:latin typeface="Cambria Math" panose="02040503050406030204" pitchFamily="18" charset="0"/>
+                            </a:rPr>
+                            <m:t>0.7</m:t>
+                          </m:r>
+                        </m:e>
+                      </m:d>
+                      <m:r>
+                        <a:rPr lang="en-US" b="0" i="1" smtClean="0">
+                          <a:latin typeface="Cambria Math" panose="02040503050406030204" pitchFamily="18" charset="0"/>
+                        </a:rPr>
+                        <m:t>=0.21, </m:t>
+                      </m:r>
+                    </m:oMath>
+                  </m:oMathPara>
+                </a14:m>
+                <a:endParaRPr lang="en-US" i="1" dirty="0">
+                  <a:latin typeface="Cambria Math" panose="02040503050406030204" pitchFamily="18" charset="0"/>
+                </a:endParaRPr>
+              </a:p>
+              <a:p>
+                <a:pPr/>
+                <a14:m>
+                  <m:oMathPara xmlns:m="http://schemas.openxmlformats.org/officeDocument/2006/math">
+                    <m:oMathParaPr>
+                      <m:jc m:val="left"/>
+                    </m:oMathParaPr>
+                    <m:oMath xmlns:m="http://schemas.openxmlformats.org/officeDocument/2006/math">
+                      <m:r>
+                        <a:rPr lang="en-US" b="0" i="1" smtClean="0">
+                          <a:latin typeface="Cambria Math" panose="02040503050406030204" pitchFamily="18" charset="0"/>
+                        </a:rPr>
+                        <m:t>2 </m:t>
+                      </m:r>
+                      <m:r>
+                        <a:rPr lang="en-US" b="0" i="1" smtClean="0">
+                          <a:latin typeface="Cambria Math" panose="02040503050406030204" pitchFamily="18" charset="0"/>
+                        </a:rPr>
+                        <m:t>𝑠𝑡𝑒𝑝</m:t>
+                      </m:r>
+                      <m:r>
+                        <a:rPr lang="en-US" b="0" i="1" smtClean="0">
+                          <a:latin typeface="Cambria Math" panose="02040503050406030204" pitchFamily="18" charset="0"/>
+                        </a:rPr>
+                        <m:t> </m:t>
+                      </m:r>
+                      <m:r>
+                        <a:rPr lang="en-US" b="0" i="1" smtClean="0">
+                          <a:latin typeface="Cambria Math" panose="02040503050406030204" pitchFamily="18" charset="0"/>
+                        </a:rPr>
+                        <m:t>𝑜𝑙𝑑</m:t>
+                      </m:r>
+                      <m:r>
+                        <a:rPr lang="en-US" b="0" i="1" smtClean="0">
+                          <a:latin typeface="Cambria Math" panose="02040503050406030204" pitchFamily="18" charset="0"/>
+                        </a:rPr>
+                        <m:t>=0.3</m:t>
+                      </m:r>
+                      <m:sSup>
+                        <m:sSupPr>
+                          <m:ctrlPr>
+                            <a:rPr lang="en-US" i="1" smtClean="0">
+                              <a:latin typeface="Cambria Math" panose="02040503050406030204" pitchFamily="18" charset="0"/>
+                            </a:rPr>
+                          </m:ctrlPr>
+                        </m:sSupPr>
+                        <m:e>
+                          <m:r>
+                            <a:rPr lang="en-US" b="0" i="1" smtClean="0">
+                              <a:latin typeface="Cambria Math" panose="02040503050406030204" pitchFamily="18" charset="0"/>
+                            </a:rPr>
+                            <m:t>(0.7)</m:t>
+                          </m:r>
+                        </m:e>
+                        <m:sup>
+                          <m:r>
+                            <a:rPr lang="en-US" b="0" i="1" smtClean="0">
+                              <a:latin typeface="Cambria Math" panose="02040503050406030204" pitchFamily="18" charset="0"/>
+                            </a:rPr>
+                            <m:t>2</m:t>
+                          </m:r>
+                        </m:sup>
+                      </m:sSup>
+                      <m:r>
+                        <a:rPr lang="en-US" b="0" i="1" smtClean="0">
+                          <a:latin typeface="Cambria Math" panose="02040503050406030204" pitchFamily="18" charset="0"/>
+                        </a:rPr>
+                        <m:t>=0.147</m:t>
+                      </m:r>
+                    </m:oMath>
+                  </m:oMathPara>
+                </a14:m>
+                <a:endParaRPr lang="en-US" dirty="0"/>
+              </a:p>
+              <a:p>
+                <a:pPr/>
+                <a14:m>
+                  <m:oMathPara xmlns:m="http://schemas.openxmlformats.org/officeDocument/2006/math">
+                    <m:oMathParaPr>
+                      <m:jc m:val="left"/>
+                    </m:oMathParaPr>
+                    <m:oMath xmlns:m="http://schemas.openxmlformats.org/officeDocument/2006/math">
+                      <m:r>
+                        <a:rPr lang="en-US" b="0" i="1" smtClean="0">
+                          <a:latin typeface="Cambria Math" panose="02040503050406030204" pitchFamily="18" charset="0"/>
+                        </a:rPr>
+                        <m:t>3 </m:t>
+                      </m:r>
+                      <m:r>
+                        <a:rPr lang="en-US" b="0" i="1" smtClean="0">
+                          <a:latin typeface="Cambria Math" panose="02040503050406030204" pitchFamily="18" charset="0"/>
+                        </a:rPr>
+                        <m:t>𝑠𝑡𝑒𝑝</m:t>
+                      </m:r>
+                      <m:r>
+                        <a:rPr lang="en-US" b="0" i="1" smtClean="0">
+                          <a:latin typeface="Cambria Math" panose="02040503050406030204" pitchFamily="18" charset="0"/>
+                        </a:rPr>
+                        <m:t> </m:t>
+                      </m:r>
+                      <m:r>
+                        <a:rPr lang="en-US" b="0" i="1" smtClean="0">
+                          <a:latin typeface="Cambria Math" panose="02040503050406030204" pitchFamily="18" charset="0"/>
+                        </a:rPr>
+                        <m:t>𝑜𝑙𝑑</m:t>
+                      </m:r>
+                      <m:r>
+                        <a:rPr lang="en-US" b="0" i="1" smtClean="0">
+                          <a:latin typeface="Cambria Math" panose="02040503050406030204" pitchFamily="18" charset="0"/>
+                        </a:rPr>
+                        <m:t>=</m:t>
+                      </m:r>
+                      <m:sSup>
+                        <m:sSupPr>
+                          <m:ctrlPr>
+                            <a:rPr lang="en-US" i="1" smtClean="0">
+                              <a:latin typeface="Cambria Math" panose="02040503050406030204" pitchFamily="18" charset="0"/>
+                            </a:rPr>
+                          </m:ctrlPr>
+                        </m:sSupPr>
+                        <m:e>
+                          <m:r>
+                            <a:rPr lang="en-US" b="0" i="1" smtClean="0">
+                              <a:latin typeface="Cambria Math" panose="02040503050406030204" pitchFamily="18" charset="0"/>
+                            </a:rPr>
+                            <m:t>0.7</m:t>
+                          </m:r>
+                        </m:e>
+                        <m:sup>
+                          <m:r>
+                            <a:rPr lang="en-US" b="0" i="1" smtClean="0">
+                              <a:latin typeface="Cambria Math" panose="02040503050406030204" pitchFamily="18" charset="0"/>
+                            </a:rPr>
+                            <m:t>3</m:t>
+                          </m:r>
+                        </m:sup>
+                      </m:sSup>
+                      <m:r>
+                        <a:rPr lang="en-US" b="0" i="1" smtClean="0">
+                          <a:latin typeface="Cambria Math" panose="02040503050406030204" pitchFamily="18" charset="0"/>
+                        </a:rPr>
+                        <m:t>=0.343</m:t>
+                      </m:r>
+                      <m:r>
+                        <a:rPr lang="en-US" b="0" i="0" smtClean="0">
+                          <a:latin typeface="Cambria Math" panose="02040503050406030204" pitchFamily="18" charset="0"/>
+                        </a:rPr>
+                        <m:t>, </m:t>
+                      </m:r>
+                      <m:d>
+                        <m:dPr>
+                          <m:ctrlPr>
+                            <a:rPr lang="en-US" i="1" smtClean="0">
+                              <a:latin typeface="Cambria Math" panose="02040503050406030204" pitchFamily="18" charset="0"/>
+                            </a:rPr>
+                          </m:ctrlPr>
+                        </m:dPr>
+                        <m:e>
+                          <m:r>
+                            <a:rPr lang="en-US" b="0" i="0" smtClean="0">
+                              <a:latin typeface="Cambria Math" panose="02040503050406030204" pitchFamily="18" charset="0"/>
+                            </a:rPr>
+                            <m:t>0.3 ∗</m:t>
+                          </m:r>
+                          <m:sSup>
+                            <m:sSupPr>
+                              <m:ctrlPr>
+                                <a:rPr lang="en-US" i="1" smtClean="0">
+                                  <a:latin typeface="Cambria Math" panose="02040503050406030204" pitchFamily="18" charset="0"/>
+                                </a:rPr>
+                              </m:ctrlPr>
+                            </m:sSupPr>
+                            <m:e>
+                              <m:r>
+                                <a:rPr lang="en-US" b="0" i="1" smtClean="0">
+                                  <a:latin typeface="Cambria Math" panose="02040503050406030204" pitchFamily="18" charset="0"/>
+                                </a:rPr>
+                                <m:t>0.7</m:t>
+                              </m:r>
+                            </m:e>
+                            <m:sup>
+                              <m:r>
+                                <a:rPr lang="en-US" b="0" i="1" smtClean="0">
+                                  <a:latin typeface="Cambria Math" panose="02040503050406030204" pitchFamily="18" charset="0"/>
+                                </a:rPr>
+                                <m:t>3</m:t>
+                              </m:r>
+                            </m:sup>
+                          </m:sSup>
+                        </m:e>
+                      </m:d>
+                      <m:r>
+                        <a:rPr lang="en-US" b="0" i="1" smtClean="0">
+                          <a:latin typeface="Cambria Math" panose="02040503050406030204" pitchFamily="18" charset="0"/>
+                        </a:rPr>
+                        <m:t>=0.1029</m:t>
+                      </m:r>
+                    </m:oMath>
+                  </m:oMathPara>
+                </a14:m>
+                <a:endParaRPr lang="en-US" dirty="0"/>
+              </a:p>
+            </p:txBody>
+          </p:sp>
+        </mc:Choice>
+        <mc:Fallback xmlns="">
+          <p:sp>
+            <p:nvSpPr>
+              <p:cNvPr id="2" name="TextBox 1">
+                <a:extLst>
+                  <a:ext uri="{FF2B5EF4-FFF2-40B4-BE49-F238E27FC236}">
+                    <a16:creationId xmlns:a16="http://schemas.microsoft.com/office/drawing/2014/main" id="{FC63A2B5-0747-9B58-BF2C-840CD6FFB6D5}"/>
+                  </a:ext>
+                </a:extLst>
+              </p:cNvPr>
+              <p:cNvSpPr txBox="1">
+                <a:spLocks noRot="1" noChangeAspect="1" noMove="1" noResize="1" noEditPoints="1" noAdjustHandles="1" noChangeArrowheads="1" noChangeShapeType="1" noTextEdit="1"/>
+              </p:cNvSpPr>
+              <p:nvPr/>
+            </p:nvSpPr>
+            <p:spPr>
+              <a:xfrm>
+                <a:off x="743093" y="4270159"/>
+                <a:ext cx="10558668" cy="1723549"/>
+              </a:xfrm>
+              <a:prstGeom prst="rect">
+                <a:avLst/>
+              </a:prstGeom>
+              <a:blipFill>
+                <a:blip r:embed="rId2"/>
+                <a:stretch>
+                  <a:fillRect l="-520" b="-1413"/>
+                </a:stretch>
+              </a:blipFill>
+            </p:spPr>
+            <p:txBody>
+              <a:bodyPr/>
+              <a:lstStyle/>
+              <a:p>
+                <a:r>
+                  <a:rPr lang="en-PH">
+                    <a:noFill/>
+                  </a:rPr>
+                  <a:t> </a:t>
+                </a:r>
+              </a:p>
+            </p:txBody>
+          </p:sp>
+        </mc:Fallback>
+      </mc:AlternateContent>
     </p:spTree>
     <p:extLst>
       <p:ext uri="{BB962C8B-B14F-4D97-AF65-F5344CB8AC3E}">
@@ -5180,7 +6517,7 @@
         <p:spPr>
           <a:xfrm>
             <a:off x="743093" y="891598"/>
-            <a:ext cx="10558668" cy="2893100"/>
+            <a:ext cx="10558668" cy="4001095"/>
           </a:xfrm>
           <a:prstGeom prst="rect">
             <a:avLst/>
@@ -5194,28 +6531,37 @@
           <a:lstStyle/>
           <a:p>
             <a:r>
-              <a:rPr lang="en-US" sz="4000" b="1" dirty="0" smtClean="0"/>
+              <a:rPr lang="en-US" sz="4000" b="1" dirty="0"/>
               <a:t>Using </a:t>
             </a:r>
             <a:r>
-              <a:rPr lang="el-GR" sz="4000" b="1" dirty="0" smtClean="0"/>
+              <a:rPr lang="el-GR" sz="4000" b="1" dirty="0"/>
               <a:t>λ</a:t>
             </a:r>
             <a:r>
-              <a:rPr lang="en-US" sz="4000" b="1" dirty="0" smtClean="0"/>
+              <a:rPr lang="en-US" sz="4000" b="1" dirty="0"/>
               <a:t> = 0.4 (moderate responsiveness)</a:t>
             </a:r>
           </a:p>
           <a:p>
-            <a:endParaRPr lang="en-US" sz="1400" b="1" dirty="0" smtClean="0"/>
-          </a:p>
-          <a:p>
-            <a:r>
-              <a:rPr lang="en-US" sz="3200" dirty="0" smtClean="0"/>
+            <a:endParaRPr lang="en-US" sz="1400" b="1" dirty="0"/>
+          </a:p>
+          <a:p>
+            <a:r>
+              <a:rPr lang="en-US" sz="4000" b="1" dirty="0"/>
+              <a:t>[100, 120, 90, 130]</a:t>
+            </a:r>
+          </a:p>
+          <a:p>
+            <a:endParaRPr lang="en-US" sz="3200" dirty="0"/>
+          </a:p>
+          <a:p>
+            <a:r>
+              <a:rPr lang="en-US" sz="3200" dirty="0"/>
               <a:t>Monday’s EWMA: 	</a:t>
             </a:r>
             <a:r>
-              <a:rPr lang="en-US" sz="3200" dirty="0" smtClean="0">
+              <a:rPr lang="en-US" sz="3200" dirty="0">
                 <a:solidFill>
                   <a:srgbClr val="0070C0"/>
                 </a:solidFill>
@@ -5223,17 +6569,17 @@
               <a:t>100</a:t>
             </a:r>
             <a:r>
-              <a:rPr lang="en-US" sz="3200" dirty="0" smtClean="0"/>
+              <a:rPr lang="en-US" sz="3200" dirty="0"/>
               <a:t> (initial value)</a:t>
             </a:r>
           </a:p>
           <a:p>
             <a:r>
-              <a:rPr lang="en-US" sz="3200" dirty="0" smtClean="0"/>
+              <a:rPr lang="en-US" sz="3200" dirty="0"/>
               <a:t>Tuesday:			(0.4 * </a:t>
             </a:r>
             <a:r>
-              <a:rPr lang="en-US" sz="3200" dirty="0" smtClean="0">
+              <a:rPr lang="en-US" sz="3200" dirty="0">
                 <a:solidFill>
                   <a:srgbClr val="0070C0"/>
                 </a:solidFill>
@@ -5241,11 +6587,11 @@
               <a:t>120</a:t>
             </a:r>
             <a:r>
-              <a:rPr lang="en-US" sz="3200" dirty="0" smtClean="0"/>
+              <a:rPr lang="en-US" sz="3200" dirty="0"/>
               <a:t>) + (0.6 * 100) = </a:t>
             </a:r>
             <a:r>
-              <a:rPr lang="en-US" sz="3200" dirty="0" smtClean="0">
+              <a:rPr lang="en-US" sz="3200" dirty="0">
                 <a:solidFill>
                   <a:srgbClr val="FF0000"/>
                 </a:solidFill>
@@ -5255,11 +6601,11 @@
           </a:p>
           <a:p>
             <a:r>
-              <a:rPr lang="en-US" sz="3200" dirty="0" smtClean="0"/>
+              <a:rPr lang="en-US" sz="3200" dirty="0"/>
               <a:t>Wednesday:		(0.4 * </a:t>
             </a:r>
             <a:r>
-              <a:rPr lang="en-US" sz="3200" dirty="0" smtClean="0">
+              <a:rPr lang="en-US" sz="3200" dirty="0">
                 <a:solidFill>
                   <a:srgbClr val="0070C0"/>
                 </a:solidFill>
@@ -5267,11 +6613,11 @@
               <a:t>90</a:t>
             </a:r>
             <a:r>
-              <a:rPr lang="en-US" sz="3200" dirty="0" smtClean="0"/>
+              <a:rPr lang="en-US" sz="3200" dirty="0"/>
               <a:t>) + (0.6 * </a:t>
             </a:r>
             <a:r>
-              <a:rPr lang="en-US" sz="3200" dirty="0" smtClean="0">
+              <a:rPr lang="en-US" sz="3200" dirty="0">
                 <a:solidFill>
                   <a:srgbClr val="FF0000"/>
                 </a:solidFill>
@@ -5279,25 +6625,33 @@
               <a:t>108</a:t>
             </a:r>
             <a:r>
-              <a:rPr lang="en-US" sz="3200" dirty="0" smtClean="0"/>
-              <a:t>) = 100.8</a:t>
-            </a:r>
-          </a:p>
-          <a:p>
-            <a:r>
-              <a:rPr lang="en-US" sz="3200" dirty="0" smtClean="0"/>
+              <a:rPr lang="en-US" sz="3200" dirty="0"/>
+              <a:t>) = </a:t>
+            </a:r>
+            <a:r>
+              <a:rPr lang="en-US" sz="3200" dirty="0">
+                <a:solidFill>
+                  <a:srgbClr val="0070C0"/>
+                </a:solidFill>
+              </a:rPr>
+              <a:t>100.8</a:t>
+            </a:r>
+          </a:p>
+          <a:p>
+            <a:r>
+              <a:rPr lang="en-US" sz="3200" dirty="0"/>
               <a:t>Thursday:		</a:t>
             </a:r>
             <a:r>
-              <a:rPr lang="en-US" sz="3200" b="1" dirty="0" smtClean="0"/>
+              <a:rPr lang="en-US" sz="3200" b="1" dirty="0"/>
               <a:t>	</a:t>
             </a:r>
             <a:r>
-              <a:rPr lang="en-US" sz="3200" dirty="0" smtClean="0"/>
+              <a:rPr lang="en-US" sz="3200" dirty="0"/>
               <a:t>(0.4 * </a:t>
             </a:r>
             <a:r>
-              <a:rPr lang="en-US" sz="3200" dirty="0" smtClean="0">
+              <a:rPr lang="en-US" sz="3200" dirty="0">
                 <a:solidFill>
                   <a:srgbClr val="0070C0"/>
                 </a:solidFill>
@@ -5305,14 +6659,26 @@
               <a:t>130</a:t>
             </a:r>
             <a:r>
-              <a:rPr lang="en-US" sz="3200" dirty="0" smtClean="0"/>
-              <a:t>) + (0.6 * 100.8) = 112.48</a:t>
-            </a:r>
-            <a:r>
-              <a:rPr lang="en-US" sz="3200" b="1" dirty="0" smtClean="0"/>
+              <a:rPr lang="en-US" sz="3200" dirty="0"/>
+              <a:t>) + (0.6 * </a:t>
+            </a:r>
+            <a:r>
+              <a:rPr lang="en-US" sz="3200" dirty="0">
+                <a:solidFill>
+                  <a:srgbClr val="0070C0"/>
+                </a:solidFill>
+              </a:rPr>
+              <a:t>100.8</a:t>
+            </a:r>
+            <a:r>
+              <a:rPr lang="en-US" sz="3200" dirty="0"/>
+              <a:t>) = 112.48</a:t>
+            </a:r>
+            <a:r>
+              <a:rPr lang="en-US" sz="3200" b="1" dirty="0"/>
               <a:t>	</a:t>
             </a:r>
-            <a:endParaRPr lang="en-US" sz="3200" dirty="0" smtClean="0"/>
+            <a:endParaRPr lang="en-US" sz="3200" dirty="0"/>
           </a:p>
         </p:txBody>
       </p:sp>
@@ -5370,7 +6736,7 @@
           <a:p>
             <a:pPr algn="ctr"/>
             <a:r>
-              <a:rPr lang="en-US" sz="4400" b="1" dirty="0" smtClean="0">
+              <a:rPr lang="en-US" sz="4400" b="1" dirty="0">
                 <a:latin typeface="Arial" pitchFamily="34" charset="0"/>
                 <a:cs typeface="Arial" pitchFamily="34" charset="0"/>
               </a:rPr>
@@ -5404,7 +6770,13 @@
   <p:cSld>
     <p:spTree>
       <p:nvGrpSpPr>
-        <p:cNvPr id="1" name=""/>
+        <p:cNvPr id="1" name="">
+          <a:extLst>
+            <a:ext uri="{FF2B5EF4-FFF2-40B4-BE49-F238E27FC236}">
+              <a16:creationId xmlns:a16="http://schemas.microsoft.com/office/drawing/2014/main" id="{922FA58A-F216-D3EF-1E0C-3450732A4798}"/>
+            </a:ext>
+          </a:extLst>
+        </p:cNvPr>
         <p:cNvGrpSpPr/>
         <p:nvPr/>
       </p:nvGrpSpPr>
@@ -5418,14 +6790,20 @@
       </p:grpSpPr>
       <p:sp>
         <p:nvSpPr>
-          <p:cNvPr id="6" name="TextBox 5"/>
+          <p:cNvPr id="2" name="TextBox 1">
+            <a:extLst>
+              <a:ext uri="{FF2B5EF4-FFF2-40B4-BE49-F238E27FC236}">
+                <a16:creationId xmlns:a16="http://schemas.microsoft.com/office/drawing/2014/main" id="{32849AEC-854C-BBBB-0C4B-5B53B216E0D0}"/>
+              </a:ext>
+            </a:extLst>
+          </p:cNvPr>
           <p:cNvSpPr txBox="1"/>
           <p:nvPr/>
         </p:nvSpPr>
         <p:spPr>
           <a:xfrm>
-            <a:off x="721364" y="2562078"/>
-            <a:ext cx="10749281" cy="830997"/>
+            <a:off x="909655" y="885546"/>
+            <a:ext cx="10282560" cy="1077218"/>
           </a:xfrm>
           <a:prstGeom prst="rect">
             <a:avLst/>
@@ -5438,35 +6816,1149 @@
           </a:bodyPr>
           <a:lstStyle/>
           <a:p>
-            <a:pPr algn="ctr"/>
-            <a:r>
-              <a:rPr lang="en-US" sz="4800" b="1" dirty="0">
-                <a:latin typeface="Arial" pitchFamily="34" charset="0"/>
-                <a:cs typeface="Arial" pitchFamily="34" charset="0"/>
-              </a:rPr>
-              <a:t>Thank you very much for listening</a:t>
-            </a:r>
-            <a:r>
-              <a:rPr lang="en-US" sz="3200" b="1" dirty="0">
-                <a:latin typeface="Arial" pitchFamily="34" charset="0"/>
-                <a:cs typeface="Arial" pitchFamily="34" charset="0"/>
-              </a:rPr>
-              <a:t>.</a:t>
-            </a:r>
-            <a:endParaRPr lang="en-US" sz="3200" b="1" dirty="0">
-              <a:solidFill>
-                <a:schemeClr val="accent2"/>
-              </a:solidFill>
-              <a:latin typeface="Arial" pitchFamily="34" charset="0"/>
-              <a:cs typeface="Arial" pitchFamily="34" charset="0"/>
-            </a:endParaRPr>
+            <a:r>
+              <a:rPr lang="en-US" sz="3200" b="1" dirty="0"/>
+              <a:t>01. What is the main advantage of using EWMA over a simple moving average (SMA) or rolling average?</a:t>
+            </a:r>
+            <a:endParaRPr lang="en-PH" sz="3200" dirty="0"/>
           </a:p>
         </p:txBody>
       </p:sp>
+      <p:graphicFrame>
+        <p:nvGraphicFramePr>
+          <p:cNvPr id="4" name="Table 3">
+            <a:extLst>
+              <a:ext uri="{FF2B5EF4-FFF2-40B4-BE49-F238E27FC236}">
+                <a16:creationId xmlns:a16="http://schemas.microsoft.com/office/drawing/2014/main" id="{27CC8540-1453-0C17-3D4F-3566E3483778}"/>
+              </a:ext>
+            </a:extLst>
+          </p:cNvPr>
+          <p:cNvGraphicFramePr>
+            <a:graphicFrameLocks noGrp="1"/>
+          </p:cNvGraphicFramePr>
+          <p:nvPr>
+            <p:extLst>
+              <p:ext uri="{D42A27DB-BD31-4B8C-83A1-F6EECF244321}">
+                <p14:modId xmlns:p14="http://schemas.microsoft.com/office/powerpoint/2010/main" val="2116000879"/>
+              </p:ext>
+            </p:extLst>
+          </p:nvPr>
+        </p:nvGraphicFramePr>
+        <p:xfrm>
+          <a:off x="932463" y="2539815"/>
+          <a:ext cx="10135464" cy="2153513"/>
+        </p:xfrm>
+        <a:graphic>
+          <a:graphicData uri="http://schemas.openxmlformats.org/drawingml/2006/table">
+            <a:tbl>
+              <a:tblPr firstRow="1" bandRow="1">
+                <a:tableStyleId>{5940675A-B579-460E-94D1-54222C63F5DA}</a:tableStyleId>
+              </a:tblPr>
+              <a:tblGrid>
+                <a:gridCol w="10135464">
+                  <a:extLst>
+                    <a:ext uri="{9D8B030D-6E8A-4147-A177-3AD203B41FA5}">
+                      <a16:colId xmlns:a16="http://schemas.microsoft.com/office/drawing/2014/main" val="347220614"/>
+                    </a:ext>
+                  </a:extLst>
+                </a:gridCol>
+              </a:tblGrid>
+              <a:tr h="417278">
+                <a:tc>
+                  <a:txBody>
+                    <a:bodyPr/>
+                    <a:lstStyle/>
+                    <a:p>
+                      <a:r>
+                        <a:rPr lang="en-US" sz="2800" b="1" dirty="0"/>
+                        <a:t>A</a:t>
+                      </a:r>
+                      <a:r>
+                        <a:rPr lang="en-US" sz="2800" dirty="0"/>
+                        <a:t>. EWMA gives more weight to older data</a:t>
+                      </a:r>
+                      <a:endParaRPr lang="en-PH" sz="2800" dirty="0"/>
+                    </a:p>
+                  </a:txBody>
+                  <a:tcPr/>
+                </a:tc>
+                <a:extLst>
+                  <a:ext uri="{0D108BD9-81ED-4DB2-BD59-A6C34878D82A}">
+                    <a16:rowId xmlns:a16="http://schemas.microsoft.com/office/drawing/2014/main" val="3090890639"/>
+                  </a:ext>
+                </a:extLst>
+              </a:tr>
+              <a:tr h="599033">
+                <a:tc>
+                  <a:txBody>
+                    <a:bodyPr/>
+                    <a:lstStyle/>
+                    <a:p>
+                      <a:r>
+                        <a:rPr lang="en-US" sz="2800" b="1" dirty="0"/>
+                        <a:t>B</a:t>
+                      </a:r>
+                      <a:r>
+                        <a:rPr lang="en-US" sz="2800" dirty="0"/>
+                        <a:t>. EWMA gives more weight to recent data</a:t>
+                      </a:r>
+                    </a:p>
+                  </a:txBody>
+                  <a:tcPr/>
+                </a:tc>
+                <a:extLst>
+                  <a:ext uri="{0D108BD9-81ED-4DB2-BD59-A6C34878D82A}">
+                    <a16:rowId xmlns:a16="http://schemas.microsoft.com/office/drawing/2014/main" val="2340900590"/>
+                  </a:ext>
+                </a:extLst>
+              </a:tr>
+              <a:tr h="508725">
+                <a:tc>
+                  <a:txBody>
+                    <a:bodyPr/>
+                    <a:lstStyle/>
+                    <a:p>
+                      <a:r>
+                        <a:rPr lang="en-US" sz="2800" b="1" dirty="0"/>
+                        <a:t>C</a:t>
+                      </a:r>
+                      <a:r>
+                        <a:rPr lang="en-US" sz="2800" dirty="0"/>
+                        <a:t>. EWMA and SMA gives equal weights</a:t>
+                      </a:r>
+                      <a:endParaRPr lang="en-PH" sz="2800" dirty="0"/>
+                    </a:p>
+                  </a:txBody>
+                  <a:tcPr>
+                    <a:solidFill>
+                      <a:schemeClr val="bg1"/>
+                    </a:solidFill>
+                  </a:tcPr>
+                </a:tc>
+                <a:extLst>
+                  <a:ext uri="{0D108BD9-81ED-4DB2-BD59-A6C34878D82A}">
+                    <a16:rowId xmlns:a16="http://schemas.microsoft.com/office/drawing/2014/main" val="3017780003"/>
+                  </a:ext>
+                </a:extLst>
+              </a:tr>
+              <a:tr h="508725">
+                <a:tc>
+                  <a:txBody>
+                    <a:bodyPr/>
+                    <a:lstStyle/>
+                    <a:p>
+                      <a:pPr marL="0" marR="0" lvl="0" indent="0" algn="l" defTabSz="914400" rtl="0" eaLnBrk="1" fontAlgn="auto" latinLnBrk="0" hangingPunct="1">
+                        <a:lnSpc>
+                          <a:spcPct val="100000"/>
+                        </a:lnSpc>
+                        <a:spcBef>
+                          <a:spcPts val="0"/>
+                        </a:spcBef>
+                        <a:spcAft>
+                          <a:spcPts val="0"/>
+                        </a:spcAft>
+                        <a:buClrTx/>
+                        <a:buSzTx/>
+                        <a:buFontTx/>
+                        <a:buNone/>
+                        <a:tabLst/>
+                        <a:defRPr/>
+                      </a:pPr>
+                      <a:r>
+                        <a:rPr lang="en-US" sz="2800" b="1" kern="1200" dirty="0">
+                          <a:solidFill>
+                            <a:schemeClr val="tx1"/>
+                          </a:solidFill>
+                          <a:latin typeface="+mn-lt"/>
+                          <a:ea typeface="+mn-ea"/>
+                          <a:cs typeface="+mn-cs"/>
+                        </a:rPr>
+                        <a:t>D</a:t>
+                      </a:r>
+                      <a:r>
+                        <a:rPr lang="en-US" sz="2800" kern="1200" dirty="0">
+                          <a:solidFill>
+                            <a:schemeClr val="tx1"/>
+                          </a:solidFill>
+                          <a:latin typeface="+mn-lt"/>
+                          <a:ea typeface="+mn-ea"/>
+                          <a:cs typeface="+mn-cs"/>
+                        </a:rPr>
+                        <a:t>. Both EWMA and SMA are equally effective</a:t>
+                      </a:r>
+                      <a:endParaRPr lang="en-PH" sz="2800" kern="1200" dirty="0">
+                        <a:solidFill>
+                          <a:schemeClr val="tx1"/>
+                        </a:solidFill>
+                        <a:latin typeface="+mn-lt"/>
+                        <a:ea typeface="+mn-ea"/>
+                        <a:cs typeface="+mn-cs"/>
+                      </a:endParaRPr>
+                    </a:p>
+                  </a:txBody>
+                  <a:tcPr/>
+                </a:tc>
+                <a:extLst>
+                  <a:ext uri="{0D108BD9-81ED-4DB2-BD59-A6C34878D82A}">
+                    <a16:rowId xmlns:a16="http://schemas.microsoft.com/office/drawing/2014/main" val="716630035"/>
+                  </a:ext>
+                </a:extLst>
+              </a:tr>
+            </a:tbl>
+          </a:graphicData>
+        </a:graphic>
+      </p:graphicFrame>
     </p:spTree>
     <p:extLst>
       <p:ext uri="{BB962C8B-B14F-4D97-AF65-F5344CB8AC3E}">
-        <p14:creationId xmlns:p14="http://schemas.microsoft.com/office/powerpoint/2010/main" val="1328378833"/>
+        <p14:creationId xmlns:p14="http://schemas.microsoft.com/office/powerpoint/2010/main" val="2076169563"/>
+      </p:ext>
+    </p:extLst>
+  </p:cSld>
+  <p:clrMapOvr>
+    <a:masterClrMapping/>
+  </p:clrMapOvr>
+</p:sld>
+</file>
+
+<file path=ppt/slides/slide18.xml><?xml version="1.0" encoding="utf-8"?>
+<p:sld xmlns:a="http://schemas.openxmlformats.org/drawingml/2006/main" xmlns:r="http://schemas.openxmlformats.org/officeDocument/2006/relationships" xmlns:p="http://schemas.openxmlformats.org/presentationml/2006/main">
+  <p:cSld>
+    <p:spTree>
+      <p:nvGrpSpPr>
+        <p:cNvPr id="1" name="">
+          <a:extLst>
+            <a:ext uri="{FF2B5EF4-FFF2-40B4-BE49-F238E27FC236}">
+              <a16:creationId xmlns:a16="http://schemas.microsoft.com/office/drawing/2014/main" id="{1FA4ED3F-5A94-6E66-82C9-403618BA67C6}"/>
+            </a:ext>
+          </a:extLst>
+        </p:cNvPr>
+        <p:cNvGrpSpPr/>
+        <p:nvPr/>
+      </p:nvGrpSpPr>
+      <p:grpSpPr>
+        <a:xfrm>
+          <a:off x="0" y="0"/>
+          <a:ext cx="0" cy="0"/>
+          <a:chOff x="0" y="0"/>
+          <a:chExt cx="0" cy="0"/>
+        </a:xfrm>
+      </p:grpSpPr>
+      <p:sp>
+        <p:nvSpPr>
+          <p:cNvPr id="2" name="TextBox 1">
+            <a:extLst>
+              <a:ext uri="{FF2B5EF4-FFF2-40B4-BE49-F238E27FC236}">
+                <a16:creationId xmlns:a16="http://schemas.microsoft.com/office/drawing/2014/main" id="{90789895-D874-5A17-E8E6-DD22FBC21821}"/>
+              </a:ext>
+            </a:extLst>
+          </p:cNvPr>
+          <p:cNvSpPr txBox="1"/>
+          <p:nvPr/>
+        </p:nvSpPr>
+        <p:spPr>
+          <a:xfrm>
+            <a:off x="909655" y="885546"/>
+            <a:ext cx="10282560" cy="1077218"/>
+          </a:xfrm>
+          <a:prstGeom prst="rect">
+            <a:avLst/>
+          </a:prstGeom>
+          <a:noFill/>
+        </p:spPr>
+        <p:txBody>
+          <a:bodyPr wrap="square" rtlCol="0">
+            <a:spAutoFit/>
+          </a:bodyPr>
+          <a:lstStyle/>
+          <a:p>
+            <a:r>
+              <a:rPr lang="en-US" sz="3200" b="1" dirty="0"/>
+              <a:t>01. What is the main advantage of using EWMA over a simple moving average (SMA) or rolling average?</a:t>
+            </a:r>
+            <a:endParaRPr lang="en-PH" sz="3200" dirty="0"/>
+          </a:p>
+        </p:txBody>
+      </p:sp>
+      <p:graphicFrame>
+        <p:nvGraphicFramePr>
+          <p:cNvPr id="4" name="Table 3">
+            <a:extLst>
+              <a:ext uri="{FF2B5EF4-FFF2-40B4-BE49-F238E27FC236}">
+                <a16:creationId xmlns:a16="http://schemas.microsoft.com/office/drawing/2014/main" id="{A7F4F7E9-AC4C-4E50-3318-236D36644DA2}"/>
+              </a:ext>
+            </a:extLst>
+          </p:cNvPr>
+          <p:cNvGraphicFramePr>
+            <a:graphicFrameLocks noGrp="1"/>
+          </p:cNvGraphicFramePr>
+          <p:nvPr>
+            <p:extLst>
+              <p:ext uri="{D42A27DB-BD31-4B8C-83A1-F6EECF244321}">
+                <p14:modId xmlns:p14="http://schemas.microsoft.com/office/powerpoint/2010/main" val="1099450706"/>
+              </p:ext>
+            </p:extLst>
+          </p:nvPr>
+        </p:nvGraphicFramePr>
+        <p:xfrm>
+          <a:off x="932463" y="2539815"/>
+          <a:ext cx="10135464" cy="2153513"/>
+        </p:xfrm>
+        <a:graphic>
+          <a:graphicData uri="http://schemas.openxmlformats.org/drawingml/2006/table">
+            <a:tbl>
+              <a:tblPr firstRow="1" bandRow="1">
+                <a:tableStyleId>{5940675A-B579-460E-94D1-54222C63F5DA}</a:tableStyleId>
+              </a:tblPr>
+              <a:tblGrid>
+                <a:gridCol w="10135464">
+                  <a:extLst>
+                    <a:ext uri="{9D8B030D-6E8A-4147-A177-3AD203B41FA5}">
+                      <a16:colId xmlns:a16="http://schemas.microsoft.com/office/drawing/2014/main" val="347220614"/>
+                    </a:ext>
+                  </a:extLst>
+                </a:gridCol>
+              </a:tblGrid>
+              <a:tr h="417278">
+                <a:tc>
+                  <a:txBody>
+                    <a:bodyPr/>
+                    <a:lstStyle/>
+                    <a:p>
+                      <a:r>
+                        <a:rPr lang="en-US" sz="2800" b="1" dirty="0"/>
+                        <a:t>A</a:t>
+                      </a:r>
+                      <a:r>
+                        <a:rPr lang="en-US" sz="2800" dirty="0"/>
+                        <a:t>. EWMA gives more weight to older data</a:t>
+                      </a:r>
+                      <a:endParaRPr lang="en-PH" sz="2800" dirty="0"/>
+                    </a:p>
+                  </a:txBody>
+                  <a:tcPr/>
+                </a:tc>
+                <a:extLst>
+                  <a:ext uri="{0D108BD9-81ED-4DB2-BD59-A6C34878D82A}">
+                    <a16:rowId xmlns:a16="http://schemas.microsoft.com/office/drawing/2014/main" val="3090890639"/>
+                  </a:ext>
+                </a:extLst>
+              </a:tr>
+              <a:tr h="599033">
+                <a:tc>
+                  <a:txBody>
+                    <a:bodyPr/>
+                    <a:lstStyle/>
+                    <a:p>
+                      <a:r>
+                        <a:rPr lang="en-US" sz="2800" b="1" dirty="0"/>
+                        <a:t>B</a:t>
+                      </a:r>
+                      <a:r>
+                        <a:rPr lang="en-US" sz="2800" dirty="0"/>
+                        <a:t>. EWMA gives more weight to recent data</a:t>
+                      </a:r>
+                    </a:p>
+                  </a:txBody>
+                  <a:tcPr>
+                    <a:solidFill>
+                      <a:srgbClr val="FFFF00"/>
+                    </a:solidFill>
+                  </a:tcPr>
+                </a:tc>
+                <a:extLst>
+                  <a:ext uri="{0D108BD9-81ED-4DB2-BD59-A6C34878D82A}">
+                    <a16:rowId xmlns:a16="http://schemas.microsoft.com/office/drawing/2014/main" val="2340900590"/>
+                  </a:ext>
+                </a:extLst>
+              </a:tr>
+              <a:tr h="508725">
+                <a:tc>
+                  <a:txBody>
+                    <a:bodyPr/>
+                    <a:lstStyle/>
+                    <a:p>
+                      <a:r>
+                        <a:rPr lang="en-US" sz="2800" b="1" dirty="0"/>
+                        <a:t>C</a:t>
+                      </a:r>
+                      <a:r>
+                        <a:rPr lang="en-US" sz="2800" dirty="0"/>
+                        <a:t>. EWMA and SMA gives equal weights</a:t>
+                      </a:r>
+                      <a:endParaRPr lang="en-PH" sz="2800" dirty="0"/>
+                    </a:p>
+                  </a:txBody>
+                  <a:tcPr>
+                    <a:solidFill>
+                      <a:schemeClr val="bg1"/>
+                    </a:solidFill>
+                  </a:tcPr>
+                </a:tc>
+                <a:extLst>
+                  <a:ext uri="{0D108BD9-81ED-4DB2-BD59-A6C34878D82A}">
+                    <a16:rowId xmlns:a16="http://schemas.microsoft.com/office/drawing/2014/main" val="3017780003"/>
+                  </a:ext>
+                </a:extLst>
+              </a:tr>
+              <a:tr h="508725">
+                <a:tc>
+                  <a:txBody>
+                    <a:bodyPr/>
+                    <a:lstStyle/>
+                    <a:p>
+                      <a:pPr marL="0" marR="0" lvl="0" indent="0" algn="l" defTabSz="914400" rtl="0" eaLnBrk="1" fontAlgn="auto" latinLnBrk="0" hangingPunct="1">
+                        <a:lnSpc>
+                          <a:spcPct val="100000"/>
+                        </a:lnSpc>
+                        <a:spcBef>
+                          <a:spcPts val="0"/>
+                        </a:spcBef>
+                        <a:spcAft>
+                          <a:spcPts val="0"/>
+                        </a:spcAft>
+                        <a:buClrTx/>
+                        <a:buSzTx/>
+                        <a:buFontTx/>
+                        <a:buNone/>
+                        <a:tabLst/>
+                        <a:defRPr/>
+                      </a:pPr>
+                      <a:r>
+                        <a:rPr lang="en-US" sz="2800" b="1" kern="1200" dirty="0">
+                          <a:solidFill>
+                            <a:schemeClr val="tx1"/>
+                          </a:solidFill>
+                          <a:latin typeface="+mn-lt"/>
+                          <a:ea typeface="+mn-ea"/>
+                          <a:cs typeface="+mn-cs"/>
+                        </a:rPr>
+                        <a:t>D</a:t>
+                      </a:r>
+                      <a:r>
+                        <a:rPr lang="en-US" sz="2800" kern="1200" dirty="0">
+                          <a:solidFill>
+                            <a:schemeClr val="tx1"/>
+                          </a:solidFill>
+                          <a:latin typeface="+mn-lt"/>
+                          <a:ea typeface="+mn-ea"/>
+                          <a:cs typeface="+mn-cs"/>
+                        </a:rPr>
+                        <a:t>. Both EWMA and SMA are equally effective</a:t>
+                      </a:r>
+                      <a:endParaRPr lang="en-PH" sz="2800" kern="1200" dirty="0">
+                        <a:solidFill>
+                          <a:schemeClr val="tx1"/>
+                        </a:solidFill>
+                        <a:latin typeface="+mn-lt"/>
+                        <a:ea typeface="+mn-ea"/>
+                        <a:cs typeface="+mn-cs"/>
+                      </a:endParaRPr>
+                    </a:p>
+                  </a:txBody>
+                  <a:tcPr/>
+                </a:tc>
+                <a:extLst>
+                  <a:ext uri="{0D108BD9-81ED-4DB2-BD59-A6C34878D82A}">
+                    <a16:rowId xmlns:a16="http://schemas.microsoft.com/office/drawing/2014/main" val="716630035"/>
+                  </a:ext>
+                </a:extLst>
+              </a:tr>
+            </a:tbl>
+          </a:graphicData>
+        </a:graphic>
+      </p:graphicFrame>
+    </p:spTree>
+    <p:extLst>
+      <p:ext uri="{BB962C8B-B14F-4D97-AF65-F5344CB8AC3E}">
+        <p14:creationId xmlns:p14="http://schemas.microsoft.com/office/powerpoint/2010/main" val="174434569"/>
+      </p:ext>
+    </p:extLst>
+  </p:cSld>
+  <p:clrMapOvr>
+    <a:masterClrMapping/>
+  </p:clrMapOvr>
+</p:sld>
+</file>
+
+<file path=ppt/slides/slide19.xml><?xml version="1.0" encoding="utf-8"?>
+<p:sld xmlns:a="http://schemas.openxmlformats.org/drawingml/2006/main" xmlns:r="http://schemas.openxmlformats.org/officeDocument/2006/relationships" xmlns:p="http://schemas.openxmlformats.org/presentationml/2006/main">
+  <p:cSld>
+    <p:spTree>
+      <p:nvGrpSpPr>
+        <p:cNvPr id="1" name="">
+          <a:extLst>
+            <a:ext uri="{FF2B5EF4-FFF2-40B4-BE49-F238E27FC236}">
+              <a16:creationId xmlns:a16="http://schemas.microsoft.com/office/drawing/2014/main" id="{8E261A65-69EE-3EC3-1617-DBA7BCC31CC9}"/>
+            </a:ext>
+          </a:extLst>
+        </p:cNvPr>
+        <p:cNvGrpSpPr/>
+        <p:nvPr/>
+      </p:nvGrpSpPr>
+      <p:grpSpPr>
+        <a:xfrm>
+          <a:off x="0" y="0"/>
+          <a:ext cx="0" cy="0"/>
+          <a:chOff x="0" y="0"/>
+          <a:chExt cx="0" cy="0"/>
+        </a:xfrm>
+      </p:grpSpPr>
+      <mc:AlternateContent xmlns:mc="http://schemas.openxmlformats.org/markup-compatibility/2006">
+        <mc:Choice xmlns:a14="http://schemas.microsoft.com/office/drawing/2010/main" Requires="a14">
+          <p:sp>
+            <p:nvSpPr>
+              <p:cNvPr id="2" name="TextBox 1">
+                <a:extLst>
+                  <a:ext uri="{FF2B5EF4-FFF2-40B4-BE49-F238E27FC236}">
+                    <a16:creationId xmlns:a16="http://schemas.microsoft.com/office/drawing/2014/main" id="{1E61A201-CD4A-A0B6-AD70-E5DC7E6DEC68}"/>
+                  </a:ext>
+                </a:extLst>
+              </p:cNvPr>
+              <p:cNvSpPr txBox="1"/>
+              <p:nvPr/>
+            </p:nvSpPr>
+            <p:spPr>
+              <a:xfrm>
+                <a:off x="932463" y="885546"/>
+                <a:ext cx="10282560" cy="1077218"/>
+              </a:xfrm>
+              <a:prstGeom prst="rect">
+                <a:avLst/>
+              </a:prstGeom>
+              <a:noFill/>
+            </p:spPr>
+            <p:txBody>
+              <a:bodyPr wrap="square" rtlCol="0">
+                <a:spAutoFit/>
+              </a:bodyPr>
+              <a:lstStyle/>
+              <a:p>
+                <a:r>
+                  <a:rPr lang="en-US" sz="3200" b="1" dirty="0"/>
+                  <a:t>02. </a:t>
+                </a:r>
+                <a:r>
+                  <a:rPr lang="en-US" sz="3200" dirty="0"/>
+                  <a:t>In an EWMA with </a:t>
+                </a:r>
+                <a14:m>
+                  <m:oMath xmlns:m="http://schemas.openxmlformats.org/officeDocument/2006/math">
+                    <m:r>
+                      <a:rPr lang="en-US" sz="3200" b="0" i="1" smtClean="0">
+                        <a:latin typeface="Cambria Math" panose="02040503050406030204" pitchFamily="18" charset="0"/>
+                        <a:ea typeface="Cambria Math" panose="02040503050406030204" pitchFamily="18" charset="0"/>
+                      </a:rPr>
+                      <m:t>𝜆</m:t>
+                    </m:r>
+                    <m:r>
+                      <a:rPr lang="en-US" sz="3200" b="0" i="1" smtClean="0">
+                        <a:latin typeface="Cambria Math" panose="02040503050406030204" pitchFamily="18" charset="0"/>
+                        <a:ea typeface="Cambria Math" panose="02040503050406030204" pitchFamily="18" charset="0"/>
+                      </a:rPr>
+                      <m:t>=0.2 </m:t>
+                    </m:r>
+                  </m:oMath>
+                </a14:m>
+                <a:r>
+                  <a:rPr lang="en-PH" sz="3200" dirty="0"/>
+                  <a:t>, what is the weight of </a:t>
+                </a:r>
+                <a14:m>
+                  <m:oMath xmlns:m="http://schemas.openxmlformats.org/officeDocument/2006/math">
+                    <m:sSub>
+                      <m:sSubPr>
+                        <m:ctrlPr>
+                          <a:rPr lang="en-PH" sz="3200" i="1" smtClean="0">
+                            <a:latin typeface="Cambria Math" panose="02040503050406030204" pitchFamily="18" charset="0"/>
+                          </a:rPr>
+                        </m:ctrlPr>
+                      </m:sSubPr>
+                      <m:e>
+                        <m:r>
+                          <a:rPr lang="en-US" sz="3200" b="0" i="1" smtClean="0">
+                            <a:latin typeface="Cambria Math" panose="02040503050406030204" pitchFamily="18" charset="0"/>
+                          </a:rPr>
+                          <m:t>𝑥</m:t>
+                        </m:r>
+                      </m:e>
+                      <m:sub>
+                        <m:r>
+                          <a:rPr lang="en-US" sz="3200" b="0" i="1" smtClean="0">
+                            <a:latin typeface="Cambria Math" panose="02040503050406030204" pitchFamily="18" charset="0"/>
+                          </a:rPr>
+                          <m:t>𝑡</m:t>
+                        </m:r>
+                        <m:r>
+                          <a:rPr lang="en-US" sz="3200" b="0" i="1" smtClean="0">
+                            <a:latin typeface="Cambria Math" panose="02040503050406030204" pitchFamily="18" charset="0"/>
+                          </a:rPr>
+                          <m:t>−2 </m:t>
+                        </m:r>
+                      </m:sub>
+                    </m:sSub>
+                  </m:oMath>
+                </a14:m>
+                <a:r>
+                  <a:rPr lang="en-PH" sz="3200" dirty="0"/>
+                  <a:t>in </a:t>
+                </a:r>
+                <a14:m>
+                  <m:oMath xmlns:m="http://schemas.openxmlformats.org/officeDocument/2006/math">
+                    <m:sSub>
+                      <m:sSubPr>
+                        <m:ctrlPr>
+                          <a:rPr lang="en-PH" sz="3200" i="1" smtClean="0">
+                            <a:latin typeface="Cambria Math" panose="02040503050406030204" pitchFamily="18" charset="0"/>
+                          </a:rPr>
+                        </m:ctrlPr>
+                      </m:sSubPr>
+                      <m:e>
+                        <m:r>
+                          <a:rPr lang="en-US" sz="3200" b="0" i="1" smtClean="0">
+                            <a:latin typeface="Cambria Math" panose="02040503050406030204" pitchFamily="18" charset="0"/>
+                          </a:rPr>
+                          <m:t>𝑆</m:t>
+                        </m:r>
+                      </m:e>
+                      <m:sub>
+                        <m:r>
+                          <a:rPr lang="en-US" sz="3200" b="0" i="1" smtClean="0">
+                            <a:latin typeface="Cambria Math" panose="02040503050406030204" pitchFamily="18" charset="0"/>
+                          </a:rPr>
+                          <m:t>𝑡</m:t>
+                        </m:r>
+                      </m:sub>
+                    </m:sSub>
+                  </m:oMath>
+                </a14:m>
+                <a:r>
+                  <a:rPr lang="en-PH" sz="3200" dirty="0"/>
+                  <a:t> (assuming the usual infinite history expansion)?</a:t>
+                </a:r>
+              </a:p>
+            </p:txBody>
+          </p:sp>
+        </mc:Choice>
+        <mc:Fallback>
+          <p:sp>
+            <p:nvSpPr>
+              <p:cNvPr id="2" name="TextBox 1">
+                <a:extLst>
+                  <a:ext uri="{FF2B5EF4-FFF2-40B4-BE49-F238E27FC236}">
+                    <a16:creationId xmlns:a16="http://schemas.microsoft.com/office/drawing/2014/main" id="{1E61A201-CD4A-A0B6-AD70-E5DC7E6DEC68}"/>
+                  </a:ext>
+                </a:extLst>
+              </p:cNvPr>
+              <p:cNvSpPr txBox="1">
+                <a:spLocks noRot="1" noChangeAspect="1" noMove="1" noResize="1" noEditPoints="1" noAdjustHandles="1" noChangeArrowheads="1" noChangeShapeType="1" noTextEdit="1"/>
+              </p:cNvSpPr>
+              <p:nvPr/>
+            </p:nvSpPr>
+            <p:spPr>
+              <a:xfrm>
+                <a:off x="932463" y="885546"/>
+                <a:ext cx="10282560" cy="1077218"/>
+              </a:xfrm>
+              <a:prstGeom prst="rect">
+                <a:avLst/>
+              </a:prstGeom>
+              <a:blipFill>
+                <a:blip r:embed="rId3"/>
+                <a:stretch>
+                  <a:fillRect l="-1541" t="-6780" b="-18079"/>
+                </a:stretch>
+              </a:blipFill>
+            </p:spPr>
+            <p:txBody>
+              <a:bodyPr/>
+              <a:lstStyle/>
+              <a:p>
+                <a:r>
+                  <a:rPr lang="en-PH">
+                    <a:noFill/>
+                  </a:rPr>
+                  <a:t> </a:t>
+                </a:r>
+              </a:p>
+            </p:txBody>
+          </p:sp>
+        </mc:Fallback>
+      </mc:AlternateContent>
+      <mc:AlternateContent xmlns:mc="http://schemas.openxmlformats.org/markup-compatibility/2006">
+        <mc:Choice xmlns:a14="http://schemas.microsoft.com/office/drawing/2010/main" Requires="a14">
+          <p:graphicFrame>
+            <p:nvGraphicFramePr>
+              <p:cNvPr id="4" name="Table 3">
+                <a:extLst>
+                  <a:ext uri="{FF2B5EF4-FFF2-40B4-BE49-F238E27FC236}">
+                    <a16:creationId xmlns:a16="http://schemas.microsoft.com/office/drawing/2014/main" id="{60DC9AC6-A997-021A-3A9E-B54483BE4142}"/>
+                  </a:ext>
+                </a:extLst>
+              </p:cNvPr>
+              <p:cNvGraphicFramePr>
+                <a:graphicFrameLocks noGrp="1"/>
+              </p:cNvGraphicFramePr>
+              <p:nvPr>
+                <p:extLst>
+                  <p:ext uri="{D42A27DB-BD31-4B8C-83A1-F6EECF244321}">
+                    <p14:modId xmlns:p14="http://schemas.microsoft.com/office/powerpoint/2010/main" val="149112373"/>
+                  </p:ext>
+                </p:extLst>
+              </p:nvPr>
+            </p:nvGraphicFramePr>
+            <p:xfrm>
+              <a:off x="932463" y="2539815"/>
+              <a:ext cx="10135464" cy="2153513"/>
+            </p:xfrm>
+            <a:graphic>
+              <a:graphicData uri="http://schemas.openxmlformats.org/drawingml/2006/table">
+                <a:tbl>
+                  <a:tblPr firstRow="1" bandRow="1">
+                    <a:tableStyleId>{5940675A-B579-460E-94D1-54222C63F5DA}</a:tableStyleId>
+                  </a:tblPr>
+                  <a:tblGrid>
+                    <a:gridCol w="10135464">
+                      <a:extLst>
+                        <a:ext uri="{9D8B030D-6E8A-4147-A177-3AD203B41FA5}">
+                          <a16:colId xmlns:a16="http://schemas.microsoft.com/office/drawing/2014/main" val="347220614"/>
+                        </a:ext>
+                      </a:extLst>
+                    </a:gridCol>
+                  </a:tblGrid>
+                  <a:tr h="417278">
+                    <a:tc>
+                      <a:txBody>
+                        <a:bodyPr/>
+                        <a:lstStyle/>
+                        <a:p>
+                          <a:r>
+                            <a:rPr lang="en-US" sz="2800" b="1" dirty="0"/>
+                            <a:t>A</a:t>
+                          </a:r>
+                          <a:r>
+                            <a:rPr lang="en-US" sz="2800" dirty="0"/>
+                            <a:t>. </a:t>
+                          </a:r>
+                          <a14:m>
+                            <m:oMath xmlns:m="http://schemas.openxmlformats.org/officeDocument/2006/math">
+                              <m:sSup>
+                                <m:sSupPr>
+                                  <m:ctrlPr>
+                                    <a:rPr lang="en-US" sz="2800" i="1" smtClean="0">
+                                      <a:latin typeface="Cambria Math" panose="02040503050406030204" pitchFamily="18" charset="0"/>
+                                    </a:rPr>
+                                  </m:ctrlPr>
+                                </m:sSupPr>
+                                <m:e>
+                                  <m:r>
+                                    <a:rPr lang="en-US" sz="2800" b="0" i="1" smtClean="0">
+                                      <a:latin typeface="Cambria Math" panose="02040503050406030204" pitchFamily="18" charset="0"/>
+                                    </a:rPr>
+                                    <m:t>0.2</m:t>
+                                  </m:r>
+                                </m:e>
+                                <m:sup>
+                                  <m:r>
+                                    <a:rPr lang="en-US" sz="2800" b="0" i="1" smtClean="0">
+                                      <a:latin typeface="Cambria Math" panose="02040503050406030204" pitchFamily="18" charset="0"/>
+                                    </a:rPr>
+                                    <m:t>2</m:t>
+                                  </m:r>
+                                </m:sup>
+                              </m:sSup>
+                            </m:oMath>
+                          </a14:m>
+                          <a:endParaRPr lang="en-PH" sz="2800" dirty="0"/>
+                        </a:p>
+                      </a:txBody>
+                      <a:tcPr/>
+                    </a:tc>
+                    <a:extLst>
+                      <a:ext uri="{0D108BD9-81ED-4DB2-BD59-A6C34878D82A}">
+                        <a16:rowId xmlns:a16="http://schemas.microsoft.com/office/drawing/2014/main" val="3090890639"/>
+                      </a:ext>
+                    </a:extLst>
+                  </a:tr>
+                  <a:tr h="599033">
+                    <a:tc>
+                      <a:txBody>
+                        <a:bodyPr/>
+                        <a:lstStyle/>
+                        <a:p>
+                          <a:r>
+                            <a:rPr lang="en-US" sz="2800" b="1" dirty="0"/>
+                            <a:t>B</a:t>
+                          </a:r>
+                          <a:r>
+                            <a:rPr lang="en-US" sz="2800" dirty="0"/>
+                            <a:t>. </a:t>
+                          </a:r>
+                          <a14:m>
+                            <m:oMath xmlns:m="http://schemas.openxmlformats.org/officeDocument/2006/math">
+                              <m:sSup>
+                                <m:sSupPr>
+                                  <m:ctrlPr>
+                                    <a:rPr lang="en-US" sz="2800" i="1" smtClean="0">
+                                      <a:latin typeface="Cambria Math" panose="02040503050406030204" pitchFamily="18" charset="0"/>
+                                    </a:rPr>
+                                  </m:ctrlPr>
+                                </m:sSupPr>
+                                <m:e>
+                                  <m:r>
+                                    <a:rPr lang="en-US" sz="2800" b="0" i="1" smtClean="0">
+                                      <a:latin typeface="Cambria Math" panose="02040503050406030204" pitchFamily="18" charset="0"/>
+                                    </a:rPr>
+                                    <m:t>0.2</m:t>
+                                  </m:r>
+                                  <m:r>
+                                    <a:rPr lang="en-US" sz="2800" b="0" i="1" smtClean="0">
+                                      <a:latin typeface="Cambria Math" panose="02040503050406030204" pitchFamily="18" charset="0"/>
+                                    </a:rPr>
+                                    <m:t>(0.8)</m:t>
+                                  </m:r>
+                                </m:e>
+                                <m:sup>
+                                  <m:r>
+                                    <a:rPr lang="en-US" sz="2800" b="0" i="1" smtClean="0">
+                                      <a:latin typeface="Cambria Math" panose="02040503050406030204" pitchFamily="18" charset="0"/>
+                                    </a:rPr>
+                                    <m:t>2</m:t>
+                                  </m:r>
+                                </m:sup>
+                              </m:sSup>
+                            </m:oMath>
+                          </a14:m>
+                          <a:endParaRPr lang="en-US" sz="2800" dirty="0"/>
+                        </a:p>
+                      </a:txBody>
+                      <a:tcPr/>
+                    </a:tc>
+                    <a:extLst>
+                      <a:ext uri="{0D108BD9-81ED-4DB2-BD59-A6C34878D82A}">
+                        <a16:rowId xmlns:a16="http://schemas.microsoft.com/office/drawing/2014/main" val="2340900590"/>
+                      </a:ext>
+                    </a:extLst>
+                  </a:tr>
+                  <a:tr h="508725">
+                    <a:tc>
+                      <a:txBody>
+                        <a:bodyPr/>
+                        <a:lstStyle/>
+                        <a:p>
+                          <a:r>
+                            <a:rPr lang="en-US" sz="2800" b="1" dirty="0"/>
+                            <a:t>C</a:t>
+                          </a:r>
+                          <a:r>
+                            <a:rPr lang="en-US" sz="2800" dirty="0"/>
+                            <a:t>. </a:t>
+                          </a:r>
+                          <a14:m>
+                            <m:oMath xmlns:m="http://schemas.openxmlformats.org/officeDocument/2006/math">
+                              <m:sSup>
+                                <m:sSupPr>
+                                  <m:ctrlPr>
+                                    <a:rPr lang="en-US" sz="2800" i="1" smtClean="0">
+                                      <a:latin typeface="Cambria Math" panose="02040503050406030204" pitchFamily="18" charset="0"/>
+                                    </a:rPr>
+                                  </m:ctrlPr>
+                                </m:sSupPr>
+                                <m:e>
+                                  <m:r>
+                                    <a:rPr lang="en-US" sz="2800" b="0" i="1" smtClean="0">
+                                      <a:latin typeface="Cambria Math" panose="02040503050406030204" pitchFamily="18" charset="0"/>
+                                    </a:rPr>
+                                    <m:t>(</m:t>
+                                  </m:r>
+                                  <m:r>
+                                    <a:rPr lang="en-US" sz="2800" b="0" i="1" smtClean="0">
+                                      <a:latin typeface="Cambria Math" panose="02040503050406030204" pitchFamily="18" charset="0"/>
+                                    </a:rPr>
+                                    <m:t>0.</m:t>
+                                  </m:r>
+                                  <m:r>
+                                    <a:rPr lang="en-US" sz="2800" b="0" i="1" smtClean="0">
+                                      <a:latin typeface="Cambria Math" panose="02040503050406030204" pitchFamily="18" charset="0"/>
+                                    </a:rPr>
+                                    <m:t>8)</m:t>
+                                  </m:r>
+                                </m:e>
+                                <m:sup>
+                                  <m:r>
+                                    <a:rPr lang="en-US" sz="2800" b="0" i="1" smtClean="0">
+                                      <a:latin typeface="Cambria Math" panose="02040503050406030204" pitchFamily="18" charset="0"/>
+                                    </a:rPr>
+                                    <m:t>2</m:t>
+                                  </m:r>
+                                </m:sup>
+                              </m:sSup>
+                            </m:oMath>
+                          </a14:m>
+                          <a:endParaRPr lang="en-PH" sz="2800" dirty="0"/>
+                        </a:p>
+                      </a:txBody>
+                      <a:tcPr>
+                        <a:solidFill>
+                          <a:schemeClr val="bg1"/>
+                        </a:solidFill>
+                      </a:tcPr>
+                    </a:tc>
+                    <a:extLst>
+                      <a:ext uri="{0D108BD9-81ED-4DB2-BD59-A6C34878D82A}">
+                        <a16:rowId xmlns:a16="http://schemas.microsoft.com/office/drawing/2014/main" val="3017780003"/>
+                      </a:ext>
+                    </a:extLst>
+                  </a:tr>
+                  <a:tr h="508725">
+                    <a:tc>
+                      <a:txBody>
+                        <a:bodyPr/>
+                        <a:lstStyle/>
+                        <a:p>
+                          <a:pPr marL="0" marR="0" lvl="0" indent="0" algn="l" defTabSz="914400" rtl="0" eaLnBrk="1" fontAlgn="auto" latinLnBrk="0" hangingPunct="1">
+                            <a:lnSpc>
+                              <a:spcPct val="100000"/>
+                            </a:lnSpc>
+                            <a:spcBef>
+                              <a:spcPts val="0"/>
+                            </a:spcBef>
+                            <a:spcAft>
+                              <a:spcPts val="0"/>
+                            </a:spcAft>
+                            <a:buClrTx/>
+                            <a:buSzTx/>
+                            <a:buFontTx/>
+                            <a:buNone/>
+                            <a:tabLst/>
+                            <a:defRPr/>
+                          </a:pPr>
+                          <a:r>
+                            <a:rPr lang="en-US" sz="2800" b="1" kern="1200" dirty="0">
+                              <a:solidFill>
+                                <a:schemeClr val="tx1"/>
+                              </a:solidFill>
+                              <a:latin typeface="+mn-lt"/>
+                              <a:ea typeface="+mn-ea"/>
+                              <a:cs typeface="+mn-cs"/>
+                            </a:rPr>
+                            <a:t>D</a:t>
+                          </a:r>
+                          <a:r>
+                            <a:rPr lang="en-US" sz="2800" kern="1200" dirty="0">
+                              <a:solidFill>
+                                <a:schemeClr val="tx1"/>
+                              </a:solidFill>
+                              <a:latin typeface="+mn-lt"/>
+                              <a:ea typeface="+mn-ea"/>
+                              <a:cs typeface="+mn-cs"/>
+                            </a:rPr>
+                            <a:t>. </a:t>
+                          </a:r>
+                          <a14:m>
+                            <m:oMath xmlns:m="http://schemas.openxmlformats.org/officeDocument/2006/math">
+                              <m:sSup>
+                                <m:sSupPr>
+                                  <m:ctrlPr>
+                                    <a:rPr lang="en-US" sz="2800" i="1" smtClean="0">
+                                      <a:latin typeface="Cambria Math" panose="02040503050406030204" pitchFamily="18" charset="0"/>
+                                    </a:rPr>
+                                  </m:ctrlPr>
+                                </m:sSupPr>
+                                <m:e>
+                                  <m:r>
+                                    <a:rPr lang="en-US" sz="2800" b="0" i="1" smtClean="0">
+                                      <a:latin typeface="Cambria Math" panose="02040503050406030204" pitchFamily="18" charset="0"/>
+                                    </a:rPr>
+                                    <m:t>(0.8)</m:t>
+                                  </m:r>
+                                  <m:r>
+                                    <a:rPr lang="en-US" sz="2800" b="0" i="1" smtClean="0">
+                                      <a:latin typeface="Cambria Math" panose="02040503050406030204" pitchFamily="18" charset="0"/>
+                                    </a:rPr>
+                                    <m:t>(0.2)</m:t>
+                                  </m:r>
+                                </m:e>
+                                <m:sup>
+                                  <m:r>
+                                    <a:rPr lang="en-US" sz="2800" b="0" i="1" smtClean="0">
+                                      <a:latin typeface="Cambria Math" panose="02040503050406030204" pitchFamily="18" charset="0"/>
+                                    </a:rPr>
+                                    <m:t>2</m:t>
+                                  </m:r>
+                                </m:sup>
+                              </m:sSup>
+                            </m:oMath>
+                          </a14:m>
+                          <a:endParaRPr lang="en-PH" sz="2800" kern="1200" dirty="0">
+                            <a:solidFill>
+                              <a:schemeClr val="tx1"/>
+                            </a:solidFill>
+                            <a:latin typeface="+mn-lt"/>
+                            <a:ea typeface="+mn-ea"/>
+                            <a:cs typeface="+mn-cs"/>
+                          </a:endParaRPr>
+                        </a:p>
+                      </a:txBody>
+                      <a:tcPr/>
+                    </a:tc>
+                    <a:extLst>
+                      <a:ext uri="{0D108BD9-81ED-4DB2-BD59-A6C34878D82A}">
+                        <a16:rowId xmlns:a16="http://schemas.microsoft.com/office/drawing/2014/main" val="716630035"/>
+                      </a:ext>
+                    </a:extLst>
+                  </a:tr>
+                </a:tbl>
+              </a:graphicData>
+            </a:graphic>
+          </p:graphicFrame>
+        </mc:Choice>
+        <mc:Fallback>
+          <p:graphicFrame>
+            <p:nvGraphicFramePr>
+              <p:cNvPr id="4" name="Table 3">
+                <a:extLst>
+                  <a:ext uri="{FF2B5EF4-FFF2-40B4-BE49-F238E27FC236}">
+                    <a16:creationId xmlns:a16="http://schemas.microsoft.com/office/drawing/2014/main" id="{60DC9AC6-A997-021A-3A9E-B54483BE4142}"/>
+                  </a:ext>
+                </a:extLst>
+              </p:cNvPr>
+              <p:cNvGraphicFramePr>
+                <a:graphicFrameLocks noGrp="1"/>
+              </p:cNvGraphicFramePr>
+              <p:nvPr>
+                <p:extLst>
+                  <p:ext uri="{D42A27DB-BD31-4B8C-83A1-F6EECF244321}">
+                    <p14:modId xmlns:p14="http://schemas.microsoft.com/office/powerpoint/2010/main" val="149112373"/>
+                  </p:ext>
+                </p:extLst>
+              </p:nvPr>
+            </p:nvGraphicFramePr>
+            <p:xfrm>
+              <a:off x="932463" y="2539815"/>
+              <a:ext cx="10135464" cy="2153513"/>
+            </p:xfrm>
+            <a:graphic>
+              <a:graphicData uri="http://schemas.openxmlformats.org/drawingml/2006/table">
+                <a:tbl>
+                  <a:tblPr firstRow="1" bandRow="1">
+                    <a:tableStyleId>{5940675A-B579-460E-94D1-54222C63F5DA}</a:tableStyleId>
+                  </a:tblPr>
+                  <a:tblGrid>
+                    <a:gridCol w="10135464">
+                      <a:extLst>
+                        <a:ext uri="{9D8B030D-6E8A-4147-A177-3AD203B41FA5}">
+                          <a16:colId xmlns:a16="http://schemas.microsoft.com/office/drawing/2014/main" val="347220614"/>
+                        </a:ext>
+                      </a:extLst>
+                    </a:gridCol>
+                  </a:tblGrid>
+                  <a:tr h="518160">
+                    <a:tc>
+                      <a:txBody>
+                        <a:bodyPr/>
+                        <a:lstStyle/>
+                        <a:p>
+                          <a:endParaRPr lang="en-US"/>
+                        </a:p>
+                      </a:txBody>
+                      <a:tcPr>
+                        <a:blipFill>
+                          <a:blip r:embed="rId4"/>
+                          <a:stretch>
+                            <a:fillRect l="-60" t="-10588" r="-120" b="-350588"/>
+                          </a:stretch>
+                        </a:blipFill>
+                      </a:tcPr>
+                    </a:tc>
+                    <a:extLst>
+                      <a:ext uri="{0D108BD9-81ED-4DB2-BD59-A6C34878D82A}">
+                        <a16:rowId xmlns:a16="http://schemas.microsoft.com/office/drawing/2014/main" val="3090890639"/>
+                      </a:ext>
+                    </a:extLst>
+                  </a:tr>
+                  <a:tr h="599033">
+                    <a:tc>
+                      <a:txBody>
+                        <a:bodyPr/>
+                        <a:lstStyle/>
+                        <a:p>
+                          <a:endParaRPr lang="en-US"/>
+                        </a:p>
+                      </a:txBody>
+                      <a:tcPr>
+                        <a:blipFill>
+                          <a:blip r:embed="rId4"/>
+                          <a:stretch>
+                            <a:fillRect l="-60" t="-94949" r="-120" b="-201010"/>
+                          </a:stretch>
+                        </a:blipFill>
+                      </a:tcPr>
+                    </a:tc>
+                    <a:extLst>
+                      <a:ext uri="{0D108BD9-81ED-4DB2-BD59-A6C34878D82A}">
+                        <a16:rowId xmlns:a16="http://schemas.microsoft.com/office/drawing/2014/main" val="2340900590"/>
+                      </a:ext>
+                    </a:extLst>
+                  </a:tr>
+                  <a:tr h="518160">
+                    <a:tc>
+                      <a:txBody>
+                        <a:bodyPr/>
+                        <a:lstStyle/>
+                        <a:p>
+                          <a:endParaRPr lang="en-US"/>
+                        </a:p>
+                      </a:txBody>
+                      <a:tcPr>
+                        <a:blipFill>
+                          <a:blip r:embed="rId4"/>
+                          <a:stretch>
+                            <a:fillRect l="-60" t="-227059" r="-120" b="-134118"/>
+                          </a:stretch>
+                        </a:blipFill>
+                      </a:tcPr>
+                    </a:tc>
+                    <a:extLst>
+                      <a:ext uri="{0D108BD9-81ED-4DB2-BD59-A6C34878D82A}">
+                        <a16:rowId xmlns:a16="http://schemas.microsoft.com/office/drawing/2014/main" val="3017780003"/>
+                      </a:ext>
+                    </a:extLst>
+                  </a:tr>
+                  <a:tr h="518160">
+                    <a:tc>
+                      <a:txBody>
+                        <a:bodyPr/>
+                        <a:lstStyle/>
+                        <a:p>
+                          <a:endParaRPr lang="en-US"/>
+                        </a:p>
+                      </a:txBody>
+                      <a:tcPr>
+                        <a:blipFill>
+                          <a:blip r:embed="rId4"/>
+                          <a:stretch>
+                            <a:fillRect l="-60" t="-327059" r="-120" b="-34118"/>
+                          </a:stretch>
+                        </a:blipFill>
+                      </a:tcPr>
+                    </a:tc>
+                    <a:extLst>
+                      <a:ext uri="{0D108BD9-81ED-4DB2-BD59-A6C34878D82A}">
+                        <a16:rowId xmlns:a16="http://schemas.microsoft.com/office/drawing/2014/main" val="716630035"/>
+                      </a:ext>
+                    </a:extLst>
+                  </a:tr>
+                </a:tbl>
+              </a:graphicData>
+            </a:graphic>
+          </p:graphicFrame>
+        </mc:Fallback>
+      </mc:AlternateContent>
+    </p:spTree>
+    <p:extLst>
+      <p:ext uri="{BB962C8B-B14F-4D97-AF65-F5344CB8AC3E}">
+        <p14:creationId xmlns:p14="http://schemas.microsoft.com/office/powerpoint/2010/main" val="3207109740"/>
       </p:ext>
     </p:extLst>
   </p:cSld>
@@ -5516,31 +8008,23 @@
           <a:lstStyle/>
           <a:p>
             <a:r>
-              <a:rPr lang="en-US" sz="4400" b="1" dirty="0" smtClean="0"/>
+              <a:rPr lang="en-US" sz="4400" b="1" dirty="0"/>
               <a:t>Motivation:</a:t>
             </a:r>
-            <a:endParaRPr lang="en-US" sz="4400" b="1" dirty="0"/>
           </a:p>
           <a:p>
             <a:endParaRPr lang="en-US" sz="2400" b="1" dirty="0"/>
           </a:p>
           <a:p>
             <a:r>
-              <a:rPr lang="en-US" sz="4000" dirty="0" smtClean="0">
+              <a:rPr lang="en-US" sz="4000" dirty="0">
                 <a:latin typeface="+mj-lt"/>
                 <a:cs typeface="Arial" pitchFamily="34" charset="0"/>
               </a:rPr>
-              <a:t>Imagine you are managing coffe</a:t>
-            </a:r>
-            <a:r>
-              <a:rPr lang="en-US" sz="4000" dirty="0" smtClean="0">
-                <a:latin typeface="+mj-lt"/>
-                <a:cs typeface="Arial" pitchFamily="34" charset="0"/>
-              </a:rPr>
-              <a:t>e shop. Every day, you order coffee beans based on your </a:t>
-            </a:r>
-            <a:r>
-              <a:rPr lang="en-US" sz="4000" dirty="0" smtClean="0">
+              <a:t>Imagine you are managing coffee shop. Every day, you order coffee beans based on your </a:t>
+            </a:r>
+            <a:r>
+              <a:rPr lang="en-US" sz="4000" dirty="0">
                 <a:solidFill>
                   <a:srgbClr val="FF0000"/>
                 </a:solidFill>
@@ -5550,7 +8034,7 @@
               <a:t>past sales</a:t>
             </a:r>
             <a:r>
-              <a:rPr lang="en-US" sz="4000" dirty="0" smtClean="0">
+              <a:rPr lang="en-US" sz="4000" dirty="0">
                 <a:latin typeface="+mj-lt"/>
                 <a:cs typeface="Arial" pitchFamily="34" charset="0"/>
               </a:rPr>
@@ -5718,6 +8202,2164 @@
 </p:sld>
 </file>
 
+<file path=ppt/slides/slide20.xml><?xml version="1.0" encoding="utf-8"?>
+<p:sld xmlns:a="http://schemas.openxmlformats.org/drawingml/2006/main" xmlns:r="http://schemas.openxmlformats.org/officeDocument/2006/relationships" xmlns:p="http://schemas.openxmlformats.org/presentationml/2006/main">
+  <p:cSld>
+    <p:spTree>
+      <p:nvGrpSpPr>
+        <p:cNvPr id="1" name="">
+          <a:extLst>
+            <a:ext uri="{FF2B5EF4-FFF2-40B4-BE49-F238E27FC236}">
+              <a16:creationId xmlns:a16="http://schemas.microsoft.com/office/drawing/2014/main" id="{255240E4-AAFD-BA89-B82B-D1BB777C5CA6}"/>
+            </a:ext>
+          </a:extLst>
+        </p:cNvPr>
+        <p:cNvGrpSpPr/>
+        <p:nvPr/>
+      </p:nvGrpSpPr>
+      <p:grpSpPr>
+        <a:xfrm>
+          <a:off x="0" y="0"/>
+          <a:ext cx="0" cy="0"/>
+          <a:chOff x="0" y="0"/>
+          <a:chExt cx="0" cy="0"/>
+        </a:xfrm>
+      </p:grpSpPr>
+      <mc:AlternateContent xmlns:mc="http://schemas.openxmlformats.org/markup-compatibility/2006">
+        <mc:Choice xmlns:a14="http://schemas.microsoft.com/office/drawing/2010/main" Requires="a14">
+          <p:sp>
+            <p:nvSpPr>
+              <p:cNvPr id="2" name="TextBox 1">
+                <a:extLst>
+                  <a:ext uri="{FF2B5EF4-FFF2-40B4-BE49-F238E27FC236}">
+                    <a16:creationId xmlns:a16="http://schemas.microsoft.com/office/drawing/2014/main" id="{643BDE03-E602-46ED-8E71-F094B3BF09E2}"/>
+                  </a:ext>
+                </a:extLst>
+              </p:cNvPr>
+              <p:cNvSpPr txBox="1"/>
+              <p:nvPr/>
+            </p:nvSpPr>
+            <p:spPr>
+              <a:xfrm>
+                <a:off x="932463" y="885546"/>
+                <a:ext cx="10282560" cy="1077218"/>
+              </a:xfrm>
+              <a:prstGeom prst="rect">
+                <a:avLst/>
+              </a:prstGeom>
+              <a:noFill/>
+            </p:spPr>
+            <p:txBody>
+              <a:bodyPr wrap="square" rtlCol="0">
+                <a:spAutoFit/>
+              </a:bodyPr>
+              <a:lstStyle/>
+              <a:p>
+                <a:r>
+                  <a:rPr lang="en-US" sz="3200" b="1" dirty="0"/>
+                  <a:t>02. </a:t>
+                </a:r>
+                <a:r>
+                  <a:rPr lang="en-US" sz="3200" dirty="0"/>
+                  <a:t>In an EWMA with </a:t>
+                </a:r>
+                <a14:m>
+                  <m:oMath xmlns:m="http://schemas.openxmlformats.org/officeDocument/2006/math">
+                    <m:r>
+                      <a:rPr lang="en-US" sz="3200" b="0" i="1" smtClean="0">
+                        <a:latin typeface="Cambria Math" panose="02040503050406030204" pitchFamily="18" charset="0"/>
+                        <a:ea typeface="Cambria Math" panose="02040503050406030204" pitchFamily="18" charset="0"/>
+                      </a:rPr>
+                      <m:t>𝜆</m:t>
+                    </m:r>
+                    <m:r>
+                      <a:rPr lang="en-US" sz="3200" b="0" i="1" smtClean="0">
+                        <a:latin typeface="Cambria Math" panose="02040503050406030204" pitchFamily="18" charset="0"/>
+                        <a:ea typeface="Cambria Math" panose="02040503050406030204" pitchFamily="18" charset="0"/>
+                      </a:rPr>
+                      <m:t>=0.2 </m:t>
+                    </m:r>
+                  </m:oMath>
+                </a14:m>
+                <a:r>
+                  <a:rPr lang="en-PH" sz="3200" dirty="0"/>
+                  <a:t>, what is the weight of </a:t>
+                </a:r>
+                <a14:m>
+                  <m:oMath xmlns:m="http://schemas.openxmlformats.org/officeDocument/2006/math">
+                    <m:sSub>
+                      <m:sSubPr>
+                        <m:ctrlPr>
+                          <a:rPr lang="en-PH" sz="3200" i="1" smtClean="0">
+                            <a:latin typeface="Cambria Math" panose="02040503050406030204" pitchFamily="18" charset="0"/>
+                          </a:rPr>
+                        </m:ctrlPr>
+                      </m:sSubPr>
+                      <m:e>
+                        <m:r>
+                          <a:rPr lang="en-US" sz="3200" b="0" i="1" smtClean="0">
+                            <a:latin typeface="Cambria Math" panose="02040503050406030204" pitchFamily="18" charset="0"/>
+                          </a:rPr>
+                          <m:t>𝑥</m:t>
+                        </m:r>
+                      </m:e>
+                      <m:sub>
+                        <m:r>
+                          <a:rPr lang="en-US" sz="3200" b="0" i="1" smtClean="0">
+                            <a:latin typeface="Cambria Math" panose="02040503050406030204" pitchFamily="18" charset="0"/>
+                          </a:rPr>
+                          <m:t>𝑡</m:t>
+                        </m:r>
+                        <m:r>
+                          <a:rPr lang="en-US" sz="3200" b="0" i="1" smtClean="0">
+                            <a:latin typeface="Cambria Math" panose="02040503050406030204" pitchFamily="18" charset="0"/>
+                          </a:rPr>
+                          <m:t>−2 </m:t>
+                        </m:r>
+                      </m:sub>
+                    </m:sSub>
+                  </m:oMath>
+                </a14:m>
+                <a:r>
+                  <a:rPr lang="en-PH" sz="3200" dirty="0"/>
+                  <a:t>in </a:t>
+                </a:r>
+                <a14:m>
+                  <m:oMath xmlns:m="http://schemas.openxmlformats.org/officeDocument/2006/math">
+                    <m:sSub>
+                      <m:sSubPr>
+                        <m:ctrlPr>
+                          <a:rPr lang="en-PH" sz="3200" i="1" smtClean="0">
+                            <a:latin typeface="Cambria Math" panose="02040503050406030204" pitchFamily="18" charset="0"/>
+                          </a:rPr>
+                        </m:ctrlPr>
+                      </m:sSubPr>
+                      <m:e>
+                        <m:r>
+                          <a:rPr lang="en-US" sz="3200" b="0" i="1" smtClean="0">
+                            <a:latin typeface="Cambria Math" panose="02040503050406030204" pitchFamily="18" charset="0"/>
+                          </a:rPr>
+                          <m:t>𝑆</m:t>
+                        </m:r>
+                      </m:e>
+                      <m:sub>
+                        <m:r>
+                          <a:rPr lang="en-US" sz="3200" b="0" i="1" smtClean="0">
+                            <a:latin typeface="Cambria Math" panose="02040503050406030204" pitchFamily="18" charset="0"/>
+                          </a:rPr>
+                          <m:t>𝑡</m:t>
+                        </m:r>
+                      </m:sub>
+                    </m:sSub>
+                  </m:oMath>
+                </a14:m>
+                <a:r>
+                  <a:rPr lang="en-PH" sz="3200" dirty="0"/>
+                  <a:t> (assuming the usual infinite history expansion)?</a:t>
+                </a:r>
+              </a:p>
+            </p:txBody>
+          </p:sp>
+        </mc:Choice>
+        <mc:Fallback>
+          <p:sp>
+            <p:nvSpPr>
+              <p:cNvPr id="2" name="TextBox 1">
+                <a:extLst>
+                  <a:ext uri="{FF2B5EF4-FFF2-40B4-BE49-F238E27FC236}">
+                    <a16:creationId xmlns:a16="http://schemas.microsoft.com/office/drawing/2014/main" id="{643BDE03-E602-46ED-8E71-F094B3BF09E2}"/>
+                  </a:ext>
+                </a:extLst>
+              </p:cNvPr>
+              <p:cNvSpPr txBox="1">
+                <a:spLocks noRot="1" noChangeAspect="1" noMove="1" noResize="1" noEditPoints="1" noAdjustHandles="1" noChangeArrowheads="1" noChangeShapeType="1" noTextEdit="1"/>
+              </p:cNvSpPr>
+              <p:nvPr/>
+            </p:nvSpPr>
+            <p:spPr>
+              <a:xfrm>
+                <a:off x="932463" y="885546"/>
+                <a:ext cx="10282560" cy="1077218"/>
+              </a:xfrm>
+              <a:prstGeom prst="rect">
+                <a:avLst/>
+              </a:prstGeom>
+              <a:blipFill>
+                <a:blip r:embed="rId3"/>
+                <a:stretch>
+                  <a:fillRect l="-1541" t="-6780" b="-18079"/>
+                </a:stretch>
+              </a:blipFill>
+            </p:spPr>
+            <p:txBody>
+              <a:bodyPr/>
+              <a:lstStyle/>
+              <a:p>
+                <a:r>
+                  <a:rPr lang="en-PH">
+                    <a:noFill/>
+                  </a:rPr>
+                  <a:t> </a:t>
+                </a:r>
+              </a:p>
+            </p:txBody>
+          </p:sp>
+        </mc:Fallback>
+      </mc:AlternateContent>
+      <mc:AlternateContent xmlns:mc="http://schemas.openxmlformats.org/markup-compatibility/2006">
+        <mc:Choice xmlns:a14="http://schemas.microsoft.com/office/drawing/2010/main" Requires="a14">
+          <p:graphicFrame>
+            <p:nvGraphicFramePr>
+              <p:cNvPr id="4" name="Table 3">
+                <a:extLst>
+                  <a:ext uri="{FF2B5EF4-FFF2-40B4-BE49-F238E27FC236}">
+                    <a16:creationId xmlns:a16="http://schemas.microsoft.com/office/drawing/2014/main" id="{AC49DADD-C95F-82DF-ECA7-04A7DE1F41F5}"/>
+                  </a:ext>
+                </a:extLst>
+              </p:cNvPr>
+              <p:cNvGraphicFramePr>
+                <a:graphicFrameLocks noGrp="1"/>
+              </p:cNvGraphicFramePr>
+              <p:nvPr>
+                <p:extLst>
+                  <p:ext uri="{D42A27DB-BD31-4B8C-83A1-F6EECF244321}">
+                    <p14:modId xmlns:p14="http://schemas.microsoft.com/office/powerpoint/2010/main" val="1465316597"/>
+                  </p:ext>
+                </p:extLst>
+              </p:nvPr>
+            </p:nvGraphicFramePr>
+            <p:xfrm>
+              <a:off x="932463" y="2539815"/>
+              <a:ext cx="10135464" cy="2153513"/>
+            </p:xfrm>
+            <a:graphic>
+              <a:graphicData uri="http://schemas.openxmlformats.org/drawingml/2006/table">
+                <a:tbl>
+                  <a:tblPr firstRow="1" bandRow="1">
+                    <a:tableStyleId>{5940675A-B579-460E-94D1-54222C63F5DA}</a:tableStyleId>
+                  </a:tblPr>
+                  <a:tblGrid>
+                    <a:gridCol w="10135464">
+                      <a:extLst>
+                        <a:ext uri="{9D8B030D-6E8A-4147-A177-3AD203B41FA5}">
+                          <a16:colId xmlns:a16="http://schemas.microsoft.com/office/drawing/2014/main" val="347220614"/>
+                        </a:ext>
+                      </a:extLst>
+                    </a:gridCol>
+                  </a:tblGrid>
+                  <a:tr h="417278">
+                    <a:tc>
+                      <a:txBody>
+                        <a:bodyPr/>
+                        <a:lstStyle/>
+                        <a:p>
+                          <a:r>
+                            <a:rPr lang="en-US" sz="2800" b="1" dirty="0"/>
+                            <a:t>A</a:t>
+                          </a:r>
+                          <a:r>
+                            <a:rPr lang="en-US" sz="2800" dirty="0"/>
+                            <a:t>. </a:t>
+                          </a:r>
+                          <a14:m>
+                            <m:oMath xmlns:m="http://schemas.openxmlformats.org/officeDocument/2006/math">
+                              <m:sSup>
+                                <m:sSupPr>
+                                  <m:ctrlPr>
+                                    <a:rPr lang="en-US" sz="2800" i="1" smtClean="0">
+                                      <a:latin typeface="Cambria Math" panose="02040503050406030204" pitchFamily="18" charset="0"/>
+                                    </a:rPr>
+                                  </m:ctrlPr>
+                                </m:sSupPr>
+                                <m:e>
+                                  <m:r>
+                                    <a:rPr lang="en-US" sz="2800" b="0" i="1" smtClean="0">
+                                      <a:latin typeface="Cambria Math" panose="02040503050406030204" pitchFamily="18" charset="0"/>
+                                    </a:rPr>
+                                    <m:t>0.2</m:t>
+                                  </m:r>
+                                </m:e>
+                                <m:sup>
+                                  <m:r>
+                                    <a:rPr lang="en-US" sz="2800" b="0" i="1" smtClean="0">
+                                      <a:latin typeface="Cambria Math" panose="02040503050406030204" pitchFamily="18" charset="0"/>
+                                    </a:rPr>
+                                    <m:t>2</m:t>
+                                  </m:r>
+                                </m:sup>
+                              </m:sSup>
+                            </m:oMath>
+                          </a14:m>
+                          <a:endParaRPr lang="en-PH" sz="2800" dirty="0"/>
+                        </a:p>
+                      </a:txBody>
+                      <a:tcPr/>
+                    </a:tc>
+                    <a:extLst>
+                      <a:ext uri="{0D108BD9-81ED-4DB2-BD59-A6C34878D82A}">
+                        <a16:rowId xmlns:a16="http://schemas.microsoft.com/office/drawing/2014/main" val="3090890639"/>
+                      </a:ext>
+                    </a:extLst>
+                  </a:tr>
+                  <a:tr h="599033">
+                    <a:tc>
+                      <a:txBody>
+                        <a:bodyPr/>
+                        <a:lstStyle/>
+                        <a:p>
+                          <a:r>
+                            <a:rPr lang="en-US" sz="2800" b="1" dirty="0"/>
+                            <a:t>B</a:t>
+                          </a:r>
+                          <a:r>
+                            <a:rPr lang="en-US" sz="2800" dirty="0"/>
+                            <a:t>. </a:t>
+                          </a:r>
+                          <a14:m>
+                            <m:oMath xmlns:m="http://schemas.openxmlformats.org/officeDocument/2006/math">
+                              <m:sSup>
+                                <m:sSupPr>
+                                  <m:ctrlPr>
+                                    <a:rPr lang="en-US" sz="2800" i="1" smtClean="0">
+                                      <a:latin typeface="Cambria Math" panose="02040503050406030204" pitchFamily="18" charset="0"/>
+                                    </a:rPr>
+                                  </m:ctrlPr>
+                                </m:sSupPr>
+                                <m:e>
+                                  <m:r>
+                                    <a:rPr lang="en-US" sz="2800" b="0" i="1" smtClean="0">
+                                      <a:latin typeface="Cambria Math" panose="02040503050406030204" pitchFamily="18" charset="0"/>
+                                    </a:rPr>
+                                    <m:t>0.2</m:t>
+                                  </m:r>
+                                  <m:r>
+                                    <a:rPr lang="en-US" sz="2800" b="0" i="1" smtClean="0">
+                                      <a:latin typeface="Cambria Math" panose="02040503050406030204" pitchFamily="18" charset="0"/>
+                                    </a:rPr>
+                                    <m:t>(0.8)</m:t>
+                                  </m:r>
+                                </m:e>
+                                <m:sup>
+                                  <m:r>
+                                    <a:rPr lang="en-US" sz="2800" b="0" i="1" smtClean="0">
+                                      <a:latin typeface="Cambria Math" panose="02040503050406030204" pitchFamily="18" charset="0"/>
+                                    </a:rPr>
+                                    <m:t>2</m:t>
+                                  </m:r>
+                                </m:sup>
+                              </m:sSup>
+                            </m:oMath>
+                          </a14:m>
+                          <a:endParaRPr lang="en-US" sz="2800" dirty="0"/>
+                        </a:p>
+                      </a:txBody>
+                      <a:tcPr>
+                        <a:solidFill>
+                          <a:srgbClr val="FFFF00"/>
+                        </a:solidFill>
+                      </a:tcPr>
+                    </a:tc>
+                    <a:extLst>
+                      <a:ext uri="{0D108BD9-81ED-4DB2-BD59-A6C34878D82A}">
+                        <a16:rowId xmlns:a16="http://schemas.microsoft.com/office/drawing/2014/main" val="2340900590"/>
+                      </a:ext>
+                    </a:extLst>
+                  </a:tr>
+                  <a:tr h="508725">
+                    <a:tc>
+                      <a:txBody>
+                        <a:bodyPr/>
+                        <a:lstStyle/>
+                        <a:p>
+                          <a:r>
+                            <a:rPr lang="en-US" sz="2800" b="1" dirty="0"/>
+                            <a:t>C</a:t>
+                          </a:r>
+                          <a:r>
+                            <a:rPr lang="en-US" sz="2800" dirty="0"/>
+                            <a:t>. </a:t>
+                          </a:r>
+                          <a14:m>
+                            <m:oMath xmlns:m="http://schemas.openxmlformats.org/officeDocument/2006/math">
+                              <m:sSup>
+                                <m:sSupPr>
+                                  <m:ctrlPr>
+                                    <a:rPr lang="en-US" sz="2800" i="1" smtClean="0">
+                                      <a:latin typeface="Cambria Math" panose="02040503050406030204" pitchFamily="18" charset="0"/>
+                                    </a:rPr>
+                                  </m:ctrlPr>
+                                </m:sSupPr>
+                                <m:e>
+                                  <m:r>
+                                    <a:rPr lang="en-US" sz="2800" b="0" i="1" smtClean="0">
+                                      <a:latin typeface="Cambria Math" panose="02040503050406030204" pitchFamily="18" charset="0"/>
+                                    </a:rPr>
+                                    <m:t>(</m:t>
+                                  </m:r>
+                                  <m:r>
+                                    <a:rPr lang="en-US" sz="2800" b="0" i="1" smtClean="0">
+                                      <a:latin typeface="Cambria Math" panose="02040503050406030204" pitchFamily="18" charset="0"/>
+                                    </a:rPr>
+                                    <m:t>0.</m:t>
+                                  </m:r>
+                                  <m:r>
+                                    <a:rPr lang="en-US" sz="2800" b="0" i="1" smtClean="0">
+                                      <a:latin typeface="Cambria Math" panose="02040503050406030204" pitchFamily="18" charset="0"/>
+                                    </a:rPr>
+                                    <m:t>8)</m:t>
+                                  </m:r>
+                                </m:e>
+                                <m:sup>
+                                  <m:r>
+                                    <a:rPr lang="en-US" sz="2800" b="0" i="1" smtClean="0">
+                                      <a:latin typeface="Cambria Math" panose="02040503050406030204" pitchFamily="18" charset="0"/>
+                                    </a:rPr>
+                                    <m:t>2</m:t>
+                                  </m:r>
+                                </m:sup>
+                              </m:sSup>
+                            </m:oMath>
+                          </a14:m>
+                          <a:endParaRPr lang="en-PH" sz="2800" dirty="0"/>
+                        </a:p>
+                      </a:txBody>
+                      <a:tcPr>
+                        <a:solidFill>
+                          <a:schemeClr val="bg1"/>
+                        </a:solidFill>
+                      </a:tcPr>
+                    </a:tc>
+                    <a:extLst>
+                      <a:ext uri="{0D108BD9-81ED-4DB2-BD59-A6C34878D82A}">
+                        <a16:rowId xmlns:a16="http://schemas.microsoft.com/office/drawing/2014/main" val="3017780003"/>
+                      </a:ext>
+                    </a:extLst>
+                  </a:tr>
+                  <a:tr h="508725">
+                    <a:tc>
+                      <a:txBody>
+                        <a:bodyPr/>
+                        <a:lstStyle/>
+                        <a:p>
+                          <a:pPr marL="0" marR="0" lvl="0" indent="0" algn="l" defTabSz="914400" rtl="0" eaLnBrk="1" fontAlgn="auto" latinLnBrk="0" hangingPunct="1">
+                            <a:lnSpc>
+                              <a:spcPct val="100000"/>
+                            </a:lnSpc>
+                            <a:spcBef>
+                              <a:spcPts val="0"/>
+                            </a:spcBef>
+                            <a:spcAft>
+                              <a:spcPts val="0"/>
+                            </a:spcAft>
+                            <a:buClrTx/>
+                            <a:buSzTx/>
+                            <a:buFontTx/>
+                            <a:buNone/>
+                            <a:tabLst/>
+                            <a:defRPr/>
+                          </a:pPr>
+                          <a:r>
+                            <a:rPr lang="en-US" sz="2800" b="1" kern="1200" dirty="0">
+                              <a:solidFill>
+                                <a:schemeClr val="tx1"/>
+                              </a:solidFill>
+                              <a:latin typeface="+mn-lt"/>
+                              <a:ea typeface="+mn-ea"/>
+                              <a:cs typeface="+mn-cs"/>
+                            </a:rPr>
+                            <a:t>D</a:t>
+                          </a:r>
+                          <a:r>
+                            <a:rPr lang="en-US" sz="2800" kern="1200" dirty="0">
+                              <a:solidFill>
+                                <a:schemeClr val="tx1"/>
+                              </a:solidFill>
+                              <a:latin typeface="+mn-lt"/>
+                              <a:ea typeface="+mn-ea"/>
+                              <a:cs typeface="+mn-cs"/>
+                            </a:rPr>
+                            <a:t>. </a:t>
+                          </a:r>
+                          <a14:m>
+                            <m:oMath xmlns:m="http://schemas.openxmlformats.org/officeDocument/2006/math">
+                              <m:sSup>
+                                <m:sSupPr>
+                                  <m:ctrlPr>
+                                    <a:rPr lang="en-US" sz="2800" i="1" smtClean="0">
+                                      <a:latin typeface="Cambria Math" panose="02040503050406030204" pitchFamily="18" charset="0"/>
+                                    </a:rPr>
+                                  </m:ctrlPr>
+                                </m:sSupPr>
+                                <m:e>
+                                  <m:r>
+                                    <a:rPr lang="en-US" sz="2800" b="0" i="1" smtClean="0">
+                                      <a:latin typeface="Cambria Math" panose="02040503050406030204" pitchFamily="18" charset="0"/>
+                                    </a:rPr>
+                                    <m:t>(0.8)</m:t>
+                                  </m:r>
+                                  <m:r>
+                                    <a:rPr lang="en-US" sz="2800" b="0" i="1" smtClean="0">
+                                      <a:latin typeface="Cambria Math" panose="02040503050406030204" pitchFamily="18" charset="0"/>
+                                    </a:rPr>
+                                    <m:t>(0.2)</m:t>
+                                  </m:r>
+                                </m:e>
+                                <m:sup>
+                                  <m:r>
+                                    <a:rPr lang="en-US" sz="2800" b="0" i="1" smtClean="0">
+                                      <a:latin typeface="Cambria Math" panose="02040503050406030204" pitchFamily="18" charset="0"/>
+                                    </a:rPr>
+                                    <m:t>2</m:t>
+                                  </m:r>
+                                </m:sup>
+                              </m:sSup>
+                            </m:oMath>
+                          </a14:m>
+                          <a:endParaRPr lang="en-PH" sz="2800" kern="1200" dirty="0">
+                            <a:solidFill>
+                              <a:schemeClr val="tx1"/>
+                            </a:solidFill>
+                            <a:latin typeface="+mn-lt"/>
+                            <a:ea typeface="+mn-ea"/>
+                            <a:cs typeface="+mn-cs"/>
+                          </a:endParaRPr>
+                        </a:p>
+                      </a:txBody>
+                      <a:tcPr/>
+                    </a:tc>
+                    <a:extLst>
+                      <a:ext uri="{0D108BD9-81ED-4DB2-BD59-A6C34878D82A}">
+                        <a16:rowId xmlns:a16="http://schemas.microsoft.com/office/drawing/2014/main" val="716630035"/>
+                      </a:ext>
+                    </a:extLst>
+                  </a:tr>
+                </a:tbl>
+              </a:graphicData>
+            </a:graphic>
+          </p:graphicFrame>
+        </mc:Choice>
+        <mc:Fallback>
+          <p:graphicFrame>
+            <p:nvGraphicFramePr>
+              <p:cNvPr id="4" name="Table 3">
+                <a:extLst>
+                  <a:ext uri="{FF2B5EF4-FFF2-40B4-BE49-F238E27FC236}">
+                    <a16:creationId xmlns:a16="http://schemas.microsoft.com/office/drawing/2014/main" id="{AC49DADD-C95F-82DF-ECA7-04A7DE1F41F5}"/>
+                  </a:ext>
+                </a:extLst>
+              </p:cNvPr>
+              <p:cNvGraphicFramePr>
+                <a:graphicFrameLocks noGrp="1"/>
+              </p:cNvGraphicFramePr>
+              <p:nvPr>
+                <p:extLst>
+                  <p:ext uri="{D42A27DB-BD31-4B8C-83A1-F6EECF244321}">
+                    <p14:modId xmlns:p14="http://schemas.microsoft.com/office/powerpoint/2010/main" val="1465316597"/>
+                  </p:ext>
+                </p:extLst>
+              </p:nvPr>
+            </p:nvGraphicFramePr>
+            <p:xfrm>
+              <a:off x="932463" y="2539815"/>
+              <a:ext cx="10135464" cy="2153513"/>
+            </p:xfrm>
+            <a:graphic>
+              <a:graphicData uri="http://schemas.openxmlformats.org/drawingml/2006/table">
+                <a:tbl>
+                  <a:tblPr firstRow="1" bandRow="1">
+                    <a:tableStyleId>{5940675A-B579-460E-94D1-54222C63F5DA}</a:tableStyleId>
+                  </a:tblPr>
+                  <a:tblGrid>
+                    <a:gridCol w="10135464">
+                      <a:extLst>
+                        <a:ext uri="{9D8B030D-6E8A-4147-A177-3AD203B41FA5}">
+                          <a16:colId xmlns:a16="http://schemas.microsoft.com/office/drawing/2014/main" val="347220614"/>
+                        </a:ext>
+                      </a:extLst>
+                    </a:gridCol>
+                  </a:tblGrid>
+                  <a:tr h="518160">
+                    <a:tc>
+                      <a:txBody>
+                        <a:bodyPr/>
+                        <a:lstStyle/>
+                        <a:p>
+                          <a:endParaRPr lang="en-US"/>
+                        </a:p>
+                      </a:txBody>
+                      <a:tcPr>
+                        <a:blipFill>
+                          <a:blip r:embed="rId4"/>
+                          <a:stretch>
+                            <a:fillRect l="-60" t="-10588" r="-120" b="-350588"/>
+                          </a:stretch>
+                        </a:blipFill>
+                      </a:tcPr>
+                    </a:tc>
+                    <a:extLst>
+                      <a:ext uri="{0D108BD9-81ED-4DB2-BD59-A6C34878D82A}">
+                        <a16:rowId xmlns:a16="http://schemas.microsoft.com/office/drawing/2014/main" val="3090890639"/>
+                      </a:ext>
+                    </a:extLst>
+                  </a:tr>
+                  <a:tr h="599033">
+                    <a:tc>
+                      <a:txBody>
+                        <a:bodyPr/>
+                        <a:lstStyle/>
+                        <a:p>
+                          <a:endParaRPr lang="en-US"/>
+                        </a:p>
+                      </a:txBody>
+                      <a:tcPr>
+                        <a:blipFill>
+                          <a:blip r:embed="rId4"/>
+                          <a:stretch>
+                            <a:fillRect l="-60" t="-94949" r="-120" b="-201010"/>
+                          </a:stretch>
+                        </a:blipFill>
+                      </a:tcPr>
+                    </a:tc>
+                    <a:extLst>
+                      <a:ext uri="{0D108BD9-81ED-4DB2-BD59-A6C34878D82A}">
+                        <a16:rowId xmlns:a16="http://schemas.microsoft.com/office/drawing/2014/main" val="2340900590"/>
+                      </a:ext>
+                    </a:extLst>
+                  </a:tr>
+                  <a:tr h="518160">
+                    <a:tc>
+                      <a:txBody>
+                        <a:bodyPr/>
+                        <a:lstStyle/>
+                        <a:p>
+                          <a:endParaRPr lang="en-US"/>
+                        </a:p>
+                      </a:txBody>
+                      <a:tcPr>
+                        <a:blipFill>
+                          <a:blip r:embed="rId4"/>
+                          <a:stretch>
+                            <a:fillRect l="-60" t="-227059" r="-120" b="-134118"/>
+                          </a:stretch>
+                        </a:blipFill>
+                      </a:tcPr>
+                    </a:tc>
+                    <a:extLst>
+                      <a:ext uri="{0D108BD9-81ED-4DB2-BD59-A6C34878D82A}">
+                        <a16:rowId xmlns:a16="http://schemas.microsoft.com/office/drawing/2014/main" val="3017780003"/>
+                      </a:ext>
+                    </a:extLst>
+                  </a:tr>
+                  <a:tr h="518160">
+                    <a:tc>
+                      <a:txBody>
+                        <a:bodyPr/>
+                        <a:lstStyle/>
+                        <a:p>
+                          <a:endParaRPr lang="en-US"/>
+                        </a:p>
+                      </a:txBody>
+                      <a:tcPr>
+                        <a:blipFill>
+                          <a:blip r:embed="rId4"/>
+                          <a:stretch>
+                            <a:fillRect l="-60" t="-327059" r="-120" b="-34118"/>
+                          </a:stretch>
+                        </a:blipFill>
+                      </a:tcPr>
+                    </a:tc>
+                    <a:extLst>
+                      <a:ext uri="{0D108BD9-81ED-4DB2-BD59-A6C34878D82A}">
+                        <a16:rowId xmlns:a16="http://schemas.microsoft.com/office/drawing/2014/main" val="716630035"/>
+                      </a:ext>
+                    </a:extLst>
+                  </a:tr>
+                </a:tbl>
+              </a:graphicData>
+            </a:graphic>
+          </p:graphicFrame>
+        </mc:Fallback>
+      </mc:AlternateContent>
+    </p:spTree>
+    <p:extLst>
+      <p:ext uri="{BB962C8B-B14F-4D97-AF65-F5344CB8AC3E}">
+        <p14:creationId xmlns:p14="http://schemas.microsoft.com/office/powerpoint/2010/main" val="1543115190"/>
+      </p:ext>
+    </p:extLst>
+  </p:cSld>
+  <p:clrMapOvr>
+    <a:masterClrMapping/>
+  </p:clrMapOvr>
+</p:sld>
+</file>
+
+<file path=ppt/slides/slide21.xml><?xml version="1.0" encoding="utf-8"?>
+<p:sld xmlns:a="http://schemas.openxmlformats.org/drawingml/2006/main" xmlns:r="http://schemas.openxmlformats.org/officeDocument/2006/relationships" xmlns:p="http://schemas.openxmlformats.org/presentationml/2006/main">
+  <p:cSld>
+    <p:spTree>
+      <p:nvGrpSpPr>
+        <p:cNvPr id="1" name="">
+          <a:extLst>
+            <a:ext uri="{FF2B5EF4-FFF2-40B4-BE49-F238E27FC236}">
+              <a16:creationId xmlns:a16="http://schemas.microsoft.com/office/drawing/2014/main" id="{0210D495-192E-2B89-B5D8-AF5F4A211BFC}"/>
+            </a:ext>
+          </a:extLst>
+        </p:cNvPr>
+        <p:cNvGrpSpPr/>
+        <p:nvPr/>
+      </p:nvGrpSpPr>
+      <p:grpSpPr>
+        <a:xfrm>
+          <a:off x="0" y="0"/>
+          <a:ext cx="0" cy="0"/>
+          <a:chOff x="0" y="0"/>
+          <a:chExt cx="0" cy="0"/>
+        </a:xfrm>
+      </p:grpSpPr>
+      <p:sp>
+        <p:nvSpPr>
+          <p:cNvPr id="2" name="TextBox 1">
+            <a:extLst>
+              <a:ext uri="{FF2B5EF4-FFF2-40B4-BE49-F238E27FC236}">
+                <a16:creationId xmlns:a16="http://schemas.microsoft.com/office/drawing/2014/main" id="{D0531C44-E6B3-EBAA-3CCF-5EF54FB77C32}"/>
+              </a:ext>
+            </a:extLst>
+          </p:cNvPr>
+          <p:cNvSpPr txBox="1"/>
+          <p:nvPr/>
+        </p:nvSpPr>
+        <p:spPr>
+          <a:xfrm>
+            <a:off x="932463" y="885546"/>
+            <a:ext cx="10282560" cy="1077218"/>
+          </a:xfrm>
+          <a:prstGeom prst="rect">
+            <a:avLst/>
+          </a:prstGeom>
+          <a:noFill/>
+        </p:spPr>
+        <p:txBody>
+          <a:bodyPr wrap="square" rtlCol="0">
+            <a:spAutoFit/>
+          </a:bodyPr>
+          <a:lstStyle/>
+          <a:p>
+            <a:r>
+              <a:rPr lang="en-US" sz="3200" b="1" dirty="0"/>
+              <a:t>03. </a:t>
+            </a:r>
+            <a:r>
+              <a:rPr lang="en-US" sz="3200" dirty="0"/>
+              <a:t>If 𝜆=0.1, about how much weight remains on information from 10 steps ago (relative to the EWMA state)</a:t>
+            </a:r>
+            <a:endParaRPr lang="en-PH" sz="3200" dirty="0"/>
+          </a:p>
+        </p:txBody>
+      </p:sp>
+      <p:graphicFrame>
+        <p:nvGraphicFramePr>
+          <p:cNvPr id="4" name="Table 3">
+            <a:extLst>
+              <a:ext uri="{FF2B5EF4-FFF2-40B4-BE49-F238E27FC236}">
+                <a16:creationId xmlns:a16="http://schemas.microsoft.com/office/drawing/2014/main" id="{9B44DC3E-1B4D-C4B0-6357-AD27D793E92A}"/>
+              </a:ext>
+            </a:extLst>
+          </p:cNvPr>
+          <p:cNvGraphicFramePr>
+            <a:graphicFrameLocks noGrp="1"/>
+          </p:cNvGraphicFramePr>
+          <p:nvPr>
+            <p:extLst>
+              <p:ext uri="{D42A27DB-BD31-4B8C-83A1-F6EECF244321}">
+                <p14:modId xmlns:p14="http://schemas.microsoft.com/office/powerpoint/2010/main" val="3890864119"/>
+              </p:ext>
+            </p:extLst>
+          </p:nvPr>
+        </p:nvGraphicFramePr>
+        <p:xfrm>
+          <a:off x="932463" y="2539815"/>
+          <a:ext cx="10135464" cy="2153513"/>
+        </p:xfrm>
+        <a:graphic>
+          <a:graphicData uri="http://schemas.openxmlformats.org/drawingml/2006/table">
+            <a:tbl>
+              <a:tblPr firstRow="1" bandRow="1">
+                <a:tableStyleId>{5940675A-B579-460E-94D1-54222C63F5DA}</a:tableStyleId>
+              </a:tblPr>
+              <a:tblGrid>
+                <a:gridCol w="10135464">
+                  <a:extLst>
+                    <a:ext uri="{9D8B030D-6E8A-4147-A177-3AD203B41FA5}">
+                      <a16:colId xmlns:a16="http://schemas.microsoft.com/office/drawing/2014/main" val="347220614"/>
+                    </a:ext>
+                  </a:extLst>
+                </a:gridCol>
+              </a:tblGrid>
+              <a:tr h="417278">
+                <a:tc>
+                  <a:txBody>
+                    <a:bodyPr/>
+                    <a:lstStyle/>
+                    <a:p>
+                      <a:r>
+                        <a:rPr lang="en-US" sz="2800" b="1" dirty="0"/>
+                        <a:t>A</a:t>
+                      </a:r>
+                      <a:r>
+                        <a:rPr lang="en-US" sz="2800" dirty="0"/>
+                        <a:t>. About 0.9</a:t>
+                      </a:r>
+                      <a:endParaRPr lang="en-PH" sz="2800" dirty="0"/>
+                    </a:p>
+                  </a:txBody>
+                  <a:tcPr/>
+                </a:tc>
+                <a:extLst>
+                  <a:ext uri="{0D108BD9-81ED-4DB2-BD59-A6C34878D82A}">
+                    <a16:rowId xmlns:a16="http://schemas.microsoft.com/office/drawing/2014/main" val="3090890639"/>
+                  </a:ext>
+                </a:extLst>
+              </a:tr>
+              <a:tr h="599033">
+                <a:tc>
+                  <a:txBody>
+                    <a:bodyPr/>
+                    <a:lstStyle/>
+                    <a:p>
+                      <a:r>
+                        <a:rPr lang="en-US" sz="2800" b="1" dirty="0"/>
+                        <a:t>B</a:t>
+                      </a:r>
+                      <a:r>
+                        <a:rPr lang="en-US" sz="2800" dirty="0"/>
+                        <a:t>. About 0.10</a:t>
+                      </a:r>
+                    </a:p>
+                  </a:txBody>
+                  <a:tcPr/>
+                </a:tc>
+                <a:extLst>
+                  <a:ext uri="{0D108BD9-81ED-4DB2-BD59-A6C34878D82A}">
+                    <a16:rowId xmlns:a16="http://schemas.microsoft.com/office/drawing/2014/main" val="2340900590"/>
+                  </a:ext>
+                </a:extLst>
+              </a:tr>
+              <a:tr h="508725">
+                <a:tc>
+                  <a:txBody>
+                    <a:bodyPr/>
+                    <a:lstStyle/>
+                    <a:p>
+                      <a:r>
+                        <a:rPr lang="en-US" sz="2800" b="1" dirty="0"/>
+                        <a:t>C</a:t>
+                      </a:r>
+                      <a:r>
+                        <a:rPr lang="en-US" sz="2800" dirty="0"/>
+                        <a:t>. About 0.35</a:t>
+                      </a:r>
+                      <a:endParaRPr lang="en-PH" sz="2800" dirty="0"/>
+                    </a:p>
+                  </a:txBody>
+                  <a:tcPr>
+                    <a:solidFill>
+                      <a:schemeClr val="bg1"/>
+                    </a:solidFill>
+                  </a:tcPr>
+                </a:tc>
+                <a:extLst>
+                  <a:ext uri="{0D108BD9-81ED-4DB2-BD59-A6C34878D82A}">
+                    <a16:rowId xmlns:a16="http://schemas.microsoft.com/office/drawing/2014/main" val="3017780003"/>
+                  </a:ext>
+                </a:extLst>
+              </a:tr>
+              <a:tr h="508725">
+                <a:tc>
+                  <a:txBody>
+                    <a:bodyPr/>
+                    <a:lstStyle/>
+                    <a:p>
+                      <a:pPr marL="0" marR="0" lvl="0" indent="0" algn="l" defTabSz="914400" rtl="0" eaLnBrk="1" fontAlgn="auto" latinLnBrk="0" hangingPunct="1">
+                        <a:lnSpc>
+                          <a:spcPct val="100000"/>
+                        </a:lnSpc>
+                        <a:spcBef>
+                          <a:spcPts val="0"/>
+                        </a:spcBef>
+                        <a:spcAft>
+                          <a:spcPts val="0"/>
+                        </a:spcAft>
+                        <a:buClrTx/>
+                        <a:buSzTx/>
+                        <a:buFontTx/>
+                        <a:buNone/>
+                        <a:tabLst/>
+                        <a:defRPr/>
+                      </a:pPr>
+                      <a:r>
+                        <a:rPr lang="en-US" sz="2800" b="1" kern="1200" dirty="0">
+                          <a:solidFill>
+                            <a:schemeClr val="tx1"/>
+                          </a:solidFill>
+                          <a:latin typeface="+mn-lt"/>
+                          <a:ea typeface="+mn-ea"/>
+                          <a:cs typeface="+mn-cs"/>
+                        </a:rPr>
+                        <a:t>D</a:t>
+                      </a:r>
+                      <a:r>
+                        <a:rPr lang="en-US" sz="2800" kern="1200" dirty="0">
+                          <a:solidFill>
+                            <a:schemeClr val="tx1"/>
+                          </a:solidFill>
+                          <a:latin typeface="+mn-lt"/>
+                          <a:ea typeface="+mn-ea"/>
+                          <a:cs typeface="+mn-cs"/>
+                        </a:rPr>
+                        <a:t>. About 0.01</a:t>
+                      </a:r>
+                      <a:endParaRPr lang="en-PH" sz="2800" kern="1200" dirty="0">
+                        <a:solidFill>
+                          <a:schemeClr val="tx1"/>
+                        </a:solidFill>
+                        <a:latin typeface="+mn-lt"/>
+                        <a:ea typeface="+mn-ea"/>
+                        <a:cs typeface="+mn-cs"/>
+                      </a:endParaRPr>
+                    </a:p>
+                  </a:txBody>
+                  <a:tcPr/>
+                </a:tc>
+                <a:extLst>
+                  <a:ext uri="{0D108BD9-81ED-4DB2-BD59-A6C34878D82A}">
+                    <a16:rowId xmlns:a16="http://schemas.microsoft.com/office/drawing/2014/main" val="716630035"/>
+                  </a:ext>
+                </a:extLst>
+              </a:tr>
+            </a:tbl>
+          </a:graphicData>
+        </a:graphic>
+      </p:graphicFrame>
+    </p:spTree>
+    <p:extLst>
+      <p:ext uri="{BB962C8B-B14F-4D97-AF65-F5344CB8AC3E}">
+        <p14:creationId xmlns:p14="http://schemas.microsoft.com/office/powerpoint/2010/main" val="2323490974"/>
+      </p:ext>
+    </p:extLst>
+  </p:cSld>
+  <p:clrMapOvr>
+    <a:masterClrMapping/>
+  </p:clrMapOvr>
+</p:sld>
+</file>
+
+<file path=ppt/slides/slide22.xml><?xml version="1.0" encoding="utf-8"?>
+<p:sld xmlns:a="http://schemas.openxmlformats.org/drawingml/2006/main" xmlns:r="http://schemas.openxmlformats.org/officeDocument/2006/relationships" xmlns:p="http://schemas.openxmlformats.org/presentationml/2006/main">
+  <p:cSld>
+    <p:spTree>
+      <p:nvGrpSpPr>
+        <p:cNvPr id="1" name="">
+          <a:extLst>
+            <a:ext uri="{FF2B5EF4-FFF2-40B4-BE49-F238E27FC236}">
+              <a16:creationId xmlns:a16="http://schemas.microsoft.com/office/drawing/2014/main" id="{6221001A-585B-8FE9-70AD-F960CE5ADECD}"/>
+            </a:ext>
+          </a:extLst>
+        </p:cNvPr>
+        <p:cNvGrpSpPr/>
+        <p:nvPr/>
+      </p:nvGrpSpPr>
+      <p:grpSpPr>
+        <a:xfrm>
+          <a:off x="0" y="0"/>
+          <a:ext cx="0" cy="0"/>
+          <a:chOff x="0" y="0"/>
+          <a:chExt cx="0" cy="0"/>
+        </a:xfrm>
+      </p:grpSpPr>
+      <p:sp>
+        <p:nvSpPr>
+          <p:cNvPr id="2" name="TextBox 1">
+            <a:extLst>
+              <a:ext uri="{FF2B5EF4-FFF2-40B4-BE49-F238E27FC236}">
+                <a16:creationId xmlns:a16="http://schemas.microsoft.com/office/drawing/2014/main" id="{97A0760A-D5EC-90FE-93AD-C086E68EC9E5}"/>
+              </a:ext>
+            </a:extLst>
+          </p:cNvPr>
+          <p:cNvSpPr txBox="1"/>
+          <p:nvPr/>
+        </p:nvSpPr>
+        <p:spPr>
+          <a:xfrm>
+            <a:off x="932463" y="885546"/>
+            <a:ext cx="10282560" cy="1077218"/>
+          </a:xfrm>
+          <a:prstGeom prst="rect">
+            <a:avLst/>
+          </a:prstGeom>
+          <a:noFill/>
+        </p:spPr>
+        <p:txBody>
+          <a:bodyPr wrap="square" rtlCol="0">
+            <a:spAutoFit/>
+          </a:bodyPr>
+          <a:lstStyle/>
+          <a:p>
+            <a:r>
+              <a:rPr lang="en-US" sz="3200" b="1" dirty="0"/>
+              <a:t>03. </a:t>
+            </a:r>
+            <a:r>
+              <a:rPr lang="en-US" sz="3200" dirty="0"/>
+              <a:t>If 𝜆 = 0.1, about how much weight remains on information from 10 steps ago (relative to the EWMA state)</a:t>
+            </a:r>
+            <a:endParaRPr lang="en-PH" sz="3200" dirty="0"/>
+          </a:p>
+        </p:txBody>
+      </p:sp>
+      <p:graphicFrame>
+        <p:nvGraphicFramePr>
+          <p:cNvPr id="4" name="Table 3">
+            <a:extLst>
+              <a:ext uri="{FF2B5EF4-FFF2-40B4-BE49-F238E27FC236}">
+                <a16:creationId xmlns:a16="http://schemas.microsoft.com/office/drawing/2014/main" id="{C64AF3FD-21C3-D4EE-89D0-FC42F56760F0}"/>
+              </a:ext>
+            </a:extLst>
+          </p:cNvPr>
+          <p:cNvGraphicFramePr>
+            <a:graphicFrameLocks noGrp="1"/>
+          </p:cNvGraphicFramePr>
+          <p:nvPr>
+            <p:extLst>
+              <p:ext uri="{D42A27DB-BD31-4B8C-83A1-F6EECF244321}">
+                <p14:modId xmlns:p14="http://schemas.microsoft.com/office/powerpoint/2010/main" val="3776015671"/>
+              </p:ext>
+            </p:extLst>
+          </p:nvPr>
+        </p:nvGraphicFramePr>
+        <p:xfrm>
+          <a:off x="1006011" y="2255729"/>
+          <a:ext cx="10135464" cy="2153513"/>
+        </p:xfrm>
+        <a:graphic>
+          <a:graphicData uri="http://schemas.openxmlformats.org/drawingml/2006/table">
+            <a:tbl>
+              <a:tblPr firstRow="1" bandRow="1">
+                <a:tableStyleId>{5940675A-B579-460E-94D1-54222C63F5DA}</a:tableStyleId>
+              </a:tblPr>
+              <a:tblGrid>
+                <a:gridCol w="10135464">
+                  <a:extLst>
+                    <a:ext uri="{9D8B030D-6E8A-4147-A177-3AD203B41FA5}">
+                      <a16:colId xmlns:a16="http://schemas.microsoft.com/office/drawing/2014/main" val="347220614"/>
+                    </a:ext>
+                  </a:extLst>
+                </a:gridCol>
+              </a:tblGrid>
+              <a:tr h="417278">
+                <a:tc>
+                  <a:txBody>
+                    <a:bodyPr/>
+                    <a:lstStyle/>
+                    <a:p>
+                      <a:r>
+                        <a:rPr lang="en-US" sz="2800" b="1" dirty="0"/>
+                        <a:t>A</a:t>
+                      </a:r>
+                      <a:r>
+                        <a:rPr lang="en-US" sz="2800" dirty="0"/>
+                        <a:t>. About 0.9</a:t>
+                      </a:r>
+                      <a:endParaRPr lang="en-PH" sz="2800" dirty="0"/>
+                    </a:p>
+                  </a:txBody>
+                  <a:tcPr/>
+                </a:tc>
+                <a:extLst>
+                  <a:ext uri="{0D108BD9-81ED-4DB2-BD59-A6C34878D82A}">
+                    <a16:rowId xmlns:a16="http://schemas.microsoft.com/office/drawing/2014/main" val="3090890639"/>
+                  </a:ext>
+                </a:extLst>
+              </a:tr>
+              <a:tr h="599033">
+                <a:tc>
+                  <a:txBody>
+                    <a:bodyPr/>
+                    <a:lstStyle/>
+                    <a:p>
+                      <a:r>
+                        <a:rPr lang="en-US" sz="2800" b="1" dirty="0"/>
+                        <a:t>B</a:t>
+                      </a:r>
+                      <a:r>
+                        <a:rPr lang="en-US" sz="2800" dirty="0"/>
+                        <a:t>. About 0.10</a:t>
+                      </a:r>
+                    </a:p>
+                  </a:txBody>
+                  <a:tcPr/>
+                </a:tc>
+                <a:extLst>
+                  <a:ext uri="{0D108BD9-81ED-4DB2-BD59-A6C34878D82A}">
+                    <a16:rowId xmlns:a16="http://schemas.microsoft.com/office/drawing/2014/main" val="2340900590"/>
+                  </a:ext>
+                </a:extLst>
+              </a:tr>
+              <a:tr h="508725">
+                <a:tc>
+                  <a:txBody>
+                    <a:bodyPr/>
+                    <a:lstStyle/>
+                    <a:p>
+                      <a:r>
+                        <a:rPr lang="en-US" sz="2800" b="1" dirty="0"/>
+                        <a:t>C</a:t>
+                      </a:r>
+                      <a:r>
+                        <a:rPr lang="en-US" sz="2800" dirty="0"/>
+                        <a:t>. About 0.35</a:t>
+                      </a:r>
+                      <a:endParaRPr lang="en-PH" sz="2800" dirty="0"/>
+                    </a:p>
+                  </a:txBody>
+                  <a:tcPr>
+                    <a:solidFill>
+                      <a:srgbClr val="FFFF00"/>
+                    </a:solidFill>
+                  </a:tcPr>
+                </a:tc>
+                <a:extLst>
+                  <a:ext uri="{0D108BD9-81ED-4DB2-BD59-A6C34878D82A}">
+                    <a16:rowId xmlns:a16="http://schemas.microsoft.com/office/drawing/2014/main" val="3017780003"/>
+                  </a:ext>
+                </a:extLst>
+              </a:tr>
+              <a:tr h="508725">
+                <a:tc>
+                  <a:txBody>
+                    <a:bodyPr/>
+                    <a:lstStyle/>
+                    <a:p>
+                      <a:pPr marL="0" marR="0" lvl="0" indent="0" algn="l" defTabSz="914400" rtl="0" eaLnBrk="1" fontAlgn="auto" latinLnBrk="0" hangingPunct="1">
+                        <a:lnSpc>
+                          <a:spcPct val="100000"/>
+                        </a:lnSpc>
+                        <a:spcBef>
+                          <a:spcPts val="0"/>
+                        </a:spcBef>
+                        <a:spcAft>
+                          <a:spcPts val="0"/>
+                        </a:spcAft>
+                        <a:buClrTx/>
+                        <a:buSzTx/>
+                        <a:buFontTx/>
+                        <a:buNone/>
+                        <a:tabLst/>
+                        <a:defRPr/>
+                      </a:pPr>
+                      <a:r>
+                        <a:rPr lang="en-US" sz="2800" b="1" kern="1200" dirty="0">
+                          <a:solidFill>
+                            <a:schemeClr val="tx1"/>
+                          </a:solidFill>
+                          <a:latin typeface="+mn-lt"/>
+                          <a:ea typeface="+mn-ea"/>
+                          <a:cs typeface="+mn-cs"/>
+                        </a:rPr>
+                        <a:t>D</a:t>
+                      </a:r>
+                      <a:r>
+                        <a:rPr lang="en-US" sz="2800" kern="1200" dirty="0">
+                          <a:solidFill>
+                            <a:schemeClr val="tx1"/>
+                          </a:solidFill>
+                          <a:latin typeface="+mn-lt"/>
+                          <a:ea typeface="+mn-ea"/>
+                          <a:cs typeface="+mn-cs"/>
+                        </a:rPr>
+                        <a:t>. About 0.01</a:t>
+                      </a:r>
+                      <a:endParaRPr lang="en-PH" sz="2800" kern="1200" dirty="0">
+                        <a:solidFill>
+                          <a:schemeClr val="tx1"/>
+                        </a:solidFill>
+                        <a:latin typeface="+mn-lt"/>
+                        <a:ea typeface="+mn-ea"/>
+                        <a:cs typeface="+mn-cs"/>
+                      </a:endParaRPr>
+                    </a:p>
+                  </a:txBody>
+                  <a:tcPr/>
+                </a:tc>
+                <a:extLst>
+                  <a:ext uri="{0D108BD9-81ED-4DB2-BD59-A6C34878D82A}">
+                    <a16:rowId xmlns:a16="http://schemas.microsoft.com/office/drawing/2014/main" val="716630035"/>
+                  </a:ext>
+                </a:extLst>
+              </a:tr>
+            </a:tbl>
+          </a:graphicData>
+        </a:graphic>
+      </p:graphicFrame>
+      <mc:AlternateContent xmlns:mc="http://schemas.openxmlformats.org/markup-compatibility/2006">
+        <mc:Choice xmlns:a14="http://schemas.microsoft.com/office/drawing/2010/main" Requires="a14">
+          <p:sp>
+            <p:nvSpPr>
+              <p:cNvPr id="3" name="TextBox 2">
+                <a:extLst>
+                  <a:ext uri="{FF2B5EF4-FFF2-40B4-BE49-F238E27FC236}">
+                    <a16:creationId xmlns:a16="http://schemas.microsoft.com/office/drawing/2014/main" id="{6C6DD799-D5A2-206B-E85E-BB81059A54D0}"/>
+                  </a:ext>
+                </a:extLst>
+              </p:cNvPr>
+              <p:cNvSpPr txBox="1"/>
+              <p:nvPr/>
+            </p:nvSpPr>
+            <p:spPr>
+              <a:xfrm>
+                <a:off x="932463" y="4584514"/>
+                <a:ext cx="10209012" cy="1415772"/>
+              </a:xfrm>
+              <a:prstGeom prst="rect">
+                <a:avLst/>
+              </a:prstGeom>
+              <a:noFill/>
+            </p:spPr>
+            <p:txBody>
+              <a:bodyPr wrap="square" rtlCol="0">
+                <a:spAutoFit/>
+              </a:bodyPr>
+              <a:lstStyle/>
+              <a:p>
+                <a:pPr/>
+                <a14:m>
+                  <m:oMath xmlns:m="http://schemas.openxmlformats.org/officeDocument/2006/math">
+                    <m:sSup>
+                      <m:sSupPr>
+                        <m:ctrlPr>
+                          <a:rPr lang="en-US" sz="2800" b="0" i="1" smtClean="0">
+                            <a:latin typeface="Cambria Math" panose="02040503050406030204" pitchFamily="18" charset="0"/>
+                          </a:rPr>
+                        </m:ctrlPr>
+                      </m:sSupPr>
+                      <m:e>
+                        <m:r>
+                          <a:rPr lang="en-US" sz="2800" i="1">
+                            <a:latin typeface="Cambria Math" panose="02040503050406030204" pitchFamily="18" charset="0"/>
+                          </a:rPr>
+                          <m:t>(1 −</m:t>
+                        </m:r>
+                        <m:r>
+                          <a:rPr lang="en-US" sz="2800" i="1">
+                            <a:latin typeface="Cambria Math" panose="02040503050406030204" pitchFamily="18" charset="0"/>
+                            <a:ea typeface="Cambria Math" panose="02040503050406030204" pitchFamily="18" charset="0"/>
+                          </a:rPr>
+                          <m:t>𝜆</m:t>
+                        </m:r>
+                        <m:r>
+                          <a:rPr lang="en-US" sz="2800" i="1">
+                            <a:latin typeface="Cambria Math" panose="02040503050406030204" pitchFamily="18" charset="0"/>
+                            <a:ea typeface="Cambria Math" panose="02040503050406030204" pitchFamily="18" charset="0"/>
+                          </a:rPr>
+                          <m:t>)</m:t>
+                        </m:r>
+                      </m:e>
+                      <m:sup>
+                        <m:r>
+                          <a:rPr lang="en-US" sz="2800" b="0" i="1" smtClean="0">
+                            <a:latin typeface="Cambria Math" panose="02040503050406030204" pitchFamily="18" charset="0"/>
+                          </a:rPr>
+                          <m:t>10</m:t>
+                        </m:r>
+                      </m:sup>
+                    </m:sSup>
+                  </m:oMath>
+                </a14:m>
+                <a:r>
+                  <a:rPr lang="en-PH" sz="2800" dirty="0"/>
+                  <a:t> = </a:t>
+                </a:r>
+                <a14:m>
+                  <m:oMath xmlns:m="http://schemas.openxmlformats.org/officeDocument/2006/math">
+                    <m:sSup>
+                      <m:sSupPr>
+                        <m:ctrlPr>
+                          <a:rPr lang="en-PH" sz="2800" i="1" smtClean="0">
+                            <a:latin typeface="Cambria Math" panose="02040503050406030204" pitchFamily="18" charset="0"/>
+                          </a:rPr>
+                        </m:ctrlPr>
+                      </m:sSupPr>
+                      <m:e>
+                        <m:r>
+                          <a:rPr lang="en-US" sz="2800" b="0" i="1" smtClean="0">
+                            <a:latin typeface="Cambria Math" panose="02040503050406030204" pitchFamily="18" charset="0"/>
+                          </a:rPr>
+                          <m:t>0.9</m:t>
+                        </m:r>
+                      </m:e>
+                      <m:sup>
+                        <m:r>
+                          <a:rPr lang="en-US" sz="2800" b="0" i="1" smtClean="0">
+                            <a:latin typeface="Cambria Math" panose="02040503050406030204" pitchFamily="18" charset="0"/>
+                          </a:rPr>
+                          <m:t>10</m:t>
+                        </m:r>
+                      </m:sup>
+                    </m:sSup>
+                    <m:r>
+                      <a:rPr lang="en-US" sz="2800" b="0" i="1" smtClean="0">
+                        <a:latin typeface="Cambria Math" panose="02040503050406030204" pitchFamily="18" charset="0"/>
+                      </a:rPr>
+                      <m:t>=</m:t>
+                    </m:r>
+                    <m:r>
+                      <a:rPr lang="en-US" sz="2800" b="0" i="1" smtClean="0">
+                        <a:highlight>
+                          <a:srgbClr val="FFFF00"/>
+                        </a:highlight>
+                        <a:latin typeface="Cambria Math" panose="02040503050406030204" pitchFamily="18" charset="0"/>
+                      </a:rPr>
+                      <m:t>0.35</m:t>
+                    </m:r>
+                  </m:oMath>
+                </a14:m>
+                <a:endParaRPr lang="en-US" sz="2800" b="0" dirty="0">
+                  <a:highlight>
+                    <a:srgbClr val="FFFF00"/>
+                  </a:highlight>
+                </a:endParaRPr>
+              </a:p>
+              <a:p>
+                <a:pPr/>
+                <a:endParaRPr lang="en-US" sz="1000" b="0" dirty="0"/>
+              </a:p>
+              <a:p>
+                <a:pPr/>
+                <a:r>
+                  <a:rPr lang="en-PH" sz="2400" dirty="0"/>
+                  <a:t>* </a:t>
+                </a:r>
+                <a:r>
+                  <a:rPr lang="en-US" sz="2400" dirty="0"/>
+                  <a:t>Roughly </a:t>
+                </a:r>
+                <a:r>
+                  <a:rPr lang="en-US" sz="2400" b="1" dirty="0"/>
+                  <a:t>35% </a:t>
+                </a:r>
+                <a:r>
+                  <a:rPr lang="en-US" sz="2400" dirty="0"/>
+                  <a:t>of the old state’s influence can remain after 10 updates, slow decay when</a:t>
+                </a:r>
+                <a14:m>
+                  <m:oMath xmlns:m="http://schemas.openxmlformats.org/officeDocument/2006/math">
+                    <m:r>
+                      <a:rPr lang="en-US" sz="2400" b="0" i="0" smtClean="0">
+                        <a:latin typeface="Cambria Math" panose="02040503050406030204" pitchFamily="18" charset="0"/>
+                        <a:ea typeface="Cambria Math" panose="02040503050406030204" pitchFamily="18" charset="0"/>
+                      </a:rPr>
+                      <m:t> </m:t>
+                    </m:r>
+                    <m:r>
+                      <a:rPr lang="en-US" sz="2400" i="1">
+                        <a:latin typeface="Cambria Math" panose="02040503050406030204" pitchFamily="18" charset="0"/>
+                        <a:ea typeface="Cambria Math" panose="02040503050406030204" pitchFamily="18" charset="0"/>
+                      </a:rPr>
+                      <m:t>𝜆</m:t>
+                    </m:r>
+                    <m:r>
+                      <a:rPr lang="en-US" sz="2400" b="0" i="1" smtClean="0">
+                        <a:latin typeface="Cambria Math" panose="02040503050406030204" pitchFamily="18" charset="0"/>
+                        <a:ea typeface="Cambria Math" panose="02040503050406030204" pitchFamily="18" charset="0"/>
+                      </a:rPr>
+                      <m:t> </m:t>
+                    </m:r>
+                  </m:oMath>
+                </a14:m>
+                <a:r>
+                  <a:rPr lang="en-US" sz="2400" dirty="0"/>
+                  <a:t>is small. *</a:t>
+                </a:r>
+                <a:endParaRPr lang="en-PH" sz="2400" dirty="0"/>
+              </a:p>
+            </p:txBody>
+          </p:sp>
+        </mc:Choice>
+        <mc:Fallback>
+          <p:sp>
+            <p:nvSpPr>
+              <p:cNvPr id="3" name="TextBox 2">
+                <a:extLst>
+                  <a:ext uri="{FF2B5EF4-FFF2-40B4-BE49-F238E27FC236}">
+                    <a16:creationId xmlns:a16="http://schemas.microsoft.com/office/drawing/2014/main" id="{6C6DD799-D5A2-206B-E85E-BB81059A54D0}"/>
+                  </a:ext>
+                </a:extLst>
+              </p:cNvPr>
+              <p:cNvSpPr txBox="1">
+                <a:spLocks noRot="1" noChangeAspect="1" noMove="1" noResize="1" noEditPoints="1" noAdjustHandles="1" noChangeArrowheads="1" noChangeShapeType="1" noTextEdit="1"/>
+              </p:cNvSpPr>
+              <p:nvPr/>
+            </p:nvSpPr>
+            <p:spPr>
+              <a:xfrm>
+                <a:off x="932463" y="4584514"/>
+                <a:ext cx="10209012" cy="1415772"/>
+              </a:xfrm>
+              <a:prstGeom prst="rect">
+                <a:avLst/>
+              </a:prstGeom>
+              <a:blipFill>
+                <a:blip r:embed="rId3"/>
+                <a:stretch>
+                  <a:fillRect l="-955" t="-3879" b="-9052"/>
+                </a:stretch>
+              </a:blipFill>
+            </p:spPr>
+            <p:txBody>
+              <a:bodyPr/>
+              <a:lstStyle/>
+              <a:p>
+                <a:r>
+                  <a:rPr lang="en-PH">
+                    <a:noFill/>
+                  </a:rPr>
+                  <a:t> </a:t>
+                </a:r>
+              </a:p>
+            </p:txBody>
+          </p:sp>
+        </mc:Fallback>
+      </mc:AlternateContent>
+    </p:spTree>
+    <p:extLst>
+      <p:ext uri="{BB962C8B-B14F-4D97-AF65-F5344CB8AC3E}">
+        <p14:creationId xmlns:p14="http://schemas.microsoft.com/office/powerpoint/2010/main" val="1557967858"/>
+      </p:ext>
+    </p:extLst>
+  </p:cSld>
+  <p:clrMapOvr>
+    <a:masterClrMapping/>
+  </p:clrMapOvr>
+</p:sld>
+</file>
+
+<file path=ppt/slides/slide23.xml><?xml version="1.0" encoding="utf-8"?>
+<p:sld xmlns:a="http://schemas.openxmlformats.org/drawingml/2006/main" xmlns:r="http://schemas.openxmlformats.org/officeDocument/2006/relationships" xmlns:p="http://schemas.openxmlformats.org/presentationml/2006/main">
+  <p:cSld>
+    <p:spTree>
+      <p:nvGrpSpPr>
+        <p:cNvPr id="1" name="">
+          <a:extLst>
+            <a:ext uri="{FF2B5EF4-FFF2-40B4-BE49-F238E27FC236}">
+              <a16:creationId xmlns:a16="http://schemas.microsoft.com/office/drawing/2014/main" id="{77D2A6DC-243C-EC4F-1B2B-21B58DAEA2A6}"/>
+            </a:ext>
+          </a:extLst>
+        </p:cNvPr>
+        <p:cNvGrpSpPr/>
+        <p:nvPr/>
+      </p:nvGrpSpPr>
+      <p:grpSpPr>
+        <a:xfrm>
+          <a:off x="0" y="0"/>
+          <a:ext cx="0" cy="0"/>
+          <a:chOff x="0" y="0"/>
+          <a:chExt cx="0" cy="0"/>
+        </a:xfrm>
+      </p:grpSpPr>
+      <p:sp>
+        <p:nvSpPr>
+          <p:cNvPr id="2" name="TextBox 1">
+            <a:extLst>
+              <a:ext uri="{FF2B5EF4-FFF2-40B4-BE49-F238E27FC236}">
+                <a16:creationId xmlns:a16="http://schemas.microsoft.com/office/drawing/2014/main" id="{F2A8CD80-836A-337D-BDAF-87FDA2324CAC}"/>
+              </a:ext>
+            </a:extLst>
+          </p:cNvPr>
+          <p:cNvSpPr txBox="1"/>
+          <p:nvPr/>
+        </p:nvSpPr>
+        <p:spPr>
+          <a:xfrm>
+            <a:off x="932463" y="885546"/>
+            <a:ext cx="10282560" cy="1077218"/>
+          </a:xfrm>
+          <a:prstGeom prst="rect">
+            <a:avLst/>
+          </a:prstGeom>
+          <a:noFill/>
+        </p:spPr>
+        <p:txBody>
+          <a:bodyPr wrap="square" rtlCol="0">
+            <a:spAutoFit/>
+          </a:bodyPr>
+          <a:lstStyle/>
+          <a:p>
+            <a:r>
+              <a:rPr lang="en-US" sz="3200" b="1" dirty="0"/>
+              <a:t>04. </a:t>
+            </a:r>
+            <a:r>
+              <a:rPr lang="en-US" sz="3200" dirty="0"/>
+              <a:t>Which λ would you choose if you want the EWMA to be very smooth and not overreact to noise?</a:t>
+            </a:r>
+            <a:endParaRPr lang="en-PH" sz="3200" dirty="0"/>
+          </a:p>
+        </p:txBody>
+      </p:sp>
+      <p:graphicFrame>
+        <p:nvGraphicFramePr>
+          <p:cNvPr id="4" name="Table 3">
+            <a:extLst>
+              <a:ext uri="{FF2B5EF4-FFF2-40B4-BE49-F238E27FC236}">
+                <a16:creationId xmlns:a16="http://schemas.microsoft.com/office/drawing/2014/main" id="{A66F5872-23E5-5BA8-C836-2E32D392235F}"/>
+              </a:ext>
+            </a:extLst>
+          </p:cNvPr>
+          <p:cNvGraphicFramePr>
+            <a:graphicFrameLocks noGrp="1"/>
+          </p:cNvGraphicFramePr>
+          <p:nvPr>
+            <p:extLst>
+              <p:ext uri="{D42A27DB-BD31-4B8C-83A1-F6EECF244321}">
+                <p14:modId xmlns:p14="http://schemas.microsoft.com/office/powerpoint/2010/main" val="1235892771"/>
+              </p:ext>
+            </p:extLst>
+          </p:nvPr>
+        </p:nvGraphicFramePr>
+        <p:xfrm>
+          <a:off x="932463" y="2539815"/>
+          <a:ext cx="10135464" cy="2153513"/>
+        </p:xfrm>
+        <a:graphic>
+          <a:graphicData uri="http://schemas.openxmlformats.org/drawingml/2006/table">
+            <a:tbl>
+              <a:tblPr firstRow="1" bandRow="1">
+                <a:tableStyleId>{5940675A-B579-460E-94D1-54222C63F5DA}</a:tableStyleId>
+              </a:tblPr>
+              <a:tblGrid>
+                <a:gridCol w="10135464">
+                  <a:extLst>
+                    <a:ext uri="{9D8B030D-6E8A-4147-A177-3AD203B41FA5}">
+                      <a16:colId xmlns:a16="http://schemas.microsoft.com/office/drawing/2014/main" val="347220614"/>
+                    </a:ext>
+                  </a:extLst>
+                </a:gridCol>
+              </a:tblGrid>
+              <a:tr h="417278">
+                <a:tc>
+                  <a:txBody>
+                    <a:bodyPr/>
+                    <a:lstStyle/>
+                    <a:p>
+                      <a:r>
+                        <a:rPr lang="en-US" sz="2800" b="1" dirty="0"/>
+                        <a:t>A</a:t>
+                      </a:r>
+                      <a:r>
+                        <a:rPr lang="en-US" sz="2800" dirty="0"/>
+                        <a:t>. 0.85</a:t>
+                      </a:r>
+                      <a:endParaRPr lang="en-PH" sz="2800" dirty="0"/>
+                    </a:p>
+                  </a:txBody>
+                  <a:tcPr/>
+                </a:tc>
+                <a:extLst>
+                  <a:ext uri="{0D108BD9-81ED-4DB2-BD59-A6C34878D82A}">
+                    <a16:rowId xmlns:a16="http://schemas.microsoft.com/office/drawing/2014/main" val="3090890639"/>
+                  </a:ext>
+                </a:extLst>
+              </a:tr>
+              <a:tr h="599033">
+                <a:tc>
+                  <a:txBody>
+                    <a:bodyPr/>
+                    <a:lstStyle/>
+                    <a:p>
+                      <a:r>
+                        <a:rPr lang="en-US" sz="2800" b="1" dirty="0"/>
+                        <a:t>B</a:t>
+                      </a:r>
+                      <a:r>
+                        <a:rPr lang="en-US" sz="2800" dirty="0"/>
+                        <a:t>. 0.60</a:t>
+                      </a:r>
+                    </a:p>
+                  </a:txBody>
+                  <a:tcPr/>
+                </a:tc>
+                <a:extLst>
+                  <a:ext uri="{0D108BD9-81ED-4DB2-BD59-A6C34878D82A}">
+                    <a16:rowId xmlns:a16="http://schemas.microsoft.com/office/drawing/2014/main" val="2340900590"/>
+                  </a:ext>
+                </a:extLst>
+              </a:tr>
+              <a:tr h="508725">
+                <a:tc>
+                  <a:txBody>
+                    <a:bodyPr/>
+                    <a:lstStyle/>
+                    <a:p>
+                      <a:r>
+                        <a:rPr lang="en-US" sz="2800" b="1" dirty="0"/>
+                        <a:t>C</a:t>
+                      </a:r>
+                      <a:r>
+                        <a:rPr lang="en-US" sz="2800" dirty="0"/>
+                        <a:t>. 0.30</a:t>
+                      </a:r>
+                      <a:endParaRPr lang="en-PH" sz="2800" dirty="0"/>
+                    </a:p>
+                  </a:txBody>
+                  <a:tcPr>
+                    <a:solidFill>
+                      <a:schemeClr val="bg1"/>
+                    </a:solidFill>
+                  </a:tcPr>
+                </a:tc>
+                <a:extLst>
+                  <a:ext uri="{0D108BD9-81ED-4DB2-BD59-A6C34878D82A}">
+                    <a16:rowId xmlns:a16="http://schemas.microsoft.com/office/drawing/2014/main" val="3017780003"/>
+                  </a:ext>
+                </a:extLst>
+              </a:tr>
+              <a:tr h="508725">
+                <a:tc>
+                  <a:txBody>
+                    <a:bodyPr/>
+                    <a:lstStyle/>
+                    <a:p>
+                      <a:pPr marL="0" marR="0" lvl="0" indent="0" algn="l" defTabSz="914400" rtl="0" eaLnBrk="1" fontAlgn="auto" latinLnBrk="0" hangingPunct="1">
+                        <a:lnSpc>
+                          <a:spcPct val="100000"/>
+                        </a:lnSpc>
+                        <a:spcBef>
+                          <a:spcPts val="0"/>
+                        </a:spcBef>
+                        <a:spcAft>
+                          <a:spcPts val="0"/>
+                        </a:spcAft>
+                        <a:buClrTx/>
+                        <a:buSzTx/>
+                        <a:buFontTx/>
+                        <a:buNone/>
+                        <a:tabLst/>
+                        <a:defRPr/>
+                      </a:pPr>
+                      <a:r>
+                        <a:rPr lang="en-US" sz="2800" b="1" kern="1200" dirty="0">
+                          <a:solidFill>
+                            <a:schemeClr val="tx1"/>
+                          </a:solidFill>
+                          <a:latin typeface="+mn-lt"/>
+                          <a:ea typeface="+mn-ea"/>
+                          <a:cs typeface="+mn-cs"/>
+                        </a:rPr>
+                        <a:t>D</a:t>
+                      </a:r>
+                      <a:r>
+                        <a:rPr lang="en-US" sz="2800" kern="1200" dirty="0">
+                          <a:solidFill>
+                            <a:schemeClr val="tx1"/>
+                          </a:solidFill>
+                          <a:latin typeface="+mn-lt"/>
+                          <a:ea typeface="+mn-ea"/>
+                          <a:cs typeface="+mn-cs"/>
+                        </a:rPr>
+                        <a:t>. 0.10</a:t>
+                      </a:r>
+                      <a:endParaRPr lang="en-PH" sz="2800" kern="1200" dirty="0">
+                        <a:solidFill>
+                          <a:schemeClr val="tx1"/>
+                        </a:solidFill>
+                        <a:latin typeface="+mn-lt"/>
+                        <a:ea typeface="+mn-ea"/>
+                        <a:cs typeface="+mn-cs"/>
+                      </a:endParaRPr>
+                    </a:p>
+                  </a:txBody>
+                  <a:tcPr/>
+                </a:tc>
+                <a:extLst>
+                  <a:ext uri="{0D108BD9-81ED-4DB2-BD59-A6C34878D82A}">
+                    <a16:rowId xmlns:a16="http://schemas.microsoft.com/office/drawing/2014/main" val="716630035"/>
+                  </a:ext>
+                </a:extLst>
+              </a:tr>
+            </a:tbl>
+          </a:graphicData>
+        </a:graphic>
+      </p:graphicFrame>
+    </p:spTree>
+    <p:extLst>
+      <p:ext uri="{BB962C8B-B14F-4D97-AF65-F5344CB8AC3E}">
+        <p14:creationId xmlns:p14="http://schemas.microsoft.com/office/powerpoint/2010/main" val="3296735477"/>
+      </p:ext>
+    </p:extLst>
+  </p:cSld>
+  <p:clrMapOvr>
+    <a:masterClrMapping/>
+  </p:clrMapOvr>
+</p:sld>
+</file>
+
+<file path=ppt/slides/slide24.xml><?xml version="1.0" encoding="utf-8"?>
+<p:sld xmlns:a="http://schemas.openxmlformats.org/drawingml/2006/main" xmlns:r="http://schemas.openxmlformats.org/officeDocument/2006/relationships" xmlns:p="http://schemas.openxmlformats.org/presentationml/2006/main">
+  <p:cSld>
+    <p:spTree>
+      <p:nvGrpSpPr>
+        <p:cNvPr id="1" name="">
+          <a:extLst>
+            <a:ext uri="{FF2B5EF4-FFF2-40B4-BE49-F238E27FC236}">
+              <a16:creationId xmlns:a16="http://schemas.microsoft.com/office/drawing/2014/main" id="{C4ACA51C-65B7-910E-BC11-B3443E052B6E}"/>
+            </a:ext>
+          </a:extLst>
+        </p:cNvPr>
+        <p:cNvGrpSpPr/>
+        <p:nvPr/>
+      </p:nvGrpSpPr>
+      <p:grpSpPr>
+        <a:xfrm>
+          <a:off x="0" y="0"/>
+          <a:ext cx="0" cy="0"/>
+          <a:chOff x="0" y="0"/>
+          <a:chExt cx="0" cy="0"/>
+        </a:xfrm>
+      </p:grpSpPr>
+      <p:sp>
+        <p:nvSpPr>
+          <p:cNvPr id="2" name="TextBox 1">
+            <a:extLst>
+              <a:ext uri="{FF2B5EF4-FFF2-40B4-BE49-F238E27FC236}">
+                <a16:creationId xmlns:a16="http://schemas.microsoft.com/office/drawing/2014/main" id="{BD8D59B2-03E5-E0E8-BA4F-A3E2297CAEAC}"/>
+              </a:ext>
+            </a:extLst>
+          </p:cNvPr>
+          <p:cNvSpPr txBox="1"/>
+          <p:nvPr/>
+        </p:nvSpPr>
+        <p:spPr>
+          <a:xfrm>
+            <a:off x="932463" y="885546"/>
+            <a:ext cx="10282560" cy="1077218"/>
+          </a:xfrm>
+          <a:prstGeom prst="rect">
+            <a:avLst/>
+          </a:prstGeom>
+          <a:noFill/>
+        </p:spPr>
+        <p:txBody>
+          <a:bodyPr wrap="square" rtlCol="0">
+            <a:spAutoFit/>
+          </a:bodyPr>
+          <a:lstStyle/>
+          <a:p>
+            <a:r>
+              <a:rPr lang="en-US" sz="3200" b="1" dirty="0"/>
+              <a:t>04. </a:t>
+            </a:r>
+            <a:r>
+              <a:rPr lang="en-US" sz="3200" dirty="0"/>
+              <a:t>Which λ would you choose if you want the EWMA to be very smooth and not overreact to noise?</a:t>
+            </a:r>
+            <a:endParaRPr lang="en-PH" sz="3200" dirty="0"/>
+          </a:p>
+        </p:txBody>
+      </p:sp>
+      <p:graphicFrame>
+        <p:nvGraphicFramePr>
+          <p:cNvPr id="4" name="Table 3">
+            <a:extLst>
+              <a:ext uri="{FF2B5EF4-FFF2-40B4-BE49-F238E27FC236}">
+                <a16:creationId xmlns:a16="http://schemas.microsoft.com/office/drawing/2014/main" id="{E758D0EA-B340-CC26-B171-FFDDF3DAAB50}"/>
+              </a:ext>
+            </a:extLst>
+          </p:cNvPr>
+          <p:cNvGraphicFramePr>
+            <a:graphicFrameLocks noGrp="1"/>
+          </p:cNvGraphicFramePr>
+          <p:nvPr>
+            <p:extLst>
+              <p:ext uri="{D42A27DB-BD31-4B8C-83A1-F6EECF244321}">
+                <p14:modId xmlns:p14="http://schemas.microsoft.com/office/powerpoint/2010/main" val="3555848857"/>
+              </p:ext>
+            </p:extLst>
+          </p:nvPr>
+        </p:nvGraphicFramePr>
+        <p:xfrm>
+          <a:off x="932463" y="2273486"/>
+          <a:ext cx="10135464" cy="2153513"/>
+        </p:xfrm>
+        <a:graphic>
+          <a:graphicData uri="http://schemas.openxmlformats.org/drawingml/2006/table">
+            <a:tbl>
+              <a:tblPr firstRow="1" bandRow="1">
+                <a:tableStyleId>{5940675A-B579-460E-94D1-54222C63F5DA}</a:tableStyleId>
+              </a:tblPr>
+              <a:tblGrid>
+                <a:gridCol w="10135464">
+                  <a:extLst>
+                    <a:ext uri="{9D8B030D-6E8A-4147-A177-3AD203B41FA5}">
+                      <a16:colId xmlns:a16="http://schemas.microsoft.com/office/drawing/2014/main" val="347220614"/>
+                    </a:ext>
+                  </a:extLst>
+                </a:gridCol>
+              </a:tblGrid>
+              <a:tr h="364813">
+                <a:tc>
+                  <a:txBody>
+                    <a:bodyPr/>
+                    <a:lstStyle/>
+                    <a:p>
+                      <a:r>
+                        <a:rPr lang="en-US" sz="2800" b="1" dirty="0"/>
+                        <a:t>A</a:t>
+                      </a:r>
+                      <a:r>
+                        <a:rPr lang="en-US" sz="2800" dirty="0"/>
+                        <a:t>. 0.85</a:t>
+                      </a:r>
+                      <a:endParaRPr lang="en-PH" sz="2800" dirty="0"/>
+                    </a:p>
+                  </a:txBody>
+                  <a:tcPr/>
+                </a:tc>
+                <a:extLst>
+                  <a:ext uri="{0D108BD9-81ED-4DB2-BD59-A6C34878D82A}">
+                    <a16:rowId xmlns:a16="http://schemas.microsoft.com/office/drawing/2014/main" val="3090890639"/>
+                  </a:ext>
+                </a:extLst>
+              </a:tr>
+              <a:tr h="599033">
+                <a:tc>
+                  <a:txBody>
+                    <a:bodyPr/>
+                    <a:lstStyle/>
+                    <a:p>
+                      <a:r>
+                        <a:rPr lang="en-US" sz="2800" b="1" dirty="0"/>
+                        <a:t>B</a:t>
+                      </a:r>
+                      <a:r>
+                        <a:rPr lang="en-US" sz="2800" dirty="0"/>
+                        <a:t>. 0.60</a:t>
+                      </a:r>
+                    </a:p>
+                  </a:txBody>
+                  <a:tcPr/>
+                </a:tc>
+                <a:extLst>
+                  <a:ext uri="{0D108BD9-81ED-4DB2-BD59-A6C34878D82A}">
+                    <a16:rowId xmlns:a16="http://schemas.microsoft.com/office/drawing/2014/main" val="2340900590"/>
+                  </a:ext>
+                </a:extLst>
+              </a:tr>
+              <a:tr h="508725">
+                <a:tc>
+                  <a:txBody>
+                    <a:bodyPr/>
+                    <a:lstStyle/>
+                    <a:p>
+                      <a:r>
+                        <a:rPr lang="en-US" sz="2800" b="1" dirty="0"/>
+                        <a:t>C</a:t>
+                      </a:r>
+                      <a:r>
+                        <a:rPr lang="en-US" sz="2800" dirty="0"/>
+                        <a:t>. 0.30</a:t>
+                      </a:r>
+                      <a:endParaRPr lang="en-PH" sz="2800" dirty="0"/>
+                    </a:p>
+                  </a:txBody>
+                  <a:tcPr>
+                    <a:solidFill>
+                      <a:schemeClr val="bg1"/>
+                    </a:solidFill>
+                  </a:tcPr>
+                </a:tc>
+                <a:extLst>
+                  <a:ext uri="{0D108BD9-81ED-4DB2-BD59-A6C34878D82A}">
+                    <a16:rowId xmlns:a16="http://schemas.microsoft.com/office/drawing/2014/main" val="3017780003"/>
+                  </a:ext>
+                </a:extLst>
+              </a:tr>
+              <a:tr h="508725">
+                <a:tc>
+                  <a:txBody>
+                    <a:bodyPr/>
+                    <a:lstStyle/>
+                    <a:p>
+                      <a:pPr marL="0" marR="0" lvl="0" indent="0" algn="l" defTabSz="914400" rtl="0" eaLnBrk="1" fontAlgn="auto" latinLnBrk="0" hangingPunct="1">
+                        <a:lnSpc>
+                          <a:spcPct val="100000"/>
+                        </a:lnSpc>
+                        <a:spcBef>
+                          <a:spcPts val="0"/>
+                        </a:spcBef>
+                        <a:spcAft>
+                          <a:spcPts val="0"/>
+                        </a:spcAft>
+                        <a:buClrTx/>
+                        <a:buSzTx/>
+                        <a:buFontTx/>
+                        <a:buNone/>
+                        <a:tabLst/>
+                        <a:defRPr/>
+                      </a:pPr>
+                      <a:r>
+                        <a:rPr lang="en-US" sz="2800" b="1" kern="1200" dirty="0">
+                          <a:solidFill>
+                            <a:schemeClr val="tx1"/>
+                          </a:solidFill>
+                          <a:latin typeface="+mn-lt"/>
+                          <a:ea typeface="+mn-ea"/>
+                          <a:cs typeface="+mn-cs"/>
+                        </a:rPr>
+                        <a:t>D</a:t>
+                      </a:r>
+                      <a:r>
+                        <a:rPr lang="en-US" sz="2800" kern="1200" dirty="0">
+                          <a:solidFill>
+                            <a:schemeClr val="tx1"/>
+                          </a:solidFill>
+                          <a:latin typeface="+mn-lt"/>
+                          <a:ea typeface="+mn-ea"/>
+                          <a:cs typeface="+mn-cs"/>
+                        </a:rPr>
+                        <a:t>. 0.10</a:t>
+                      </a:r>
+                      <a:endParaRPr lang="en-PH" sz="2800" kern="1200" dirty="0">
+                        <a:solidFill>
+                          <a:schemeClr val="tx1"/>
+                        </a:solidFill>
+                        <a:latin typeface="+mn-lt"/>
+                        <a:ea typeface="+mn-ea"/>
+                        <a:cs typeface="+mn-cs"/>
+                      </a:endParaRPr>
+                    </a:p>
+                  </a:txBody>
+                  <a:tcPr>
+                    <a:solidFill>
+                      <a:srgbClr val="FFFF00"/>
+                    </a:solidFill>
+                  </a:tcPr>
+                </a:tc>
+                <a:extLst>
+                  <a:ext uri="{0D108BD9-81ED-4DB2-BD59-A6C34878D82A}">
+                    <a16:rowId xmlns:a16="http://schemas.microsoft.com/office/drawing/2014/main" val="716630035"/>
+                  </a:ext>
+                </a:extLst>
+              </a:tr>
+            </a:tbl>
+          </a:graphicData>
+        </a:graphic>
+      </p:graphicFrame>
+      <mc:AlternateContent xmlns:mc="http://schemas.openxmlformats.org/markup-compatibility/2006">
+        <mc:Choice xmlns:a14="http://schemas.microsoft.com/office/drawing/2010/main" Requires="a14">
+          <p:sp>
+            <p:nvSpPr>
+              <p:cNvPr id="3" name="TextBox 2">
+                <a:extLst>
+                  <a:ext uri="{FF2B5EF4-FFF2-40B4-BE49-F238E27FC236}">
+                    <a16:creationId xmlns:a16="http://schemas.microsoft.com/office/drawing/2014/main" id="{2FA597F9-1AA5-AA35-B3E6-8A2ED67DE7F7}"/>
+                  </a:ext>
+                </a:extLst>
+              </p:cNvPr>
+              <p:cNvSpPr txBox="1"/>
+              <p:nvPr/>
+            </p:nvSpPr>
+            <p:spPr>
+              <a:xfrm>
+                <a:off x="932463" y="4584514"/>
+                <a:ext cx="10209012" cy="1384995"/>
+              </a:xfrm>
+              <a:prstGeom prst="rect">
+                <a:avLst/>
+              </a:prstGeom>
+              <a:noFill/>
+            </p:spPr>
+            <p:txBody>
+              <a:bodyPr wrap="square" rtlCol="0">
+                <a:spAutoFit/>
+              </a:bodyPr>
+              <a:lstStyle/>
+              <a:p>
+                <a:r>
+                  <a:rPr lang="en-US" sz="2800" dirty="0"/>
+                  <a:t>Smaller </a:t>
+                </a:r>
+                <a14:m>
+                  <m:oMath xmlns:m="http://schemas.openxmlformats.org/officeDocument/2006/math">
+                    <m:r>
+                      <a:rPr lang="en-US" sz="2800" i="1"/>
+                      <m:t>𝜆</m:t>
+                    </m:r>
+                  </m:oMath>
+                </a14:m>
+                <a:r>
+                  <a:rPr lang="en-US" sz="2800" dirty="0"/>
+                  <a:t> means the EWMA relies more on past values and changes slowly, producing a smoother curve. </a:t>
+                </a:r>
+                <a14:m>
+                  <m:oMath xmlns:m="http://schemas.openxmlformats.org/officeDocument/2006/math">
+                    <m:r>
+                      <a:rPr lang="en-US" sz="2800" i="1"/>
+                      <m:t>𝜆</m:t>
+                    </m:r>
+                    <m:r>
+                      <a:rPr lang="en-US" sz="2800"/>
+                      <m:t>=0.</m:t>
+                    </m:r>
+                    <m:r>
+                      <a:rPr lang="en-US" sz="2800" b="0" i="0" smtClean="0">
+                        <a:latin typeface="Cambria Math" panose="02040503050406030204" pitchFamily="18" charset="0"/>
+                      </a:rPr>
+                      <m:t>10 </m:t>
+                    </m:r>
+                  </m:oMath>
+                </a14:m>
+                <a:r>
+                  <a:rPr lang="en-US" sz="2800" dirty="0"/>
+                  <a:t>is the smoothest among the options.</a:t>
+                </a:r>
+              </a:p>
+            </p:txBody>
+          </p:sp>
+        </mc:Choice>
+        <mc:Fallback>
+          <p:sp>
+            <p:nvSpPr>
+              <p:cNvPr id="3" name="TextBox 2">
+                <a:extLst>
+                  <a:ext uri="{FF2B5EF4-FFF2-40B4-BE49-F238E27FC236}">
+                    <a16:creationId xmlns:a16="http://schemas.microsoft.com/office/drawing/2014/main" id="{2FA597F9-1AA5-AA35-B3E6-8A2ED67DE7F7}"/>
+                  </a:ext>
+                </a:extLst>
+              </p:cNvPr>
+              <p:cNvSpPr txBox="1">
+                <a:spLocks noRot="1" noChangeAspect="1" noMove="1" noResize="1" noEditPoints="1" noAdjustHandles="1" noChangeArrowheads="1" noChangeShapeType="1" noTextEdit="1"/>
+              </p:cNvSpPr>
+              <p:nvPr/>
+            </p:nvSpPr>
+            <p:spPr>
+              <a:xfrm>
+                <a:off x="932463" y="4584514"/>
+                <a:ext cx="10209012" cy="1384995"/>
+              </a:xfrm>
+              <a:prstGeom prst="rect">
+                <a:avLst/>
+              </a:prstGeom>
+              <a:blipFill>
+                <a:blip r:embed="rId3"/>
+                <a:stretch>
+                  <a:fillRect l="-1254" t="-3965" b="-11894"/>
+                </a:stretch>
+              </a:blipFill>
+            </p:spPr>
+            <p:txBody>
+              <a:bodyPr/>
+              <a:lstStyle/>
+              <a:p>
+                <a:r>
+                  <a:rPr lang="en-PH">
+                    <a:noFill/>
+                  </a:rPr>
+                  <a:t> </a:t>
+                </a:r>
+              </a:p>
+            </p:txBody>
+          </p:sp>
+        </mc:Fallback>
+      </mc:AlternateContent>
+    </p:spTree>
+    <p:extLst>
+      <p:ext uri="{BB962C8B-B14F-4D97-AF65-F5344CB8AC3E}">
+        <p14:creationId xmlns:p14="http://schemas.microsoft.com/office/powerpoint/2010/main" val="3173434952"/>
+      </p:ext>
+    </p:extLst>
+  </p:cSld>
+  <p:clrMapOvr>
+    <a:masterClrMapping/>
+  </p:clrMapOvr>
+</p:sld>
+</file>
+
+<file path=ppt/slides/slide25.xml><?xml version="1.0" encoding="utf-8"?>
+<p:sld xmlns:a="http://schemas.openxmlformats.org/drawingml/2006/main" xmlns:r="http://schemas.openxmlformats.org/officeDocument/2006/relationships" xmlns:p="http://schemas.openxmlformats.org/presentationml/2006/main">
+  <p:cSld>
+    <p:spTree>
+      <p:nvGrpSpPr>
+        <p:cNvPr id="1" name=""/>
+        <p:cNvGrpSpPr/>
+        <p:nvPr/>
+      </p:nvGrpSpPr>
+      <p:grpSpPr>
+        <a:xfrm>
+          <a:off x="0" y="0"/>
+          <a:ext cx="0" cy="0"/>
+          <a:chOff x="0" y="0"/>
+          <a:chExt cx="0" cy="0"/>
+        </a:xfrm>
+      </p:grpSpPr>
+      <p:sp>
+        <p:nvSpPr>
+          <p:cNvPr id="6" name="TextBox 5"/>
+          <p:cNvSpPr txBox="1"/>
+          <p:nvPr/>
+        </p:nvSpPr>
+        <p:spPr>
+          <a:xfrm>
+            <a:off x="721364" y="2562078"/>
+            <a:ext cx="10749281" cy="830997"/>
+          </a:xfrm>
+          <a:prstGeom prst="rect">
+            <a:avLst/>
+          </a:prstGeom>
+          <a:noFill/>
+        </p:spPr>
+        <p:txBody>
+          <a:bodyPr wrap="square" rtlCol="0">
+            <a:spAutoFit/>
+          </a:bodyPr>
+          <a:lstStyle/>
+          <a:p>
+            <a:pPr algn="ctr"/>
+            <a:r>
+              <a:rPr lang="en-US" sz="4800" b="1" dirty="0">
+                <a:latin typeface="Arial" pitchFamily="34" charset="0"/>
+                <a:cs typeface="Arial" pitchFamily="34" charset="0"/>
+              </a:rPr>
+              <a:t>Thank you very much for listening</a:t>
+            </a:r>
+            <a:r>
+              <a:rPr lang="en-US" sz="3200" b="1" dirty="0">
+                <a:latin typeface="Arial" pitchFamily="34" charset="0"/>
+                <a:cs typeface="Arial" pitchFamily="34" charset="0"/>
+              </a:rPr>
+              <a:t>.</a:t>
+            </a:r>
+            <a:endParaRPr lang="en-US" sz="3200" b="1" dirty="0">
+              <a:solidFill>
+                <a:schemeClr val="accent2"/>
+              </a:solidFill>
+              <a:latin typeface="Arial" pitchFamily="34" charset="0"/>
+              <a:cs typeface="Arial" pitchFamily="34" charset="0"/>
+            </a:endParaRPr>
+          </a:p>
+        </p:txBody>
+      </p:sp>
+    </p:spTree>
+    <p:extLst>
+      <p:ext uri="{BB962C8B-B14F-4D97-AF65-F5344CB8AC3E}">
+        <p14:creationId xmlns:p14="http://schemas.microsoft.com/office/powerpoint/2010/main" val="1328378833"/>
+      </p:ext>
+    </p:extLst>
+  </p:cSld>
+  <p:clrMapOvr>
+    <a:masterClrMapping/>
+  </p:clrMapOvr>
+</p:sld>
+</file>
+
 <file path=ppt/slides/slide3.xml><?xml version="1.0" encoding="utf-8"?>
 <p:sld xmlns:a="http://schemas.openxmlformats.org/drawingml/2006/main" xmlns:r="http://schemas.openxmlformats.org/officeDocument/2006/relationships" xmlns:p="http://schemas.openxmlformats.org/presentationml/2006/main">
   <p:cSld>
@@ -5758,24 +10400,23 @@
           <a:lstStyle/>
           <a:p>
             <a:r>
-              <a:rPr lang="en-US" sz="4400" b="1" dirty="0" smtClean="0"/>
+              <a:rPr lang="en-US" sz="4400" b="1" dirty="0"/>
               <a:t>Motivation:</a:t>
             </a:r>
-            <a:endParaRPr lang="en-US" sz="4400" b="1" dirty="0"/>
           </a:p>
           <a:p>
             <a:endParaRPr lang="en-US" sz="2400" b="1" dirty="0"/>
           </a:p>
           <a:p>
             <a:r>
-              <a:rPr lang="en-US" sz="4000" dirty="0" smtClean="0">
+              <a:rPr lang="en-US" sz="4000" dirty="0">
                 <a:latin typeface="+mj-lt"/>
                 <a:cs typeface="Arial" pitchFamily="34" charset="0"/>
               </a:rPr>
               <a:t>Recently, you noticed </a:t>
             </a:r>
             <a:r>
-              <a:rPr lang="en-US" sz="4000" dirty="0" smtClean="0">
+              <a:rPr lang="en-US" sz="4000" dirty="0">
                 <a:solidFill>
                   <a:srgbClr val="FF0000"/>
                 </a:solidFill>
@@ -5785,7 +10426,7 @@
               <a:t>sudden changes</a:t>
             </a:r>
             <a:r>
-              <a:rPr lang="en-US" sz="4000" dirty="0" smtClean="0">
+              <a:rPr lang="en-US" sz="4000" dirty="0">
                 <a:latin typeface="+mj-lt"/>
                 <a:cs typeface="Arial" pitchFamily="34" charset="0"/>
               </a:rPr>
@@ -5993,24 +10634,23 @@
           <a:lstStyle/>
           <a:p>
             <a:r>
-              <a:rPr lang="en-US" sz="4400" b="1" dirty="0" smtClean="0"/>
+              <a:rPr lang="en-US" sz="4400" b="1" dirty="0"/>
               <a:t>Motivation:</a:t>
             </a:r>
-            <a:endParaRPr lang="en-US" sz="4400" b="1" dirty="0"/>
           </a:p>
           <a:p>
             <a:endParaRPr lang="en-US" sz="2400" b="1" dirty="0"/>
           </a:p>
           <a:p>
             <a:r>
-              <a:rPr lang="en-US" sz="4000" dirty="0" smtClean="0">
+              <a:rPr lang="en-US" sz="4000" dirty="0">
                 <a:latin typeface="+mj-lt"/>
                 <a:cs typeface="Arial" pitchFamily="34" charset="0"/>
               </a:rPr>
               <a:t>How can you </a:t>
             </a:r>
             <a:r>
-              <a:rPr lang="en-US" sz="4000" dirty="0" smtClean="0">
+              <a:rPr lang="en-US" sz="4000" dirty="0">
                 <a:solidFill>
                   <a:srgbClr val="FF0000"/>
                 </a:solidFill>
@@ -6020,7 +10660,7 @@
               <a:t>adjust quickly</a:t>
             </a:r>
             <a:r>
-              <a:rPr lang="en-US" sz="4000" dirty="0" smtClean="0">
+              <a:rPr lang="en-US" sz="4000" dirty="0">
                 <a:latin typeface="+mj-lt"/>
                 <a:cs typeface="Arial" pitchFamily="34" charset="0"/>
               </a:rPr>
@@ -6228,20 +10868,20 @@
           <a:lstStyle/>
           <a:p>
             <a:r>
-              <a:rPr lang="en-US" sz="4400" b="1" dirty="0" smtClean="0"/>
+              <a:rPr lang="en-US" sz="4400" b="1" dirty="0"/>
               <a:t>This is where EWMA helps! </a:t>
             </a:r>
           </a:p>
           <a:p>
-            <a:endParaRPr lang="en-US" sz="4400" b="1" dirty="0" smtClean="0"/>
-          </a:p>
-          <a:p>
-            <a:r>
-              <a:rPr lang="en-US" sz="4400" dirty="0" smtClean="0"/>
+            <a:endParaRPr lang="en-US" sz="4400" b="1" dirty="0"/>
+          </a:p>
+          <a:p>
+            <a:r>
+              <a:rPr lang="en-US" sz="4400" dirty="0"/>
               <a:t>By using EWMA, </a:t>
             </a:r>
             <a:r>
-              <a:rPr lang="en-US" sz="4400" dirty="0" smtClean="0">
+              <a:rPr lang="en-US" sz="4400" dirty="0">
                 <a:solidFill>
                   <a:srgbClr val="C00000"/>
                 </a:solidFill>
@@ -6249,10 +10889,9 @@
               <a:t>you prioritize recent sales </a:t>
             </a:r>
             <a:r>
-              <a:rPr lang="en-US" sz="4400" dirty="0" smtClean="0"/>
+              <a:rPr lang="en-US" sz="4400" dirty="0"/>
               <a:t>information to quickly adapt your orders, ensuring you always have the right amount of coffee beans.</a:t>
             </a:r>
-            <a:endParaRPr lang="en-US" sz="4400" dirty="0"/>
           </a:p>
         </p:txBody>
       </p:sp>
@@ -6309,10 +10948,9 @@
           <a:lstStyle/>
           <a:p>
             <a:r>
-              <a:rPr lang="en-US" sz="4400" b="1" dirty="0" smtClean="0"/>
+              <a:rPr lang="en-US" sz="4400" b="1" dirty="0"/>
               <a:t>EWMA</a:t>
             </a:r>
-            <a:endParaRPr lang="en-US" sz="4400" b="1" dirty="0"/>
           </a:p>
           <a:p>
             <a:endParaRPr lang="en-US" sz="2400" b="1" dirty="0"/>
@@ -6323,7 +10961,7 @@
               <a:buChar char="-"/>
             </a:pPr>
             <a:r>
-              <a:rPr lang="en-US" sz="4000" dirty="0" smtClean="0">
+              <a:rPr lang="en-US" sz="4000" dirty="0">
                 <a:latin typeface="+mj-lt"/>
                 <a:cs typeface="Arial" pitchFamily="34" charset="0"/>
               </a:rPr>
@@ -6340,17 +10978,10 @@
                 <a:latin typeface="+mj-lt"/>
                 <a:cs typeface="Arial" pitchFamily="34" charset="0"/>
               </a:rPr>
-              <a:t>u</a:t>
-            </a:r>
-            <a:r>
-              <a:rPr lang="en-US" sz="4000" dirty="0" smtClean="0">
-                <a:latin typeface="+mj-lt"/>
-                <a:cs typeface="Arial" pitchFamily="34" charset="0"/>
-              </a:rPr>
-              <a:t>nlike SMA, it </a:t>
-            </a:r>
-            <a:r>
-              <a:rPr lang="en-US" sz="4000" dirty="0" smtClean="0">
+              <a:t>unlike SMA, it </a:t>
+            </a:r>
+            <a:r>
+              <a:rPr lang="en-US" sz="4000" dirty="0">
                 <a:solidFill>
                   <a:srgbClr val="C00000"/>
                 </a:solidFill>
@@ -6360,14 +10991,14 @@
               <a:t>assigns importance </a:t>
             </a:r>
             <a:r>
-              <a:rPr lang="en-US" sz="4000" dirty="0" smtClean="0">
+              <a:rPr lang="en-US" sz="4000" dirty="0">
                 <a:latin typeface="+mj-lt"/>
                 <a:cs typeface="Arial" pitchFamily="34" charset="0"/>
               </a:rPr>
               <a:t>(“weight”) to </a:t>
             </a:r>
             <a:r>
-              <a:rPr lang="en-US" sz="4000" dirty="0" smtClean="0">
+              <a:rPr lang="en-US" sz="4000" dirty="0">
                 <a:solidFill>
                   <a:srgbClr val="C00000"/>
                 </a:solidFill>
@@ -6377,16 +11008,12 @@
               <a:t>recent observations</a:t>
             </a:r>
             <a:r>
-              <a:rPr lang="en-US" sz="4000" dirty="0" smtClean="0">
+              <a:rPr lang="en-US" sz="4000" dirty="0">
                 <a:latin typeface="+mj-lt"/>
                 <a:cs typeface="Arial" pitchFamily="34" charset="0"/>
               </a:rPr>
               <a:t>, with older data gradually receiving less importance.</a:t>
             </a:r>
-            <a:endParaRPr lang="en-US" sz="4000" dirty="0">
-              <a:latin typeface="+mj-lt"/>
-              <a:cs typeface="Arial" pitchFamily="34" charset="0"/>
-            </a:endParaRPr>
           </a:p>
         </p:txBody>
       </p:sp>
@@ -6443,10 +11070,9 @@
           <a:lstStyle/>
           <a:p>
             <a:r>
-              <a:rPr lang="en-US" sz="4400" b="1" dirty="0" smtClean="0"/>
+              <a:rPr lang="en-US" sz="4400" b="1" dirty="0"/>
               <a:t>Why use EWMA?</a:t>
             </a:r>
-            <a:endParaRPr lang="en-US" sz="4400" b="1" dirty="0"/>
           </a:p>
           <a:p>
             <a:endParaRPr lang="en-US" sz="2400" b="1" dirty="0"/>
@@ -6457,14 +11083,14 @@
               <a:buChar char="-"/>
             </a:pPr>
             <a:r>
-              <a:rPr lang="en-US" sz="3600" dirty="0" smtClean="0">
+              <a:rPr lang="en-US" sz="3600" dirty="0">
                 <a:latin typeface="+mj-lt"/>
                 <a:cs typeface="Arial" pitchFamily="34" charset="0"/>
               </a:rPr>
               <a:t>recent data carries </a:t>
             </a:r>
             <a:r>
-              <a:rPr lang="en-US" sz="3600" dirty="0" smtClean="0">
+              <a:rPr lang="en-US" sz="3600" dirty="0">
                 <a:solidFill>
                   <a:srgbClr val="C00000"/>
                 </a:solidFill>
@@ -6474,7 +11100,7 @@
               <a:t>more relevance</a:t>
             </a:r>
             <a:r>
-              <a:rPr lang="en-US" sz="3600" dirty="0" smtClean="0">
+              <a:rPr lang="en-US" sz="3600" dirty="0">
                 <a:latin typeface="+mj-lt"/>
                 <a:cs typeface="Arial" pitchFamily="34" charset="0"/>
               </a:rPr>
@@ -6487,7 +11113,7 @@
               <a:buChar char="-"/>
             </a:pPr>
             <a:r>
-              <a:rPr lang="en-US" sz="3600" dirty="0" smtClean="0">
+              <a:rPr lang="en-US" sz="3600" dirty="0">
                 <a:latin typeface="+mj-lt"/>
                 <a:cs typeface="Arial" pitchFamily="34" charset="0"/>
               </a:rPr>
@@ -6500,16 +11126,12 @@
               <a:buChar char="-"/>
             </a:pPr>
             <a:r>
-              <a:rPr lang="en-US" sz="3600" dirty="0" smtClean="0">
+              <a:rPr lang="en-US" sz="3600" dirty="0">
                 <a:latin typeface="+mj-lt"/>
                 <a:cs typeface="Arial" pitchFamily="34" charset="0"/>
               </a:rPr>
               <a:t>rapid detection of changes is crucial</a:t>
             </a:r>
-            <a:endParaRPr lang="en-US" sz="3600" dirty="0">
-              <a:latin typeface="+mj-lt"/>
-              <a:cs typeface="Arial" pitchFamily="34" charset="0"/>
-            </a:endParaRPr>
           </a:p>
         </p:txBody>
       </p:sp>
@@ -6566,17 +11188,16 @@
           <a:lstStyle/>
           <a:p>
             <a:r>
-              <a:rPr lang="en-US" sz="4400" b="1" dirty="0" smtClean="0"/>
+              <a:rPr lang="en-US" sz="4400" b="1" dirty="0"/>
               <a:t>Key Components:</a:t>
             </a:r>
-            <a:endParaRPr lang="en-US" sz="4400" b="1" dirty="0"/>
           </a:p>
           <a:p>
             <a:endParaRPr lang="en-US" sz="2400" b="1" dirty="0"/>
           </a:p>
           <a:p>
             <a:r>
-              <a:rPr lang="en-US" sz="3600" dirty="0" smtClean="0">
+              <a:rPr lang="en-US" sz="3600" dirty="0">
                 <a:latin typeface="+mj-lt"/>
                 <a:cs typeface="Arial" pitchFamily="34" charset="0"/>
               </a:rPr>
@@ -6584,14 +11205,10 @@
             </a:r>
             <a:r>
               <a:rPr lang="el-GR" sz="3600" b="1" dirty="0"/>
-              <a:t>λ </a:t>
-            </a:r>
-            <a:r>
-              <a:rPr lang="el-GR" sz="3600" b="1" dirty="0" smtClean="0"/>
-              <a:t>– </a:t>
-            </a:r>
-            <a:r>
-              <a:rPr lang="en-PH" sz="3600" b="1" dirty="0" smtClean="0"/>
+              <a:t>λ – </a:t>
+            </a:r>
+            <a:r>
+              <a:rPr lang="en-PH" sz="3600" b="1" dirty="0"/>
               <a:t>lambda)</a:t>
             </a:r>
             <a:endParaRPr lang="en-PH" sz="3600" dirty="0"/>
@@ -6602,17 +11219,10 @@
                 <a:latin typeface="+mj-lt"/>
                 <a:cs typeface="Arial" pitchFamily="34" charset="0"/>
               </a:rPr>
-              <a:t> </a:t>
-            </a:r>
-            <a:r>
-              <a:rPr lang="en-US" sz="3600" dirty="0" smtClean="0">
-                <a:latin typeface="+mj-lt"/>
-                <a:cs typeface="Arial" pitchFamily="34" charset="0"/>
-              </a:rPr>
-              <a:t>    - determines the </a:t>
-            </a:r>
-            <a:r>
-              <a:rPr lang="en-US" sz="3600" dirty="0" smtClean="0">
+              <a:t>     - determines the </a:t>
+            </a:r>
+            <a:r>
+              <a:rPr lang="en-US" sz="3600" dirty="0">
                 <a:solidFill>
                   <a:srgbClr val="C00000"/>
                 </a:solidFill>
@@ -6622,7 +11232,7 @@
               <a:t>emphasis</a:t>
             </a:r>
             <a:r>
-              <a:rPr lang="en-US" sz="3600" dirty="0" smtClean="0">
+              <a:rPr lang="en-US" sz="3600" dirty="0">
                 <a:latin typeface="+mj-lt"/>
                 <a:cs typeface="Arial" pitchFamily="34" charset="0"/>
               </a:rPr>
@@ -6635,17 +11245,10 @@
                 <a:latin typeface="+mj-lt"/>
                 <a:cs typeface="Arial" pitchFamily="34" charset="0"/>
               </a:rPr>
-              <a:t> </a:t>
-            </a:r>
-            <a:r>
-              <a:rPr lang="en-US" sz="3600" dirty="0" smtClean="0">
-                <a:latin typeface="+mj-lt"/>
-                <a:cs typeface="Arial" pitchFamily="34" charset="0"/>
-              </a:rPr>
-              <a:t>    - value ranges from </a:t>
-            </a:r>
-            <a:r>
-              <a:rPr lang="en-US" sz="3600" dirty="0" smtClean="0">
+              <a:t>     - value ranges from </a:t>
+            </a:r>
+            <a:r>
+              <a:rPr lang="en-US" sz="3600" dirty="0">
                 <a:solidFill>
                   <a:srgbClr val="C00000"/>
                 </a:solidFill>
@@ -6661,29 +11264,22 @@
                 <a:latin typeface="+mj-lt"/>
                 <a:cs typeface="Arial" pitchFamily="34" charset="0"/>
               </a:rPr>
+              <a:t>     - a higher </a:t>
+            </a:r>
+            <a:r>
+              <a:rPr lang="el-GR" sz="3600" b="1" dirty="0"/>
+              <a:t>λ</a:t>
+            </a:r>
+            <a:r>
+              <a:rPr lang="en-US" sz="3600" b="1" dirty="0"/>
               <a:t> </a:t>
             </a:r>
             <a:r>
-              <a:rPr lang="en-US" sz="3600" dirty="0" smtClean="0">
-                <a:latin typeface="+mj-lt"/>
-                <a:cs typeface="Arial" pitchFamily="34" charset="0"/>
-              </a:rPr>
-              <a:t>    - a higher </a:t>
-            </a:r>
-            <a:r>
-              <a:rPr lang="el-GR" sz="3600" b="1" dirty="0" smtClean="0"/>
-              <a:t>λ</a:t>
-            </a:r>
-            <a:r>
-              <a:rPr lang="en-US" sz="3600" b="1" dirty="0" smtClean="0"/>
-              <a:t> </a:t>
-            </a:r>
-            <a:r>
-              <a:rPr lang="en-US" sz="3600" dirty="0" smtClean="0"/>
+              <a:rPr lang="en-US" sz="3600" dirty="0"/>
               <a:t>indicates </a:t>
             </a:r>
             <a:r>
-              <a:rPr lang="en-US" sz="3600" dirty="0" smtClean="0">
+              <a:rPr lang="en-US" sz="3600" dirty="0">
                 <a:solidFill>
                   <a:srgbClr val="C00000"/>
                 </a:solidFill>
@@ -6691,10 +11287,10 @@
               <a:t>more emphasis</a:t>
             </a:r>
             <a:r>
-              <a:rPr lang="en-US" sz="3600" dirty="0" smtClean="0"/>
+              <a:rPr lang="en-US" sz="3600" dirty="0"/>
               <a:t> on recent data</a:t>
             </a:r>
-            <a:endParaRPr lang="en-US" sz="3600" dirty="0" smtClean="0">
+            <a:endParaRPr lang="en-US" sz="3600" dirty="0">
               <a:latin typeface="+mj-lt"/>
               <a:cs typeface="Arial" pitchFamily="34" charset="0"/>
             </a:endParaRPr>
@@ -6754,17 +11350,16 @@
           <a:lstStyle/>
           <a:p>
             <a:r>
-              <a:rPr lang="en-US" sz="4400" b="1" dirty="0" smtClean="0"/>
+              <a:rPr lang="en-US" sz="4400" b="1" dirty="0"/>
               <a:t>Key Components:</a:t>
             </a:r>
-            <a:endParaRPr lang="en-US" sz="4400" b="1" dirty="0"/>
           </a:p>
           <a:p>
             <a:endParaRPr lang="en-US" sz="2400" b="1" dirty="0"/>
           </a:p>
           <a:p>
             <a:r>
-              <a:rPr lang="en-US" sz="3600" dirty="0" smtClean="0">
+              <a:rPr lang="en-US" sz="3600" dirty="0">
                 <a:latin typeface="+mj-lt"/>
                 <a:cs typeface="Arial" pitchFamily="34" charset="0"/>
               </a:rPr>
@@ -6777,17 +11372,10 @@
                 <a:latin typeface="+mj-lt"/>
                 <a:cs typeface="Arial" pitchFamily="34" charset="0"/>
               </a:rPr>
-              <a:t> </a:t>
-            </a:r>
-            <a:r>
-              <a:rPr lang="en-US" sz="3600" dirty="0" smtClean="0">
-                <a:latin typeface="+mj-lt"/>
-                <a:cs typeface="Arial" pitchFamily="34" charset="0"/>
-              </a:rPr>
-              <a:t>    - the previous EWMA calculation </a:t>
-            </a:r>
-            <a:r>
-              <a:rPr lang="en-US" sz="3600" dirty="0" smtClean="0">
+              <a:t>     - the previous EWMA calculation </a:t>
+            </a:r>
+            <a:r>
+              <a:rPr lang="en-US" sz="3600" dirty="0">
                 <a:solidFill>
                   <a:srgbClr val="C00000"/>
                 </a:solidFill>
@@ -6797,7 +11385,7 @@
               <a:t>influences</a:t>
             </a:r>
             <a:r>
-              <a:rPr lang="en-US" sz="3600" dirty="0" smtClean="0">
+              <a:rPr lang="en-US" sz="3600" dirty="0">
                 <a:latin typeface="+mj-lt"/>
                 <a:cs typeface="Arial" pitchFamily="34" charset="0"/>
               </a:rPr>
@@ -6810,21 +11398,7 @@
                 <a:latin typeface="+mj-lt"/>
                 <a:cs typeface="Arial" pitchFamily="34" charset="0"/>
               </a:rPr>
-              <a:t> </a:t>
-            </a:r>
-            <a:r>
-              <a:rPr lang="en-US" sz="3600" dirty="0" smtClean="0">
-                <a:latin typeface="+mj-lt"/>
-                <a:cs typeface="Arial" pitchFamily="34" charset="0"/>
-              </a:rPr>
-              <a:t>      </a:t>
-            </a:r>
-            <a:r>
-              <a:rPr lang="en-US" sz="3600" dirty="0" smtClean="0">
-                <a:latin typeface="+mj-lt"/>
-                <a:cs typeface="Arial" pitchFamily="34" charset="0"/>
-              </a:rPr>
-              <a:t>EWMA, for smooth transitions and continuity</a:t>
+              <a:t>       EWMA, for smooth transitions and continuity</a:t>
             </a:r>
           </a:p>
         </p:txBody>
@@ -7382,7 +11956,7 @@
   <a:extraClrSchemeLst/>
   <a:extLst>
     <a:ext uri="{05A4C25C-085E-4340-85A3-A5531E510DB2}">
-      <thm15:themeFamily xmlns:thm15="http://schemas.microsoft.com/office/thememl/2012/main" xmlns="" name="Office Theme" id="{62F939B6-93AF-4DB8-9C6B-D6C7DFDC589F}" vid="{4A3C46E8-61CC-4603-A589-7422A47A8E4A}"/>
+      <thm15:themeFamily xmlns:thm15="http://schemas.microsoft.com/office/thememl/2012/main" name="Office Theme" id="{62F939B6-93AF-4DB8-9C6B-D6C7DFDC589F}" vid="{4A3C46E8-61CC-4603-A589-7422A47A8E4A}"/>
     </a:ext>
   </a:extLst>
 </a:theme>
